--- a/projects/abortion laws/Abortion.pptx
+++ b/projects/abortion laws/Abortion.pptx
@@ -7,9 +7,12 @@
   <p:sldIdLst>
     <p:sldId id="256" r:id="rId2"/>
     <p:sldId id="257" r:id="rId3"/>
-    <p:sldId id="258" r:id="rId4"/>
-    <p:sldId id="259" r:id="rId5"/>
-    <p:sldId id="260" r:id="rId6"/>
+    <p:sldId id="262" r:id="rId4"/>
+    <p:sldId id="266" r:id="rId5"/>
+    <p:sldId id="267" r:id="rId6"/>
+    <p:sldId id="261" r:id="rId7"/>
+    <p:sldId id="258" r:id="rId8"/>
+    <p:sldId id="260" r:id="rId9"/>
   </p:sldIdLst>
   <p:sldSz cx="12192000" cy="6858000"/>
   <p:notesSz cx="6858000" cy="9144000"/>
@@ -4159,7 +4162,7 @@
         </p:blipFill>
         <p:spPr bwMode="auto">
           <a:xfrm>
-            <a:off x="7869885" y="3187577"/>
+            <a:off x="965502" y="3933603"/>
             <a:ext cx="2248413" cy="431389"/>
           </a:xfrm>
           <a:prstGeom prst="rect">
@@ -4206,7 +4209,7 @@
         </p:blipFill>
         <p:spPr bwMode="auto">
           <a:xfrm>
-            <a:off x="8782976" y="5054993"/>
+            <a:off x="5859227" y="4016313"/>
             <a:ext cx="697357" cy="697357"/>
           </a:xfrm>
           <a:prstGeom prst="rect">
@@ -4253,7 +4256,7 @@
         </p:blipFill>
         <p:spPr bwMode="auto">
           <a:xfrm>
-            <a:off x="10915523" y="2936770"/>
+            <a:off x="7665799" y="3236246"/>
             <a:ext cx="697357" cy="697357"/>
           </a:xfrm>
           <a:prstGeom prst="rect">
@@ -4298,7 +4301,7 @@
         </p:blipFill>
         <p:spPr bwMode="auto">
           <a:xfrm>
-            <a:off x="10250315" y="4458633"/>
+            <a:off x="7417482" y="5250317"/>
             <a:ext cx="945674" cy="945039"/>
           </a:xfrm>
           <a:prstGeom prst="rect">
@@ -4345,7 +4348,7 @@
         </p:blipFill>
         <p:spPr bwMode="auto">
           <a:xfrm>
-            <a:off x="8238328" y="4198236"/>
+            <a:off x="4024137" y="3429000"/>
             <a:ext cx="1089296" cy="333513"/>
           </a:xfrm>
           <a:prstGeom prst="rect">
@@ -4392,7 +4395,7 @@
         </p:blipFill>
         <p:spPr bwMode="auto">
           <a:xfrm>
-            <a:off x="7869885" y="5814885"/>
+            <a:off x="2900320" y="5097404"/>
             <a:ext cx="1234937" cy="364244"/>
           </a:xfrm>
           <a:prstGeom prst="rect">
@@ -4437,8 +4440,8 @@
         </p:blipFill>
         <p:spPr bwMode="auto">
           <a:xfrm>
-            <a:off x="2844800" y="2570922"/>
-            <a:ext cx="6502400" cy="1627314"/>
+            <a:off x="9441155" y="4207855"/>
+            <a:ext cx="1477315" cy="369718"/>
           </a:xfrm>
           <a:prstGeom prst="rect">
             <a:avLst/>
@@ -4490,7 +4493,7 @@
           <p:cNvPr id="2" name="Title 1">
             <a:extLst>
               <a:ext uri="{FF2B5EF4-FFF2-40B4-BE49-F238E27FC236}">
-                <a16:creationId xmlns:a16="http://schemas.microsoft.com/office/drawing/2014/main" id="{01D6EDC1-2799-5CC8-13A3-1D8FCD856A93}"/>
+                <a16:creationId xmlns:a16="http://schemas.microsoft.com/office/drawing/2014/main" id="{3E4301FF-2341-AB2E-29E4-C62C0D3D67F7}"/>
               </a:ext>
             </a:extLst>
           </p:cNvPr>
@@ -4508,40 +4511,176 @@
           <a:p>
             <a:r>
               <a:rPr lang="en-US" dirty="0"/>
-              <a:t>Problems you encountered</a:t>
-            </a:r>
-          </a:p>
-        </p:txBody>
-      </p:sp>
-      <p:sp>
-        <p:nvSpPr>
-          <p:cNvPr id="3" name="Content Placeholder 2">
-            <a:extLst>
-              <a:ext uri="{FF2B5EF4-FFF2-40B4-BE49-F238E27FC236}">
-                <a16:creationId xmlns:a16="http://schemas.microsoft.com/office/drawing/2014/main" id="{9DB49D06-C80C-E5CC-F84C-0AAE5148DBF1}"/>
-              </a:ext>
-            </a:extLst>
-          </p:cNvPr>
-          <p:cNvSpPr>
-            <a:spLocks noGrp="1"/>
-          </p:cNvSpPr>
+              <a:t>Results </a:t>
+            </a:r>
+            <a:r>
+              <a:rPr lang="en-US" dirty="0" err="1"/>
+              <a:t>Wordclouds</a:t>
+            </a:r>
+            <a:endParaRPr lang="en-US" dirty="0"/>
+          </a:p>
+        </p:txBody>
+      </p:sp>
+      <p:pic>
+        <p:nvPicPr>
+          <p:cNvPr id="5" name="Content Placeholder 4" descr="A red and blue text on a white background&#10;&#10;Description automatically generated">
+            <a:extLst>
+              <a:ext uri="{FF2B5EF4-FFF2-40B4-BE49-F238E27FC236}">
+                <a16:creationId xmlns:a16="http://schemas.microsoft.com/office/drawing/2014/main" id="{3A05A84E-FF75-980E-B3E3-D3D4FED4570D}"/>
+              </a:ext>
+            </a:extLst>
+          </p:cNvPr>
+          <p:cNvPicPr>
+            <a:picLocks noGrp="1" noChangeAspect="1"/>
+          </p:cNvPicPr>
           <p:nvPr>
             <p:ph idx="1"/>
           </p:nvPr>
-        </p:nvSpPr>
-        <p:spPr/>
-        <p:txBody>
-          <a:bodyPr/>
-          <a:lstStyle/>
-          <a:p>
-            <a:endParaRPr lang="en-US"/>
-          </a:p>
-        </p:txBody>
-      </p:sp>
+        </p:nvPicPr>
+        <p:blipFill>
+          <a:blip r:embed="rId2"/>
+          <a:stretch>
+            <a:fillRect/>
+          </a:stretch>
+        </p:blipFill>
+        <p:spPr>
+          <a:xfrm>
+            <a:off x="1614316" y="2112963"/>
+            <a:ext cx="4333057" cy="3959225"/>
+          </a:xfrm>
+        </p:spPr>
+      </p:pic>
+      <p:pic>
+        <p:nvPicPr>
+          <p:cNvPr id="7" name="Picture 8" descr="Fox News - Daily Breaking News - Apps on Google Play">
+            <a:extLst>
+              <a:ext uri="{FF2B5EF4-FFF2-40B4-BE49-F238E27FC236}">
+                <a16:creationId xmlns:a16="http://schemas.microsoft.com/office/drawing/2014/main" id="{77A64DC1-804F-B72D-6A20-41943011D97E}"/>
+              </a:ext>
+            </a:extLst>
+          </p:cNvPr>
+          <p:cNvPicPr>
+            <a:picLocks noChangeAspect="1" noChangeArrowheads="1"/>
+          </p:cNvPicPr>
+          <p:nvPr/>
+        </p:nvPicPr>
+        <p:blipFill rotWithShape="1">
+          <a:blip r:embed="rId3">
+            <a:extLst>
+              <a:ext uri="{28A0092B-C50C-407E-A947-70E740481C1C}">
+                <a14:useLocalDpi xmlns:a14="http://schemas.microsoft.com/office/drawing/2010/main" val="0"/>
+              </a:ext>
+            </a:extLst>
+          </a:blip>
+          <a:srcRect l="24454" r="25512"/>
+          <a:stretch/>
+        </p:blipFill>
+        <p:spPr bwMode="auto">
+          <a:xfrm>
+            <a:off x="538609" y="3429000"/>
+            <a:ext cx="945674" cy="945039"/>
+          </a:xfrm>
+          <a:prstGeom prst="rect">
+            <a:avLst/>
+          </a:prstGeom>
+          <a:noFill/>
+          <a:extLst>
+            <a:ext uri="{909E8E84-426E-40DD-AFC4-6F175D3DCCD1}">
+              <a14:hiddenFill xmlns:a14="http://schemas.microsoft.com/office/drawing/2010/main">
+                <a:solidFill>
+                  <a:srgbClr val="FFFFFF"/>
+                </a:solidFill>
+              </a14:hiddenFill>
+            </a:ext>
+          </a:extLst>
+        </p:spPr>
+      </p:pic>
+      <p:pic>
+        <p:nvPicPr>
+          <p:cNvPr id="8" name="Content Placeholder 5">
+            <a:extLst>
+              <a:ext uri="{FF2B5EF4-FFF2-40B4-BE49-F238E27FC236}">
+                <a16:creationId xmlns:a16="http://schemas.microsoft.com/office/drawing/2014/main" id="{454C4465-942C-C376-964B-766D441FE59A}"/>
+              </a:ext>
+            </a:extLst>
+          </p:cNvPr>
+          <p:cNvPicPr>
+            <a:picLocks noChangeAspect="1"/>
+          </p:cNvPicPr>
+          <p:nvPr/>
+        </p:nvPicPr>
+        <p:blipFill rotWithShape="1">
+          <a:blip r:embed="rId4">
+            <a:extLst>
+              <a:ext uri="{96DAC541-7B7A-43D3-8B79-37D633B846F1}">
+                <asvg:svgBlip xmlns:asvg="http://schemas.microsoft.com/office/drawing/2016/SVG/main" r:embed="rId5"/>
+              </a:ext>
+            </a:extLst>
+          </a:blip>
+          <a:srcRect l="31153" t="27953" r="30536" b="25565"/>
+          <a:stretch/>
+        </p:blipFill>
+        <p:spPr>
+          <a:xfrm>
+            <a:off x="6634541" y="2628900"/>
+            <a:ext cx="3566657" cy="3464753"/>
+          </a:xfrm>
+          <a:prstGeom prst="rect">
+            <a:avLst/>
+          </a:prstGeom>
+        </p:spPr>
+      </p:pic>
+      <p:pic>
+        <p:nvPicPr>
+          <p:cNvPr id="9" name="Picture 4" descr="CNN International – Wikipedia">
+            <a:extLst>
+              <a:ext uri="{FF2B5EF4-FFF2-40B4-BE49-F238E27FC236}">
+                <a16:creationId xmlns:a16="http://schemas.microsoft.com/office/drawing/2014/main" id="{29DCED2E-E754-647E-BD1F-C7A9639B4E52}"/>
+              </a:ext>
+            </a:extLst>
+          </p:cNvPr>
+          <p:cNvPicPr>
+            <a:picLocks noChangeAspect="1" noChangeArrowheads="1"/>
+          </p:cNvPicPr>
+          <p:nvPr/>
+        </p:nvPicPr>
+        <p:blipFill>
+          <a:blip r:embed="rId6">
+            <a:extLst>
+              <a:ext uri="{28A0092B-C50C-407E-A947-70E740481C1C}">
+                <a14:useLocalDpi xmlns:a14="http://schemas.microsoft.com/office/drawing/2010/main" val="0"/>
+              </a:ext>
+            </a:extLst>
+          </a:blip>
+          <a:srcRect/>
+          <a:stretch>
+            <a:fillRect/>
+          </a:stretch>
+        </p:blipFill>
+        <p:spPr bwMode="auto">
+          <a:xfrm>
+            <a:off x="10651272" y="3552486"/>
+            <a:ext cx="697357" cy="697357"/>
+          </a:xfrm>
+          <a:prstGeom prst="rect">
+            <a:avLst/>
+          </a:prstGeom>
+          <a:noFill/>
+          <a:extLst>
+            <a:ext uri="{909E8E84-426E-40DD-AFC4-6F175D3DCCD1}">
+              <a14:hiddenFill xmlns:a14="http://schemas.microsoft.com/office/drawing/2010/main">
+                <a:solidFill>
+                  <a:srgbClr val="FFFFFF"/>
+                </a:solidFill>
+              </a14:hiddenFill>
+            </a:ext>
+          </a:extLst>
+        </p:spPr>
+      </p:pic>
     </p:spTree>
     <p:extLst>
       <p:ext uri="{BB962C8B-B14F-4D97-AF65-F5344CB8AC3E}">
-        <p14:creationId xmlns:p14="http://schemas.microsoft.com/office/powerpoint/2010/main" val="2566445181"/>
+        <p14:creationId xmlns:p14="http://schemas.microsoft.com/office/powerpoint/2010/main" val="3636008447"/>
       </p:ext>
     </p:extLst>
   </p:cSld>
@@ -4573,7 +4712,7 @@
           <p:cNvPr id="2" name="Title 1">
             <a:extLst>
               <a:ext uri="{FF2B5EF4-FFF2-40B4-BE49-F238E27FC236}">
-                <a16:creationId xmlns:a16="http://schemas.microsoft.com/office/drawing/2014/main" id="{5EE981F4-AAB0-32B6-6CE4-34805BB6FA41}"/>
+                <a16:creationId xmlns:a16="http://schemas.microsoft.com/office/drawing/2014/main" id="{87AC8F97-BF4B-1109-CE6F-46C2351A4858}"/>
               </a:ext>
             </a:extLst>
           </p:cNvPr>
@@ -4591,40 +4730,171 @@
           <a:p>
             <a:r>
               <a:rPr lang="en-US" dirty="0"/>
-              <a:t>Problem solving</a:t>
-            </a:r>
-          </a:p>
-        </p:txBody>
-      </p:sp>
-      <p:sp>
-        <p:nvSpPr>
-          <p:cNvPr id="3" name="Content Placeholder 2">
-            <a:extLst>
-              <a:ext uri="{FF2B5EF4-FFF2-40B4-BE49-F238E27FC236}">
-                <a16:creationId xmlns:a16="http://schemas.microsoft.com/office/drawing/2014/main" id="{8214C57E-425E-4EB5-1121-2559E6F4120F}"/>
-              </a:ext>
-            </a:extLst>
-          </p:cNvPr>
-          <p:cNvSpPr>
-            <a:spLocks noGrp="1"/>
-          </p:cNvSpPr>
+              <a:t>Results </a:t>
+            </a:r>
+            <a:r>
+              <a:rPr lang="en-US" dirty="0" err="1"/>
+              <a:t>Keyness</a:t>
+            </a:r>
+            <a:endParaRPr lang="en-US" dirty="0"/>
+          </a:p>
+        </p:txBody>
+      </p:sp>
+      <p:pic>
+        <p:nvPicPr>
+          <p:cNvPr id="9" name="Picture 8" descr="A graph with blue and grey bars&#10;&#10;Description automatically generated">
+            <a:extLst>
+              <a:ext uri="{FF2B5EF4-FFF2-40B4-BE49-F238E27FC236}">
+                <a16:creationId xmlns:a16="http://schemas.microsoft.com/office/drawing/2014/main" id="{C77AA1D0-DEB1-4CF1-C203-9C9840B576D3}"/>
+              </a:ext>
+            </a:extLst>
+          </p:cNvPr>
+          <p:cNvPicPr>
+            <a:picLocks noChangeAspect="1"/>
+          </p:cNvPicPr>
+          <p:nvPr/>
+        </p:nvPicPr>
+        <p:blipFill>
+          <a:blip r:embed="rId2"/>
+          <a:stretch>
+            <a:fillRect/>
+          </a:stretch>
+        </p:blipFill>
+        <p:spPr>
+          <a:xfrm>
+            <a:off x="1371600" y="2351311"/>
+            <a:ext cx="4348719" cy="3711161"/>
+          </a:xfrm>
+          <a:prstGeom prst="rect">
+            <a:avLst/>
+          </a:prstGeom>
+        </p:spPr>
+      </p:pic>
+      <p:pic>
+        <p:nvPicPr>
+          <p:cNvPr id="10" name="Picture 8" descr="Fox News - Daily Breaking News - Apps on Google Play">
+            <a:extLst>
+              <a:ext uri="{FF2B5EF4-FFF2-40B4-BE49-F238E27FC236}">
+                <a16:creationId xmlns:a16="http://schemas.microsoft.com/office/drawing/2014/main" id="{1D0C9748-04F9-EC16-3C9E-0658B15075F3}"/>
+              </a:ext>
+            </a:extLst>
+          </p:cNvPr>
+          <p:cNvPicPr>
+            <a:picLocks noChangeAspect="1" noChangeArrowheads="1"/>
+          </p:cNvPicPr>
+          <p:nvPr/>
+        </p:nvPicPr>
+        <p:blipFill rotWithShape="1">
+          <a:blip r:embed="rId3">
+            <a:extLst>
+              <a:ext uri="{28A0092B-C50C-407E-A947-70E740481C1C}">
+                <a14:useLocalDpi xmlns:a14="http://schemas.microsoft.com/office/drawing/2010/main" val="0"/>
+              </a:ext>
+            </a:extLst>
+          </a:blip>
+          <a:srcRect l="24454" r="25512"/>
+          <a:stretch/>
+        </p:blipFill>
+        <p:spPr bwMode="auto">
+          <a:xfrm>
+            <a:off x="266900" y="3707341"/>
+            <a:ext cx="945674" cy="945039"/>
+          </a:xfrm>
+          <a:prstGeom prst="rect">
+            <a:avLst/>
+          </a:prstGeom>
+          <a:noFill/>
+          <a:extLst>
+            <a:ext uri="{909E8E84-426E-40DD-AFC4-6F175D3DCCD1}">
+              <a14:hiddenFill xmlns:a14="http://schemas.microsoft.com/office/drawing/2010/main">
+                <a:solidFill>
+                  <a:srgbClr val="FFFFFF"/>
+                </a:solidFill>
+              </a14:hiddenFill>
+            </a:ext>
+          </a:extLst>
+        </p:spPr>
+      </p:pic>
+      <p:pic>
+        <p:nvPicPr>
+          <p:cNvPr id="11" name="Content Placeholder 4" descr="A graph with blue and grey bars&#10;&#10;Description automatically generated">
+            <a:extLst>
+              <a:ext uri="{FF2B5EF4-FFF2-40B4-BE49-F238E27FC236}">
+                <a16:creationId xmlns:a16="http://schemas.microsoft.com/office/drawing/2014/main" id="{8CFDA226-9DFB-7395-F973-EFBD26300C92}"/>
+              </a:ext>
+            </a:extLst>
+          </p:cNvPr>
+          <p:cNvPicPr>
+            <a:picLocks noGrp="1" noChangeAspect="1"/>
+          </p:cNvPicPr>
           <p:nvPr>
             <p:ph idx="1"/>
           </p:nvPr>
-        </p:nvSpPr>
-        <p:spPr/>
-        <p:txBody>
-          <a:bodyPr/>
-          <a:lstStyle/>
-          <a:p>
-            <a:endParaRPr lang="en-US"/>
-          </a:p>
-        </p:txBody>
-      </p:sp>
+        </p:nvPicPr>
+        <p:blipFill>
+          <a:blip r:embed="rId4"/>
+          <a:stretch>
+            <a:fillRect/>
+          </a:stretch>
+        </p:blipFill>
+        <p:spPr>
+          <a:xfrm>
+            <a:off x="5879345" y="2351311"/>
+            <a:ext cx="4941055" cy="3705791"/>
+          </a:xfrm>
+        </p:spPr>
+      </p:pic>
+      <p:pic>
+        <p:nvPicPr>
+          <p:cNvPr id="12" name="Picture 4" descr="CNN International – Wikipedia">
+            <a:extLst>
+              <a:ext uri="{FF2B5EF4-FFF2-40B4-BE49-F238E27FC236}">
+                <a16:creationId xmlns:a16="http://schemas.microsoft.com/office/drawing/2014/main" id="{C6B5A068-A847-7C22-2CDA-3EF2B351D2A2}"/>
+              </a:ext>
+            </a:extLst>
+          </p:cNvPr>
+          <p:cNvPicPr>
+            <a:picLocks noChangeAspect="1" noChangeArrowheads="1"/>
+          </p:cNvPicPr>
+          <p:nvPr/>
+        </p:nvPicPr>
+        <p:blipFill>
+          <a:blip r:embed="rId5">
+            <a:extLst>
+              <a:ext uri="{28A0092B-C50C-407E-A947-70E740481C1C}">
+                <a14:useLocalDpi xmlns:a14="http://schemas.microsoft.com/office/drawing/2010/main" val="0"/>
+              </a:ext>
+            </a:extLst>
+          </a:blip>
+          <a:srcRect/>
+          <a:stretch>
+            <a:fillRect/>
+          </a:stretch>
+        </p:blipFill>
+        <p:spPr bwMode="auto">
+          <a:xfrm>
+            <a:off x="11050309" y="3707341"/>
+            <a:ext cx="697357" cy="697357"/>
+          </a:xfrm>
+          <a:prstGeom prst="rect">
+            <a:avLst/>
+          </a:prstGeom>
+          <a:noFill/>
+          <a:extLst>
+            <a:ext uri="{909E8E84-426E-40DD-AFC4-6F175D3DCCD1}">
+              <a14:hiddenFill xmlns:a14="http://schemas.microsoft.com/office/drawing/2010/main">
+                <a:solidFill>
+                  <a:srgbClr val="FFFFFF"/>
+                </a:solidFill>
+              </a14:hiddenFill>
+            </a:ext>
+          </a:extLst>
+        </p:spPr>
+      </p:pic>
     </p:spTree>
     <p:extLst>
       <p:ext uri="{BB962C8B-B14F-4D97-AF65-F5344CB8AC3E}">
-        <p14:creationId xmlns:p14="http://schemas.microsoft.com/office/powerpoint/2010/main" val="1585279716"/>
+        <p14:creationId xmlns:p14="http://schemas.microsoft.com/office/powerpoint/2010/main" val="866756454"/>
       </p:ext>
     </p:extLst>
   </p:cSld>
@@ -4656,6 +4926,513 @@
           <p:cNvPr id="2" name="Title 1">
             <a:extLst>
               <a:ext uri="{FF2B5EF4-FFF2-40B4-BE49-F238E27FC236}">
+                <a16:creationId xmlns:a16="http://schemas.microsoft.com/office/drawing/2014/main" id="{BEB94C8B-C319-6772-765F-788D5558682E}"/>
+              </a:ext>
+            </a:extLst>
+          </p:cNvPr>
+          <p:cNvSpPr>
+            <a:spLocks noGrp="1"/>
+          </p:cNvSpPr>
+          <p:nvPr>
+            <p:ph type="title"/>
+          </p:nvPr>
+        </p:nvSpPr>
+        <p:spPr/>
+        <p:txBody>
+          <a:bodyPr/>
+          <a:lstStyle/>
+          <a:p>
+            <a:r>
+              <a:rPr lang="en-US" dirty="0"/>
+              <a:t>RESULTS GGPLOT</a:t>
+            </a:r>
+          </a:p>
+        </p:txBody>
+      </p:sp>
+      <p:pic>
+        <p:nvPicPr>
+          <p:cNvPr id="5" name="Content Placeholder 4">
+            <a:extLst>
+              <a:ext uri="{FF2B5EF4-FFF2-40B4-BE49-F238E27FC236}">
+                <a16:creationId xmlns:a16="http://schemas.microsoft.com/office/drawing/2014/main" id="{8410A32B-669E-1A0A-FC63-0D68C368B160}"/>
+              </a:ext>
+            </a:extLst>
+          </p:cNvPr>
+          <p:cNvPicPr>
+            <a:picLocks noGrp="1" noChangeAspect="1"/>
+          </p:cNvPicPr>
+          <p:nvPr>
+            <p:ph idx="1"/>
+          </p:nvPr>
+        </p:nvPicPr>
+        <p:blipFill>
+          <a:blip r:embed="rId2">
+            <a:extLst>
+              <a:ext uri="{96DAC541-7B7A-43D3-8B79-37D633B846F1}">
+                <asvg:svgBlip xmlns:asvg="http://schemas.microsoft.com/office/drawing/2016/SVG/main" r:embed="rId3"/>
+              </a:ext>
+            </a:extLst>
+          </a:blip>
+          <a:stretch>
+            <a:fillRect/>
+          </a:stretch>
+        </p:blipFill>
+        <p:spPr>
+          <a:xfrm>
+            <a:off x="1214982" y="2112963"/>
+            <a:ext cx="3477538" cy="3959225"/>
+          </a:xfrm>
+        </p:spPr>
+      </p:pic>
+      <p:pic>
+        <p:nvPicPr>
+          <p:cNvPr id="7" name="Graphic 6">
+            <a:extLst>
+              <a:ext uri="{FF2B5EF4-FFF2-40B4-BE49-F238E27FC236}">
+                <a16:creationId xmlns:a16="http://schemas.microsoft.com/office/drawing/2014/main" id="{60679FBB-8D02-8851-9E6A-30D83D9EC0DB}"/>
+              </a:ext>
+            </a:extLst>
+          </p:cNvPr>
+          <p:cNvPicPr>
+            <a:picLocks noChangeAspect="1"/>
+          </p:cNvPicPr>
+          <p:nvPr/>
+        </p:nvPicPr>
+        <p:blipFill>
+          <a:blip r:embed="rId4">
+            <a:extLst>
+              <a:ext uri="{96DAC541-7B7A-43D3-8B79-37D633B846F1}">
+                <asvg:svgBlip xmlns:asvg="http://schemas.microsoft.com/office/drawing/2016/SVG/main" r:embed="rId5"/>
+              </a:ext>
+            </a:extLst>
+          </a:blip>
+          <a:stretch>
+            <a:fillRect/>
+          </a:stretch>
+        </p:blipFill>
+        <p:spPr>
+          <a:xfrm>
+            <a:off x="5036230" y="2029968"/>
+            <a:ext cx="3759200" cy="4279900"/>
+          </a:xfrm>
+          <a:prstGeom prst="rect">
+            <a:avLst/>
+          </a:prstGeom>
+        </p:spPr>
+      </p:pic>
+      <p:pic>
+        <p:nvPicPr>
+          <p:cNvPr id="8" name="Picture 4" descr="CNN International – Wikipedia">
+            <a:extLst>
+              <a:ext uri="{FF2B5EF4-FFF2-40B4-BE49-F238E27FC236}">
+                <a16:creationId xmlns:a16="http://schemas.microsoft.com/office/drawing/2014/main" id="{1244CC7B-E147-6DC2-3C26-9F83335C5CEC}"/>
+              </a:ext>
+            </a:extLst>
+          </p:cNvPr>
+          <p:cNvPicPr>
+            <a:picLocks noChangeAspect="1" noChangeArrowheads="1"/>
+          </p:cNvPicPr>
+          <p:nvPr/>
+        </p:nvPicPr>
+        <p:blipFill>
+          <a:blip r:embed="rId6">
+            <a:extLst>
+              <a:ext uri="{28A0092B-C50C-407E-A947-70E740481C1C}">
+                <a14:useLocalDpi xmlns:a14="http://schemas.microsoft.com/office/drawing/2010/main" val="0"/>
+              </a:ext>
+            </a:extLst>
+          </a:blip>
+          <a:srcRect/>
+          <a:stretch>
+            <a:fillRect/>
+          </a:stretch>
+        </p:blipFill>
+        <p:spPr bwMode="auto">
+          <a:xfrm>
+            <a:off x="9291540" y="3552486"/>
+            <a:ext cx="697357" cy="697357"/>
+          </a:xfrm>
+          <a:prstGeom prst="rect">
+            <a:avLst/>
+          </a:prstGeom>
+          <a:noFill/>
+          <a:extLst>
+            <a:ext uri="{909E8E84-426E-40DD-AFC4-6F175D3DCCD1}">
+              <a14:hiddenFill xmlns:a14="http://schemas.microsoft.com/office/drawing/2010/main">
+                <a:solidFill>
+                  <a:srgbClr val="FFFFFF"/>
+                </a:solidFill>
+              </a14:hiddenFill>
+            </a:ext>
+          </a:extLst>
+        </p:spPr>
+      </p:pic>
+    </p:spTree>
+    <p:extLst>
+      <p:ext uri="{BB962C8B-B14F-4D97-AF65-F5344CB8AC3E}">
+        <p14:creationId xmlns:p14="http://schemas.microsoft.com/office/powerpoint/2010/main" val="3277140822"/>
+      </p:ext>
+    </p:extLst>
+  </p:cSld>
+  <p:clrMapOvr>
+    <a:masterClrMapping/>
+  </p:clrMapOvr>
+</p:sld>
+</file>
+
+<file path=ppt/slides/slide6.xml><?xml version="1.0" encoding="utf-8"?>
+<p:sld xmlns:a="http://schemas.openxmlformats.org/drawingml/2006/main" xmlns:r="http://schemas.openxmlformats.org/officeDocument/2006/relationships" xmlns:p="http://schemas.openxmlformats.org/presentationml/2006/main">
+  <p:cSld>
+    <p:spTree>
+      <p:nvGrpSpPr>
+        <p:cNvPr id="1" name=""/>
+        <p:cNvGrpSpPr/>
+        <p:nvPr/>
+      </p:nvGrpSpPr>
+      <p:grpSpPr>
+        <a:xfrm>
+          <a:off x="0" y="0"/>
+          <a:ext cx="0" cy="0"/>
+          <a:chOff x="0" y="0"/>
+          <a:chExt cx="0" cy="0"/>
+        </a:xfrm>
+      </p:grpSpPr>
+      <p:sp>
+        <p:nvSpPr>
+          <p:cNvPr id="2" name="Title 1">
+            <a:extLst>
+              <a:ext uri="{FF2B5EF4-FFF2-40B4-BE49-F238E27FC236}">
+                <a16:creationId xmlns:a16="http://schemas.microsoft.com/office/drawing/2014/main" id="{DE778911-9DB6-E8B1-133F-CC328AC844F4}"/>
+              </a:ext>
+            </a:extLst>
+          </p:cNvPr>
+          <p:cNvSpPr>
+            <a:spLocks noGrp="1"/>
+          </p:cNvSpPr>
+          <p:nvPr>
+            <p:ph type="title"/>
+          </p:nvPr>
+        </p:nvSpPr>
+        <p:spPr/>
+        <p:txBody>
+          <a:bodyPr/>
+          <a:lstStyle/>
+          <a:p>
+            <a:r>
+              <a:rPr lang="en-US" dirty="0"/>
+              <a:t>Results Cluster Plot K-Means</a:t>
+            </a:r>
+          </a:p>
+        </p:txBody>
+      </p:sp>
+      <p:pic>
+        <p:nvPicPr>
+          <p:cNvPr id="5" name="Content Placeholder 4" descr="A graph of a cluster plot&#10;&#10;Description automatically generated">
+            <a:extLst>
+              <a:ext uri="{FF2B5EF4-FFF2-40B4-BE49-F238E27FC236}">
+                <a16:creationId xmlns:a16="http://schemas.microsoft.com/office/drawing/2014/main" id="{6BF075B5-3F09-8266-9FBB-52674F617DC1}"/>
+              </a:ext>
+            </a:extLst>
+          </p:cNvPr>
+          <p:cNvPicPr>
+            <a:picLocks noGrp="1" noChangeAspect="1"/>
+          </p:cNvPicPr>
+          <p:nvPr>
+            <p:ph idx="1"/>
+          </p:nvPr>
+        </p:nvPicPr>
+        <p:blipFill>
+          <a:blip r:embed="rId2"/>
+          <a:stretch>
+            <a:fillRect/>
+          </a:stretch>
+        </p:blipFill>
+        <p:spPr>
+          <a:xfrm>
+            <a:off x="1371600" y="2404704"/>
+            <a:ext cx="3211830" cy="2934730"/>
+          </a:xfrm>
+        </p:spPr>
+      </p:pic>
+      <p:pic>
+        <p:nvPicPr>
+          <p:cNvPr id="7" name="Picture 6" descr="A graph with different colored shapes&#10;&#10;Description automatically generated">
+            <a:extLst>
+              <a:ext uri="{FF2B5EF4-FFF2-40B4-BE49-F238E27FC236}">
+                <a16:creationId xmlns:a16="http://schemas.microsoft.com/office/drawing/2014/main" id="{92DDFFCF-AB52-1D66-26C1-CFE5F3EF2B68}"/>
+              </a:ext>
+            </a:extLst>
+          </p:cNvPr>
+          <p:cNvPicPr>
+            <a:picLocks noChangeAspect="1"/>
+          </p:cNvPicPr>
+          <p:nvPr/>
+        </p:nvPicPr>
+        <p:blipFill>
+          <a:blip r:embed="rId3"/>
+          <a:stretch>
+            <a:fillRect/>
+          </a:stretch>
+        </p:blipFill>
+        <p:spPr>
+          <a:xfrm>
+            <a:off x="5053716" y="2288013"/>
+            <a:ext cx="3624241" cy="3311561"/>
+          </a:xfrm>
+          <a:prstGeom prst="rect">
+            <a:avLst/>
+          </a:prstGeom>
+        </p:spPr>
+      </p:pic>
+      <p:pic>
+        <p:nvPicPr>
+          <p:cNvPr id="13" name="Picture 8" descr="Fox News - Daily Breaking News - Apps on Google Play">
+            <a:extLst>
+              <a:ext uri="{FF2B5EF4-FFF2-40B4-BE49-F238E27FC236}">
+                <a16:creationId xmlns:a16="http://schemas.microsoft.com/office/drawing/2014/main" id="{27B88512-F1C7-F9FF-7CC7-4278A17E6092}"/>
+              </a:ext>
+            </a:extLst>
+          </p:cNvPr>
+          <p:cNvPicPr>
+            <a:picLocks noChangeAspect="1" noChangeArrowheads="1"/>
+          </p:cNvPicPr>
+          <p:nvPr/>
+        </p:nvPicPr>
+        <p:blipFill rotWithShape="1">
+          <a:blip r:embed="rId4">
+            <a:extLst>
+              <a:ext uri="{28A0092B-C50C-407E-A947-70E740481C1C}">
+                <a14:useLocalDpi xmlns:a14="http://schemas.microsoft.com/office/drawing/2010/main" val="0"/>
+              </a:ext>
+            </a:extLst>
+          </a:blip>
+          <a:srcRect l="24454" r="25512"/>
+          <a:stretch/>
+        </p:blipFill>
+        <p:spPr bwMode="auto">
+          <a:xfrm>
+            <a:off x="9704310" y="3471273"/>
+            <a:ext cx="945674" cy="945039"/>
+          </a:xfrm>
+          <a:prstGeom prst="rect">
+            <a:avLst/>
+          </a:prstGeom>
+          <a:noFill/>
+          <a:extLst>
+            <a:ext uri="{909E8E84-426E-40DD-AFC4-6F175D3DCCD1}">
+              <a14:hiddenFill xmlns:a14="http://schemas.microsoft.com/office/drawing/2010/main">
+                <a:solidFill>
+                  <a:srgbClr val="FFFFFF"/>
+                </a:solidFill>
+              </a14:hiddenFill>
+            </a:ext>
+          </a:extLst>
+        </p:spPr>
+      </p:pic>
+    </p:spTree>
+    <p:extLst>
+      <p:ext uri="{BB962C8B-B14F-4D97-AF65-F5344CB8AC3E}">
+        <p14:creationId xmlns:p14="http://schemas.microsoft.com/office/powerpoint/2010/main" val="2663246196"/>
+      </p:ext>
+    </p:extLst>
+  </p:cSld>
+  <p:clrMapOvr>
+    <a:masterClrMapping/>
+  </p:clrMapOvr>
+</p:sld>
+</file>
+
+<file path=ppt/slides/slide7.xml><?xml version="1.0" encoding="utf-8"?>
+<p:sld xmlns:a="http://schemas.openxmlformats.org/drawingml/2006/main" xmlns:r="http://schemas.openxmlformats.org/officeDocument/2006/relationships" xmlns:p="http://schemas.openxmlformats.org/presentationml/2006/main">
+  <p:cSld>
+    <p:spTree>
+      <p:nvGrpSpPr>
+        <p:cNvPr id="1" name=""/>
+        <p:cNvGrpSpPr/>
+        <p:nvPr/>
+      </p:nvGrpSpPr>
+      <p:grpSpPr>
+        <a:xfrm>
+          <a:off x="0" y="0"/>
+          <a:ext cx="0" cy="0"/>
+          <a:chOff x="0" y="0"/>
+          <a:chExt cx="0" cy="0"/>
+        </a:xfrm>
+      </p:grpSpPr>
+      <p:sp>
+        <p:nvSpPr>
+          <p:cNvPr id="2" name="Title 1">
+            <a:extLst>
+              <a:ext uri="{FF2B5EF4-FFF2-40B4-BE49-F238E27FC236}">
+                <a16:creationId xmlns:a16="http://schemas.microsoft.com/office/drawing/2014/main" id="{01D6EDC1-2799-5CC8-13A3-1D8FCD856A93}"/>
+              </a:ext>
+            </a:extLst>
+          </p:cNvPr>
+          <p:cNvSpPr>
+            <a:spLocks noGrp="1"/>
+          </p:cNvSpPr>
+          <p:nvPr>
+            <p:ph type="title"/>
+          </p:nvPr>
+        </p:nvSpPr>
+        <p:spPr/>
+        <p:txBody>
+          <a:bodyPr/>
+          <a:lstStyle/>
+          <a:p>
+            <a:r>
+              <a:rPr lang="en-US" dirty="0"/>
+              <a:t>Problems you encountered</a:t>
+            </a:r>
+          </a:p>
+        </p:txBody>
+      </p:sp>
+      <p:sp>
+        <p:nvSpPr>
+          <p:cNvPr id="3" name="Content Placeholder 2">
+            <a:extLst>
+              <a:ext uri="{FF2B5EF4-FFF2-40B4-BE49-F238E27FC236}">
+                <a16:creationId xmlns:a16="http://schemas.microsoft.com/office/drawing/2014/main" id="{9DB49D06-C80C-E5CC-F84C-0AAE5148DBF1}"/>
+              </a:ext>
+            </a:extLst>
+          </p:cNvPr>
+          <p:cNvSpPr>
+            <a:spLocks noGrp="1"/>
+          </p:cNvSpPr>
+          <p:nvPr>
+            <p:ph idx="1"/>
+          </p:nvPr>
+        </p:nvSpPr>
+        <p:spPr/>
+        <p:txBody>
+          <a:bodyPr/>
+          <a:lstStyle/>
+          <a:p>
+            <a:pPr marL="457200" indent="-457200">
+              <a:buFont typeface="+mj-lt"/>
+              <a:buAutoNum type="arabicPeriod"/>
+            </a:pPr>
+            <a:r>
+              <a:rPr lang="en-US" dirty="0"/>
+              <a:t>Scraping websites that use lots of JavaScript (e.g. Fox News, VOX)</a:t>
+            </a:r>
+          </a:p>
+          <a:p>
+            <a:pPr marL="457200" indent="-457200">
+              <a:buFont typeface="+mj-lt"/>
+              <a:buAutoNum type="arabicPeriod"/>
+            </a:pPr>
+            <a:r>
+              <a:rPr lang="en-US" dirty="0"/>
+              <a:t>Selecting blocks without unique identifiers</a:t>
+            </a:r>
+          </a:p>
+          <a:p>
+            <a:pPr marL="457200" indent="-457200">
+              <a:buFont typeface="+mj-lt"/>
+              <a:buAutoNum type="arabicPeriod"/>
+            </a:pPr>
+            <a:r>
+              <a:rPr lang="en-US" dirty="0"/>
+              <a:t>Assigning gender to authors with less common names</a:t>
+            </a:r>
+          </a:p>
+          <a:p>
+            <a:pPr marL="457200" indent="-457200">
+              <a:buFont typeface="+mj-lt"/>
+              <a:buAutoNum type="arabicPeriod"/>
+            </a:pPr>
+            <a:r>
+              <a:rPr lang="en-US" dirty="0"/>
+              <a:t>German language: Many more </a:t>
+            </a:r>
+            <a:r>
+              <a:rPr lang="en-US" dirty="0" err="1"/>
+              <a:t>stopwords</a:t>
+            </a:r>
+            <a:r>
+              <a:rPr lang="en-US" dirty="0"/>
+              <a:t> in the German language, Umlaut (i.e., </a:t>
+            </a:r>
+            <a:r>
+              <a:rPr lang="en-US" dirty="0" err="1"/>
+              <a:t>ä</a:t>
+            </a:r>
+            <a:r>
+              <a:rPr lang="en-US" dirty="0"/>
+              <a:t>, </a:t>
+            </a:r>
+            <a:r>
+              <a:rPr lang="en-US" dirty="0" err="1"/>
+              <a:t>ü</a:t>
+            </a:r>
+            <a:r>
+              <a:rPr lang="en-US" dirty="0"/>
+              <a:t>)</a:t>
+            </a:r>
+          </a:p>
+          <a:p>
+            <a:pPr marL="457200" indent="-457200">
+              <a:buFont typeface="+mj-lt"/>
+              <a:buAutoNum type="arabicPeriod"/>
+            </a:pPr>
+            <a:r>
+              <a:rPr lang="en-US" dirty="0"/>
+              <a:t>Making sense of features and adjusting </a:t>
+            </a:r>
+            <a:r>
+              <a:rPr lang="en-US" dirty="0" err="1"/>
+              <a:t>stopwords</a:t>
+            </a:r>
+            <a:endParaRPr lang="en-US" dirty="0"/>
+          </a:p>
+          <a:p>
+            <a:pPr marL="457200" indent="-457200">
+              <a:buFont typeface="+mj-lt"/>
+              <a:buAutoNum type="arabicPeriod"/>
+            </a:pPr>
+            <a:r>
+              <a:rPr lang="en-US" dirty="0"/>
+              <a:t>Lots of time spent on plot output and saving</a:t>
+            </a:r>
+          </a:p>
+        </p:txBody>
+      </p:sp>
+    </p:spTree>
+    <p:extLst>
+      <p:ext uri="{BB962C8B-B14F-4D97-AF65-F5344CB8AC3E}">
+        <p14:creationId xmlns:p14="http://schemas.microsoft.com/office/powerpoint/2010/main" val="2566445181"/>
+      </p:ext>
+    </p:extLst>
+  </p:cSld>
+  <p:clrMapOvr>
+    <a:masterClrMapping/>
+  </p:clrMapOvr>
+</p:sld>
+</file>
+
+<file path=ppt/slides/slide8.xml><?xml version="1.0" encoding="utf-8"?>
+<p:sld xmlns:a="http://schemas.openxmlformats.org/drawingml/2006/main" xmlns:r="http://schemas.openxmlformats.org/officeDocument/2006/relationships" xmlns:p="http://schemas.openxmlformats.org/presentationml/2006/main">
+  <p:cSld>
+    <p:spTree>
+      <p:nvGrpSpPr>
+        <p:cNvPr id="1" name=""/>
+        <p:cNvGrpSpPr/>
+        <p:nvPr/>
+      </p:nvGrpSpPr>
+      <p:grpSpPr>
+        <a:xfrm>
+          <a:off x="0" y="0"/>
+          <a:ext cx="0" cy="0"/>
+          <a:chOff x="0" y="0"/>
+          <a:chExt cx="0" cy="0"/>
+        </a:xfrm>
+      </p:grpSpPr>
+      <p:sp>
+        <p:nvSpPr>
+          <p:cNvPr id="2" name="Title 1">
+            <a:extLst>
+              <a:ext uri="{FF2B5EF4-FFF2-40B4-BE49-F238E27FC236}">
                 <a16:creationId xmlns:a16="http://schemas.microsoft.com/office/drawing/2014/main" id="{F65E8E85-F016-79E7-DB40-6612F4B686EE}"/>
               </a:ext>
             </a:extLst>
@@ -4700,7 +5477,22 @@
           <a:bodyPr/>
           <a:lstStyle/>
           <a:p>
-            <a:endParaRPr lang="en-US"/>
+            <a:r>
+              <a:rPr lang="en-US" dirty="0"/>
+              <a:t>Collaborate in one code document?</a:t>
+            </a:r>
+          </a:p>
+          <a:p>
+            <a:r>
+              <a:rPr lang="en-US" dirty="0"/>
+              <a:t>Unify dataset early on</a:t>
+            </a:r>
+          </a:p>
+          <a:p>
+            <a:r>
+              <a:rPr lang="en-US" dirty="0"/>
+              <a:t>Make plot output process more efficient</a:t>
+            </a:r>
           </a:p>
         </p:txBody>
       </p:sp>

--- a/projects/abortion laws/Abortion.pptx
+++ b/projects/abortion laws/Abortion.pptx
@@ -5305,8 +5305,19 @@
         </p:nvSpPr>
         <p:spPr/>
         <p:txBody>
-          <a:bodyPr/>
-          <a:lstStyle/>
+          <a:bodyPr>
+            <a:normAutofit fontScale="85000" lnSpcReduction="20000"/>
+          </a:bodyPr>
+          <a:lstStyle/>
+          <a:p>
+            <a:pPr marL="0" indent="0">
+              <a:buNone/>
+            </a:pPr>
+            <a:r>
+              <a:rPr lang="en-US" b="1" dirty="0"/>
+              <a:t>Web scraping</a:t>
+            </a:r>
+          </a:p>
           <a:p>
             <a:pPr marL="457200" indent="-457200">
               <a:buFont typeface="+mj-lt"/>
@@ -5334,7 +5345,24 @@
             </a:pPr>
             <a:r>
               <a:rPr lang="en-US" dirty="0"/>
-              <a:t>Assigning gender to authors with less common names</a:t>
+              <a:t>Had to collect URLs in batches since the “next” button </a:t>
+            </a:r>
+            <a:r>
+              <a:rPr lang="en-US" dirty="0" err="1"/>
+              <a:t>would’t</a:t>
+            </a:r>
+            <a:r>
+              <a:rPr lang="en-US" dirty="0"/>
+              <a:t> work after p. 5</a:t>
+            </a:r>
+          </a:p>
+          <a:p>
+            <a:pPr marL="0" indent="0">
+              <a:buNone/>
+            </a:pPr>
+            <a:r>
+              <a:rPr lang="en-US" b="1" dirty="0"/>
+              <a:t>Pre-processing</a:t>
             </a:r>
           </a:p>
           <a:p>
@@ -5344,31 +5372,7 @@
             </a:pPr>
             <a:r>
               <a:rPr lang="en-US" dirty="0"/>
-              <a:t>German language: Many more </a:t>
-            </a:r>
-            <a:r>
-              <a:rPr lang="en-US" dirty="0" err="1"/>
-              <a:t>stopwords</a:t>
-            </a:r>
-            <a:r>
-              <a:rPr lang="en-US" dirty="0"/>
-              <a:t> in the German language, Umlaut (i.e., </a:t>
-            </a:r>
-            <a:r>
-              <a:rPr lang="en-US" dirty="0" err="1"/>
-              <a:t>ä</a:t>
-            </a:r>
-            <a:r>
-              <a:rPr lang="en-US" dirty="0"/>
-              <a:t>, </a:t>
-            </a:r>
-            <a:r>
-              <a:rPr lang="en-US" dirty="0" err="1"/>
-              <a:t>ü</a:t>
-            </a:r>
-            <a:r>
-              <a:rPr lang="en-US" dirty="0"/>
-              <a:t>)</a:t>
+              <a:t>Assigning gender to authors with less common names</a:t>
             </a:r>
           </a:p>
           <a:p>
@@ -5378,13 +5382,32 @@
             </a:pPr>
             <a:r>
               <a:rPr lang="en-US" dirty="0"/>
-              <a:t>Making sense of features and adjusting </a:t>
+              <a:t>German language: Many more </a:t>
             </a:r>
             <a:r>
               <a:rPr lang="en-US" dirty="0" err="1"/>
               <a:t>stopwords</a:t>
             </a:r>
-            <a:endParaRPr lang="en-US" dirty="0"/>
+            <a:r>
+              <a:rPr lang="en-US" dirty="0"/>
+              <a:t> in the German language, Umlaut (i.e., </a:t>
+            </a:r>
+            <a:r>
+              <a:rPr lang="en-US" dirty="0" err="1"/>
+              <a:t>ä</a:t>
+            </a:r>
+            <a:r>
+              <a:rPr lang="en-US" dirty="0"/>
+              <a:t>, </a:t>
+            </a:r>
+            <a:r>
+              <a:rPr lang="en-US" dirty="0" err="1"/>
+              <a:t>ü</a:t>
+            </a:r>
+            <a:r>
+              <a:rPr lang="en-US" dirty="0"/>
+              <a:t>)</a:t>
+            </a:r>
           </a:p>
           <a:p>
             <a:pPr marL="457200" indent="-457200">
@@ -5393,8 +5416,39 @@
             </a:pPr>
             <a:r>
               <a:rPr lang="en-US" dirty="0"/>
+              <a:t>Making sense of features and adjusting </a:t>
+            </a:r>
+            <a:r>
+              <a:rPr lang="en-US" dirty="0" err="1"/>
+              <a:t>stopwords</a:t>
+            </a:r>
+            <a:endParaRPr lang="en-US" dirty="0"/>
+          </a:p>
+          <a:p>
+            <a:pPr marL="0" indent="0">
+              <a:buNone/>
+            </a:pPr>
+            <a:r>
+              <a:rPr lang="en-US" b="1" dirty="0"/>
+              <a:t>Results</a:t>
+            </a:r>
+          </a:p>
+          <a:p>
+            <a:pPr marL="457200" indent="-457200">
+              <a:buFont typeface="+mj-lt"/>
+              <a:buAutoNum type="arabicPeriod"/>
+            </a:pPr>
+            <a:r>
+              <a:rPr lang="en-US" dirty="0"/>
               <a:t>Lots of time spent on plot output and saving</a:t>
             </a:r>
+          </a:p>
+          <a:p>
+            <a:pPr marL="457200" indent="-457200">
+              <a:buFont typeface="+mj-lt"/>
+              <a:buAutoNum type="arabicPeriod"/>
+            </a:pPr>
+            <a:endParaRPr lang="en-US" dirty="0"/>
           </a:p>
         </p:txBody>
       </p:sp>
@@ -5484,8 +5538,12 @@
           </a:p>
           <a:p>
             <a:r>
+              <a:rPr lang="en-US"/>
+              <a:t>Unify datasets </a:t>
+            </a:r>
+            <a:r>
               <a:rPr lang="en-US" dirty="0"/>
-              <a:t>Unify dataset early on</a:t>
+              <a:t>early on</a:t>
             </a:r>
           </a:p>
           <a:p>

--- a/projects/abortion laws/Abortion.pptx
+++ b/projects/abortion laws/Abortion.pptx
@@ -13,6 +13,8 @@
     <p:sldId id="261" r:id="rId7"/>
     <p:sldId id="258" r:id="rId8"/>
     <p:sldId id="260" r:id="rId9"/>
+    <p:sldId id="269" r:id="rId10"/>
+    <p:sldId id="268" r:id="rId11"/>
   </p:sldIdLst>
   <p:sldSz cx="12192000" cy="6858000"/>
   <p:notesSz cx="6858000" cy="9144000"/>
@@ -4056,6 +4058,119 @@
 </p:sld>
 </file>
 
+<file path=ppt/slides/slide10.xml><?xml version="1.0" encoding="utf-8"?>
+<p:sld xmlns:a="http://schemas.openxmlformats.org/drawingml/2006/main" xmlns:r="http://schemas.openxmlformats.org/officeDocument/2006/relationships" xmlns:p="http://schemas.openxmlformats.org/presentationml/2006/main">
+  <p:cSld>
+    <p:spTree>
+      <p:nvGrpSpPr>
+        <p:cNvPr id="1" name=""/>
+        <p:cNvGrpSpPr/>
+        <p:nvPr/>
+      </p:nvGrpSpPr>
+      <p:grpSpPr>
+        <a:xfrm>
+          <a:off x="0" y="0"/>
+          <a:ext cx="0" cy="0"/>
+          <a:chOff x="0" y="0"/>
+          <a:chExt cx="0" cy="0"/>
+        </a:xfrm>
+      </p:grpSpPr>
+      <p:sp>
+        <p:nvSpPr>
+          <p:cNvPr id="2" name="Title 1">
+            <a:extLst>
+              <a:ext uri="{FF2B5EF4-FFF2-40B4-BE49-F238E27FC236}">
+                <a16:creationId xmlns:a16="http://schemas.microsoft.com/office/drawing/2014/main" id="{5BDF9E04-FFB1-B329-7E7F-59A5D250DA4C}"/>
+              </a:ext>
+            </a:extLst>
+          </p:cNvPr>
+          <p:cNvSpPr>
+            <a:spLocks noGrp="1"/>
+          </p:cNvSpPr>
+          <p:nvPr>
+            <p:ph type="title"/>
+          </p:nvPr>
+        </p:nvSpPr>
+        <p:spPr/>
+        <p:txBody>
+          <a:bodyPr/>
+          <a:lstStyle/>
+          <a:p>
+            <a:r>
+              <a:rPr lang="en-US" dirty="0"/>
+              <a:t>Valence FOX NEWS</a:t>
+            </a:r>
+          </a:p>
+        </p:txBody>
+      </p:sp>
+      <p:sp>
+        <p:nvSpPr>
+          <p:cNvPr id="3" name="Content Placeholder 2">
+            <a:extLst>
+              <a:ext uri="{FF2B5EF4-FFF2-40B4-BE49-F238E27FC236}">
+                <a16:creationId xmlns:a16="http://schemas.microsoft.com/office/drawing/2014/main" id="{2AB1E155-131A-C4FE-A55B-18AD72C94988}"/>
+              </a:ext>
+            </a:extLst>
+          </p:cNvPr>
+          <p:cNvSpPr>
+            <a:spLocks noGrp="1"/>
+          </p:cNvSpPr>
+          <p:nvPr>
+            <p:ph idx="1"/>
+          </p:nvPr>
+        </p:nvSpPr>
+        <p:spPr/>
+        <p:txBody>
+          <a:bodyPr/>
+          <a:lstStyle/>
+          <a:p>
+            <a:endParaRPr lang="en-US"/>
+          </a:p>
+        </p:txBody>
+      </p:sp>
+      <p:pic>
+        <p:nvPicPr>
+          <p:cNvPr id="6" name="Picture 5">
+            <a:extLst>
+              <a:ext uri="{FF2B5EF4-FFF2-40B4-BE49-F238E27FC236}">
+                <a16:creationId xmlns:a16="http://schemas.microsoft.com/office/drawing/2014/main" id="{218A2E57-4C32-6694-6FAA-1907CE3A5CF2}"/>
+              </a:ext>
+            </a:extLst>
+          </p:cNvPr>
+          <p:cNvPicPr>
+            <a:picLocks noChangeAspect="1"/>
+          </p:cNvPicPr>
+          <p:nvPr/>
+        </p:nvPicPr>
+        <p:blipFill>
+          <a:blip r:embed="rId2"/>
+          <a:stretch>
+            <a:fillRect/>
+          </a:stretch>
+        </p:blipFill>
+        <p:spPr>
+          <a:xfrm>
+            <a:off x="4288837" y="2167872"/>
+            <a:ext cx="3614326" cy="3848136"/>
+          </a:xfrm>
+          <a:prstGeom prst="rect">
+            <a:avLst/>
+          </a:prstGeom>
+        </p:spPr>
+      </p:pic>
+    </p:spTree>
+    <p:extLst>
+      <p:ext uri="{BB962C8B-B14F-4D97-AF65-F5344CB8AC3E}">
+        <p14:creationId xmlns:p14="http://schemas.microsoft.com/office/powerpoint/2010/main" val="1370585739"/>
+      </p:ext>
+    </p:extLst>
+  </p:cSld>
+  <p:clrMapOvr>
+    <a:masterClrMapping/>
+  </p:clrMapOvr>
+</p:sld>
+</file>
+
 <file path=ppt/slides/slide2.xml><?xml version="1.0" encoding="utf-8"?>
 <p:sld xmlns:a="http://schemas.openxmlformats.org/drawingml/2006/main" xmlns:r="http://schemas.openxmlformats.org/officeDocument/2006/relationships" xmlns:p="http://schemas.openxmlformats.org/presentationml/2006/main">
   <p:cSld>
@@ -5303,10 +5418,15 @@
             <p:ph idx="1"/>
           </p:nvPr>
         </p:nvSpPr>
-        <p:spPr/>
+        <p:spPr>
+          <a:xfrm>
+            <a:off x="1371600" y="2112264"/>
+            <a:ext cx="6595110" cy="4299966"/>
+          </a:xfrm>
+        </p:spPr>
         <p:txBody>
           <a:bodyPr>
-            <a:normAutofit fontScale="85000" lnSpcReduction="20000"/>
+            <a:normAutofit fontScale="92500"/>
           </a:bodyPr>
           <a:lstStyle/>
           <a:p>
@@ -5314,7 +5434,7 @@
               <a:buNone/>
             </a:pPr>
             <a:r>
-              <a:rPr lang="en-US" b="1" dirty="0"/>
+              <a:rPr lang="en-US" sz="1400" b="1" dirty="0"/>
               <a:t>Web scraping</a:t>
             </a:r>
           </a:p>
@@ -5324,7 +5444,7 @@
               <a:buAutoNum type="arabicPeriod"/>
             </a:pPr>
             <a:r>
-              <a:rPr lang="en-US" dirty="0"/>
+              <a:rPr lang="en-US" sz="1400" dirty="0"/>
               <a:t>Scraping websites that use lots of JavaScript (e.g. Fox News, VOX)</a:t>
             </a:r>
           </a:p>
@@ -5334,7 +5454,7 @@
               <a:buAutoNum type="arabicPeriod"/>
             </a:pPr>
             <a:r>
-              <a:rPr lang="en-US" dirty="0"/>
+              <a:rPr lang="en-US" sz="1400" dirty="0"/>
               <a:t>Selecting blocks without unique identifiers</a:t>
             </a:r>
           </a:p>
@@ -5344,16 +5464,8 @@
               <a:buAutoNum type="arabicPeriod"/>
             </a:pPr>
             <a:r>
-              <a:rPr lang="en-US" dirty="0"/>
-              <a:t>Had to collect URLs in batches since the “next” button </a:t>
-            </a:r>
-            <a:r>
-              <a:rPr lang="en-US" dirty="0" err="1"/>
-              <a:t>would’t</a:t>
-            </a:r>
-            <a:r>
-              <a:rPr lang="en-US" dirty="0"/>
-              <a:t> work after p. 5</a:t>
+              <a:rPr lang="en-US" sz="1400" dirty="0"/>
+              <a:t>Had to collect URLs in batches since the “next” button wouldn’t work after p. 5</a:t>
             </a:r>
           </a:p>
           <a:p>
@@ -5361,7 +5473,7 @@
               <a:buNone/>
             </a:pPr>
             <a:r>
-              <a:rPr lang="en-US" b="1" dirty="0"/>
+              <a:rPr lang="en-US" sz="1400" b="1" dirty="0"/>
               <a:t>Pre-processing</a:t>
             </a:r>
           </a:p>
@@ -5371,7 +5483,7 @@
               <a:buAutoNum type="arabicPeriod"/>
             </a:pPr>
             <a:r>
-              <a:rPr lang="en-US" dirty="0"/>
+              <a:rPr lang="en-US" sz="1400" dirty="0"/>
               <a:t>Assigning gender to authors with less common names</a:t>
             </a:r>
           </a:p>
@@ -5381,31 +5493,31 @@
               <a:buAutoNum type="arabicPeriod"/>
             </a:pPr>
             <a:r>
-              <a:rPr lang="en-US" dirty="0"/>
+              <a:rPr lang="en-US" sz="1400" dirty="0"/>
               <a:t>German language: Many more </a:t>
             </a:r>
             <a:r>
-              <a:rPr lang="en-US" dirty="0" err="1"/>
+              <a:rPr lang="en-US" sz="1400" dirty="0" err="1"/>
               <a:t>stopwords</a:t>
             </a:r>
             <a:r>
-              <a:rPr lang="en-US" dirty="0"/>
+              <a:rPr lang="en-US" sz="1400" dirty="0"/>
               <a:t> in the German language, Umlaut (i.e., </a:t>
             </a:r>
             <a:r>
-              <a:rPr lang="en-US" dirty="0" err="1"/>
+              <a:rPr lang="en-US" sz="1400" dirty="0" err="1"/>
               <a:t>ä</a:t>
             </a:r>
             <a:r>
-              <a:rPr lang="en-US" dirty="0"/>
+              <a:rPr lang="en-US" sz="1400" dirty="0"/>
               <a:t>, </a:t>
             </a:r>
             <a:r>
-              <a:rPr lang="en-US" dirty="0" err="1"/>
+              <a:rPr lang="en-US" sz="1400" dirty="0" err="1"/>
               <a:t>ü</a:t>
             </a:r>
             <a:r>
-              <a:rPr lang="en-US" dirty="0"/>
+              <a:rPr lang="en-US" sz="1400" dirty="0"/>
               <a:t>)</a:t>
             </a:r>
           </a:p>
@@ -5415,21 +5527,21 @@
               <a:buAutoNum type="arabicPeriod"/>
             </a:pPr>
             <a:r>
-              <a:rPr lang="en-US" dirty="0"/>
+              <a:rPr lang="en-US" sz="1400" dirty="0"/>
               <a:t>Making sense of features and adjusting </a:t>
             </a:r>
             <a:r>
-              <a:rPr lang="en-US" dirty="0" err="1"/>
+              <a:rPr lang="en-US" sz="1400" dirty="0" err="1"/>
               <a:t>stopwords</a:t>
             </a:r>
-            <a:endParaRPr lang="en-US" dirty="0"/>
+            <a:endParaRPr lang="en-US" sz="1400" dirty="0"/>
           </a:p>
           <a:p>
             <a:pPr marL="0" indent="0">
               <a:buNone/>
             </a:pPr>
             <a:r>
-              <a:rPr lang="en-US" b="1" dirty="0"/>
+              <a:rPr lang="en-US" sz="1400" b="1" dirty="0"/>
               <a:t>Results</a:t>
             </a:r>
           </a:p>
@@ -5439,7 +5551,7 @@
               <a:buAutoNum type="arabicPeriod"/>
             </a:pPr>
             <a:r>
-              <a:rPr lang="en-US" dirty="0"/>
+              <a:rPr lang="en-US" sz="1400" dirty="0"/>
               <a:t>Lots of time spent on plot output and saving</a:t>
             </a:r>
           </a:p>
@@ -5448,7 +5560,17 @@
               <a:buFont typeface="+mj-lt"/>
               <a:buAutoNum type="arabicPeriod"/>
             </a:pPr>
-            <a:endParaRPr lang="en-US" dirty="0"/>
+            <a:r>
+              <a:rPr lang="en-US" sz="1400" dirty="0"/>
+              <a:t>Ambiguous results (e.g. valence analysis)</a:t>
+            </a:r>
+          </a:p>
+          <a:p>
+            <a:pPr marL="457200" indent="-457200">
+              <a:buFont typeface="+mj-lt"/>
+              <a:buAutoNum type="arabicPeriod"/>
+            </a:pPr>
+            <a:endParaRPr lang="en-US" sz="1400" dirty="0"/>
           </a:p>
         </p:txBody>
       </p:sp>
@@ -5538,18 +5660,20 @@
           </a:p>
           <a:p>
             <a:r>
-              <a:rPr lang="en-US"/>
-              <a:t>Unify datasets </a:t>
-            </a:r>
-            <a:r>
               <a:rPr lang="en-US" dirty="0"/>
-              <a:t>early on</a:t>
+              <a:t>Unify datasets early on</a:t>
             </a:r>
           </a:p>
           <a:p>
             <a:r>
               <a:rPr lang="en-US" dirty="0"/>
               <a:t>Make plot output process more efficient</a:t>
+            </a:r>
+          </a:p>
+          <a:p>
+            <a:r>
+              <a:rPr lang="en-US" dirty="0"/>
+              <a:t>Not all analyses make sense</a:t>
             </a:r>
           </a:p>
         </p:txBody>
@@ -5558,6 +5682,99 @@
     <p:extLst>
       <p:ext uri="{BB962C8B-B14F-4D97-AF65-F5344CB8AC3E}">
         <p14:creationId xmlns:p14="http://schemas.microsoft.com/office/powerpoint/2010/main" val="4153860887"/>
+      </p:ext>
+    </p:extLst>
+  </p:cSld>
+  <p:clrMapOvr>
+    <a:masterClrMapping/>
+  </p:clrMapOvr>
+</p:sld>
+</file>
+
+<file path=ppt/slides/slide9.xml><?xml version="1.0" encoding="utf-8"?>
+<p:sld xmlns:a="http://schemas.openxmlformats.org/drawingml/2006/main" xmlns:r="http://schemas.openxmlformats.org/officeDocument/2006/relationships" xmlns:p="http://schemas.openxmlformats.org/presentationml/2006/main">
+  <p:cSld>
+    <p:spTree>
+      <p:nvGrpSpPr>
+        <p:cNvPr id="1" name=""/>
+        <p:cNvGrpSpPr/>
+        <p:nvPr/>
+      </p:nvGrpSpPr>
+      <p:grpSpPr>
+        <a:xfrm>
+          <a:off x="0" y="0"/>
+          <a:ext cx="0" cy="0"/>
+          <a:chOff x="0" y="0"/>
+          <a:chExt cx="0" cy="0"/>
+        </a:xfrm>
+      </p:grpSpPr>
+      <p:sp>
+        <p:nvSpPr>
+          <p:cNvPr id="2" name="Title 1">
+            <a:extLst>
+              <a:ext uri="{FF2B5EF4-FFF2-40B4-BE49-F238E27FC236}">
+                <a16:creationId xmlns:a16="http://schemas.microsoft.com/office/drawing/2014/main" id="{8B194F08-3305-8E1F-7903-D479FEB210F1}"/>
+              </a:ext>
+            </a:extLst>
+          </p:cNvPr>
+          <p:cNvSpPr>
+            <a:spLocks noGrp="1"/>
+          </p:cNvSpPr>
+          <p:nvPr>
+            <p:ph type="title"/>
+          </p:nvPr>
+        </p:nvSpPr>
+        <p:spPr/>
+        <p:txBody>
+          <a:bodyPr/>
+          <a:lstStyle/>
+          <a:p>
+            <a:endParaRPr lang="en-US"/>
+          </a:p>
+        </p:txBody>
+      </p:sp>
+      <p:sp>
+        <p:nvSpPr>
+          <p:cNvPr id="3" name="Content Placeholder 2">
+            <a:extLst>
+              <a:ext uri="{FF2B5EF4-FFF2-40B4-BE49-F238E27FC236}">
+                <a16:creationId xmlns:a16="http://schemas.microsoft.com/office/drawing/2014/main" id="{99C29582-DD9D-8E7A-8412-B855D72F073C}"/>
+              </a:ext>
+            </a:extLst>
+          </p:cNvPr>
+          <p:cNvSpPr>
+            <a:spLocks noGrp="1"/>
+          </p:cNvSpPr>
+          <p:nvPr>
+            <p:ph idx="1"/>
+          </p:nvPr>
+        </p:nvSpPr>
+        <p:spPr>
+          <a:xfrm>
+            <a:off x="1371600" y="795528"/>
+            <a:ext cx="10241280" cy="5276088"/>
+          </a:xfrm>
+        </p:spPr>
+        <p:txBody>
+          <a:bodyPr anchor="ctr">
+            <a:normAutofit/>
+          </a:bodyPr>
+          <a:lstStyle/>
+          <a:p>
+            <a:pPr marL="0" indent="0" algn="ctr">
+              <a:buNone/>
+            </a:pPr>
+            <a:r>
+              <a:rPr lang="en-US" sz="3600" dirty="0"/>
+              <a:t>THANK YOU!</a:t>
+            </a:r>
+          </a:p>
+        </p:txBody>
+      </p:sp>
+    </p:spTree>
+    <p:extLst>
+      <p:ext uri="{BB962C8B-B14F-4D97-AF65-F5344CB8AC3E}">
+        <p14:creationId xmlns:p14="http://schemas.microsoft.com/office/powerpoint/2010/main" val="797736367"/>
       </p:ext>
     </p:extLst>
   </p:cSld>

--- a/projects/abortion laws/Abortion.pptx
+++ b/projects/abortion laws/Abortion.pptx
@@ -11,10 +11,11 @@
     <p:sldId id="266" r:id="rId5"/>
     <p:sldId id="267" r:id="rId6"/>
     <p:sldId id="261" r:id="rId7"/>
-    <p:sldId id="258" r:id="rId8"/>
-    <p:sldId id="260" r:id="rId9"/>
-    <p:sldId id="269" r:id="rId10"/>
-    <p:sldId id="268" r:id="rId11"/>
+    <p:sldId id="270" r:id="rId8"/>
+    <p:sldId id="258" r:id="rId9"/>
+    <p:sldId id="260" r:id="rId10"/>
+    <p:sldId id="269" r:id="rId11"/>
+    <p:sldId id="268" r:id="rId12"/>
   </p:sldIdLst>
   <p:sldSz cx="12192000" cy="6858000"/>
   <p:notesSz cx="6858000" cy="9144000"/>
@@ -113,6 +114,11 @@
       </a:defRPr>
     </a:lvl9pPr>
   </p:defaultTextStyle>
+  <p:extLst>
+    <p:ext uri="{EFAFB233-063F-42B5-8137-9DF3F51BA10A}">
+      <p15:sldGuideLst xmlns:p15="http://schemas.microsoft.com/office/powerpoint/2012/main"/>
+    </p:ext>
+  </p:extLst>
 </p:presentation>
 </file>
 
@@ -4080,6 +4086,99 @@
           <p:cNvPr id="2" name="Title 1">
             <a:extLst>
               <a:ext uri="{FF2B5EF4-FFF2-40B4-BE49-F238E27FC236}">
+                <a16:creationId xmlns:a16="http://schemas.microsoft.com/office/drawing/2014/main" id="{8B194F08-3305-8E1F-7903-D479FEB210F1}"/>
+              </a:ext>
+            </a:extLst>
+          </p:cNvPr>
+          <p:cNvSpPr>
+            <a:spLocks noGrp="1"/>
+          </p:cNvSpPr>
+          <p:nvPr>
+            <p:ph type="title"/>
+          </p:nvPr>
+        </p:nvSpPr>
+        <p:spPr/>
+        <p:txBody>
+          <a:bodyPr/>
+          <a:lstStyle/>
+          <a:p>
+            <a:endParaRPr lang="en-US"/>
+          </a:p>
+        </p:txBody>
+      </p:sp>
+      <p:sp>
+        <p:nvSpPr>
+          <p:cNvPr id="3" name="Content Placeholder 2">
+            <a:extLst>
+              <a:ext uri="{FF2B5EF4-FFF2-40B4-BE49-F238E27FC236}">
+                <a16:creationId xmlns:a16="http://schemas.microsoft.com/office/drawing/2014/main" id="{99C29582-DD9D-8E7A-8412-B855D72F073C}"/>
+              </a:ext>
+            </a:extLst>
+          </p:cNvPr>
+          <p:cNvSpPr>
+            <a:spLocks noGrp="1"/>
+          </p:cNvSpPr>
+          <p:nvPr>
+            <p:ph idx="1"/>
+          </p:nvPr>
+        </p:nvSpPr>
+        <p:spPr>
+          <a:xfrm>
+            <a:off x="1371600" y="795528"/>
+            <a:ext cx="10241280" cy="5276088"/>
+          </a:xfrm>
+        </p:spPr>
+        <p:txBody>
+          <a:bodyPr anchor="ctr">
+            <a:normAutofit/>
+          </a:bodyPr>
+          <a:lstStyle/>
+          <a:p>
+            <a:pPr marL="0" indent="0" algn="ctr">
+              <a:buNone/>
+            </a:pPr>
+            <a:r>
+              <a:rPr lang="en-US" sz="3600" dirty="0"/>
+              <a:t>THANK YOU!</a:t>
+            </a:r>
+          </a:p>
+        </p:txBody>
+      </p:sp>
+    </p:spTree>
+    <p:extLst>
+      <p:ext uri="{BB962C8B-B14F-4D97-AF65-F5344CB8AC3E}">
+        <p14:creationId xmlns:p14="http://schemas.microsoft.com/office/powerpoint/2010/main" val="797736367"/>
+      </p:ext>
+    </p:extLst>
+  </p:cSld>
+  <p:clrMapOvr>
+    <a:masterClrMapping/>
+  </p:clrMapOvr>
+</p:sld>
+</file>
+
+<file path=ppt/slides/slide11.xml><?xml version="1.0" encoding="utf-8"?>
+<p:sld xmlns:a="http://schemas.openxmlformats.org/drawingml/2006/main" xmlns:r="http://schemas.openxmlformats.org/officeDocument/2006/relationships" xmlns:p="http://schemas.openxmlformats.org/presentationml/2006/main">
+  <p:cSld>
+    <p:spTree>
+      <p:nvGrpSpPr>
+        <p:cNvPr id="1" name=""/>
+        <p:cNvGrpSpPr/>
+        <p:nvPr/>
+      </p:nvGrpSpPr>
+      <p:grpSpPr>
+        <a:xfrm>
+          <a:off x="0" y="0"/>
+          <a:ext cx="0" cy="0"/>
+          <a:chOff x="0" y="0"/>
+          <a:chExt cx="0" cy="0"/>
+        </a:xfrm>
+      </p:grpSpPr>
+      <p:sp>
+        <p:nvSpPr>
+          <p:cNvPr id="2" name="Title 1">
+            <a:extLst>
+              <a:ext uri="{FF2B5EF4-FFF2-40B4-BE49-F238E27FC236}">
                 <a16:creationId xmlns:a16="http://schemas.microsoft.com/office/drawing/2014/main" id="{5BDF9E04-FFB1-B329-7E7F-59A5D250DA4C}"/>
               </a:ext>
             </a:extLst>
@@ -5066,19 +5165,17 @@
       </p:sp>
       <p:pic>
         <p:nvPicPr>
-          <p:cNvPr id="5" name="Content Placeholder 4">
-            <a:extLst>
-              <a:ext uri="{FF2B5EF4-FFF2-40B4-BE49-F238E27FC236}">
-                <a16:creationId xmlns:a16="http://schemas.microsoft.com/office/drawing/2014/main" id="{8410A32B-669E-1A0A-FC63-0D68C368B160}"/>
+          <p:cNvPr id="7" name="Graphic 6">
+            <a:extLst>
+              <a:ext uri="{FF2B5EF4-FFF2-40B4-BE49-F238E27FC236}">
+                <a16:creationId xmlns:a16="http://schemas.microsoft.com/office/drawing/2014/main" id="{60679FBB-8D02-8851-9E6A-30D83D9EC0DB}"/>
               </a:ext>
             </a:extLst>
           </p:cNvPr>
           <p:cNvPicPr>
-            <a:picLocks noGrp="1" noChangeAspect="1"/>
+            <a:picLocks noChangeAspect="1"/>
           </p:cNvPicPr>
-          <p:nvPr>
-            <p:ph idx="1"/>
-          </p:nvPr>
+          <p:nvPr/>
         </p:nvPicPr>
         <p:blipFill>
           <a:blip r:embed="rId2">
@@ -5094,41 +5191,8 @@
         </p:blipFill>
         <p:spPr>
           <a:xfrm>
-            <a:off x="1214982" y="2112963"/>
-            <a:ext cx="3477538" cy="3959225"/>
-          </a:xfrm>
-        </p:spPr>
-      </p:pic>
-      <p:pic>
-        <p:nvPicPr>
-          <p:cNvPr id="7" name="Graphic 6">
-            <a:extLst>
-              <a:ext uri="{FF2B5EF4-FFF2-40B4-BE49-F238E27FC236}">
-                <a16:creationId xmlns:a16="http://schemas.microsoft.com/office/drawing/2014/main" id="{60679FBB-8D02-8851-9E6A-30D83D9EC0DB}"/>
-              </a:ext>
-            </a:extLst>
-          </p:cNvPr>
-          <p:cNvPicPr>
-            <a:picLocks noChangeAspect="1"/>
-          </p:cNvPicPr>
-          <p:nvPr/>
-        </p:nvPicPr>
-        <p:blipFill>
-          <a:blip r:embed="rId4">
-            <a:extLst>
-              <a:ext uri="{96DAC541-7B7A-43D3-8B79-37D633B846F1}">
-                <asvg:svgBlip xmlns:asvg="http://schemas.microsoft.com/office/drawing/2016/SVG/main" r:embed="rId5"/>
-              </a:ext>
-            </a:extLst>
-          </a:blip>
-          <a:stretch>
-            <a:fillRect/>
-          </a:stretch>
-        </p:blipFill>
-        <p:spPr>
-          <a:xfrm>
-            <a:off x="5036230" y="2029968"/>
-            <a:ext cx="3759200" cy="4279900"/>
+            <a:off x="4696569" y="1983190"/>
+            <a:ext cx="3355009" cy="3819723"/>
           </a:xfrm>
           <a:prstGeom prst="rect">
             <a:avLst/>
@@ -5150,7 +5214,7 @@
           <p:nvPr/>
         </p:nvPicPr>
         <p:blipFill>
-          <a:blip r:embed="rId6">
+          <a:blip r:embed="rId4">
             <a:extLst>
               <a:ext uri="{28A0092B-C50C-407E-A947-70E740481C1C}">
                 <a14:useLocalDpi xmlns:a14="http://schemas.microsoft.com/office/drawing/2010/main" val="0"/>
@@ -5164,7 +5228,7 @@
         </p:blipFill>
         <p:spPr bwMode="auto">
           <a:xfrm>
-            <a:off x="9291540" y="3552486"/>
+            <a:off x="6365447" y="5936838"/>
             <a:ext cx="697357" cy="697357"/>
           </a:xfrm>
           <a:prstGeom prst="rect">
@@ -5180,6 +5244,170 @@
               </a14:hiddenFill>
             </a:ext>
           </a:extLst>
+        </p:spPr>
+      </p:pic>
+      <p:pic>
+        <p:nvPicPr>
+          <p:cNvPr id="13" name="Graphic 12">
+            <a:extLst>
+              <a:ext uri="{FF2B5EF4-FFF2-40B4-BE49-F238E27FC236}">
+                <a16:creationId xmlns:a16="http://schemas.microsoft.com/office/drawing/2014/main" id="{D21A98C1-85CE-14F8-5321-BBDD12EE29B4}"/>
+              </a:ext>
+            </a:extLst>
+          </p:cNvPr>
+          <p:cNvPicPr>
+            <a:picLocks noChangeAspect="1"/>
+          </p:cNvPicPr>
+          <p:nvPr/>
+        </p:nvPicPr>
+        <p:blipFill>
+          <a:blip r:embed="rId5">
+            <a:extLst>
+              <a:ext uri="{96DAC541-7B7A-43D3-8B79-37D633B846F1}">
+                <asvg:svgBlip xmlns:asvg="http://schemas.microsoft.com/office/drawing/2016/SVG/main" r:embed="rId6"/>
+              </a:ext>
+            </a:extLst>
+          </a:blip>
+          <a:stretch>
+            <a:fillRect/>
+          </a:stretch>
+        </p:blipFill>
+        <p:spPr>
+          <a:xfrm>
+            <a:off x="802429" y="1831898"/>
+            <a:ext cx="3557368" cy="3971015"/>
+          </a:xfrm>
+          <a:prstGeom prst="rect">
+            <a:avLst/>
+          </a:prstGeom>
+        </p:spPr>
+      </p:pic>
+      <p:pic>
+        <p:nvPicPr>
+          <p:cNvPr id="14" name="Picture 12">
+            <a:extLst>
+              <a:ext uri="{FF2B5EF4-FFF2-40B4-BE49-F238E27FC236}">
+                <a16:creationId xmlns:a16="http://schemas.microsoft.com/office/drawing/2014/main" id="{0771E1A8-BEB5-1207-5210-1849DD8CAE56}"/>
+              </a:ext>
+            </a:extLst>
+          </p:cNvPr>
+          <p:cNvPicPr>
+            <a:picLocks noChangeAspect="1" noChangeArrowheads="1"/>
+          </p:cNvPicPr>
+          <p:nvPr/>
+        </p:nvPicPr>
+        <p:blipFill>
+          <a:blip r:embed="rId7">
+            <a:extLst>
+              <a:ext uri="{28A0092B-C50C-407E-A947-70E740481C1C}">
+                <a14:useLocalDpi xmlns:a14="http://schemas.microsoft.com/office/drawing/2010/main" val="0"/>
+              </a:ext>
+            </a:extLst>
+          </a:blip>
+          <a:srcRect/>
+          <a:stretch>
+            <a:fillRect/>
+          </a:stretch>
+        </p:blipFill>
+        <p:spPr bwMode="auto">
+          <a:xfrm>
+            <a:off x="2318218" y="5936838"/>
+            <a:ext cx="1234937" cy="364244"/>
+          </a:xfrm>
+          <a:prstGeom prst="rect">
+            <a:avLst/>
+          </a:prstGeom>
+          <a:noFill/>
+          <a:extLst>
+            <a:ext uri="{909E8E84-426E-40DD-AFC4-6F175D3DCCD1}">
+              <a14:hiddenFill xmlns:a14="http://schemas.microsoft.com/office/drawing/2010/main">
+                <a:solidFill>
+                  <a:srgbClr val="FFFFFF"/>
+                </a:solidFill>
+              </a14:hiddenFill>
+            </a:ext>
+          </a:extLst>
+        </p:spPr>
+      </p:pic>
+      <p:pic>
+        <p:nvPicPr>
+          <p:cNvPr id="15" name="Picture 16" descr="mother-jones-logo-square - Adoptee Rights Law Center">
+            <a:extLst>
+              <a:ext uri="{FF2B5EF4-FFF2-40B4-BE49-F238E27FC236}">
+                <a16:creationId xmlns:a16="http://schemas.microsoft.com/office/drawing/2014/main" id="{76F592E6-2EA5-9BFD-A7E1-9A6ADB87999C}"/>
+              </a:ext>
+            </a:extLst>
+          </p:cNvPr>
+          <p:cNvPicPr>
+            <a:picLocks noChangeAspect="1" noChangeArrowheads="1"/>
+          </p:cNvPicPr>
+          <p:nvPr/>
+        </p:nvPicPr>
+        <p:blipFill rotWithShape="1">
+          <a:blip r:embed="rId8">
+            <a:extLst>
+              <a:ext uri="{28A0092B-C50C-407E-A947-70E740481C1C}">
+                <a14:useLocalDpi xmlns:a14="http://schemas.microsoft.com/office/drawing/2010/main" val="0"/>
+              </a:ext>
+            </a:extLst>
+          </a:blip>
+          <a:srcRect t="36804" b="38170"/>
+          <a:stretch/>
+        </p:blipFill>
+        <p:spPr bwMode="auto">
+          <a:xfrm>
+            <a:off x="9441155" y="6074774"/>
+            <a:ext cx="1477315" cy="369718"/>
+          </a:xfrm>
+          <a:prstGeom prst="rect">
+            <a:avLst/>
+          </a:prstGeom>
+          <a:noFill/>
+          <a:extLst>
+            <a:ext uri="{909E8E84-426E-40DD-AFC4-6F175D3DCCD1}">
+              <a14:hiddenFill xmlns:a14="http://schemas.microsoft.com/office/drawing/2010/main">
+                <a:solidFill>
+                  <a:srgbClr val="FFFFFF"/>
+                </a:solidFill>
+              </a14:hiddenFill>
+            </a:ext>
+          </a:extLst>
+        </p:spPr>
+      </p:pic>
+      <p:pic>
+        <p:nvPicPr>
+          <p:cNvPr id="17" name="Graphic 16">
+            <a:extLst>
+              <a:ext uri="{FF2B5EF4-FFF2-40B4-BE49-F238E27FC236}">
+                <a16:creationId xmlns:a16="http://schemas.microsoft.com/office/drawing/2014/main" id="{90D3B098-3D2B-4BAE-7F88-F48DA9C233B4}"/>
+              </a:ext>
+            </a:extLst>
+          </p:cNvPr>
+          <p:cNvPicPr>
+            <a:picLocks noChangeAspect="1"/>
+          </p:cNvPicPr>
+          <p:nvPr/>
+        </p:nvPicPr>
+        <p:blipFill>
+          <a:blip r:embed="rId9">
+            <a:extLst>
+              <a:ext uri="{96DAC541-7B7A-43D3-8B79-37D633B846F1}">
+                <asvg:svgBlip xmlns:asvg="http://schemas.microsoft.com/office/drawing/2016/SVG/main" r:embed="rId10"/>
+              </a:ext>
+            </a:extLst>
+          </a:blip>
+          <a:stretch>
+            <a:fillRect/>
+          </a:stretch>
+        </p:blipFill>
+        <p:spPr>
+          <a:xfrm>
+            <a:off x="8105765" y="1831898"/>
+            <a:ext cx="3632289" cy="4054648"/>
+          </a:xfrm>
+          <a:prstGeom prst="rect">
+            <a:avLst/>
+          </a:prstGeom>
         </p:spPr>
       </p:pic>
     </p:spTree>
@@ -5379,7 +5607,7 @@
           <p:cNvPr id="2" name="Title 1">
             <a:extLst>
               <a:ext uri="{FF2B5EF4-FFF2-40B4-BE49-F238E27FC236}">
-                <a16:creationId xmlns:a16="http://schemas.microsoft.com/office/drawing/2014/main" id="{01D6EDC1-2799-5CC8-13A3-1D8FCD856A93}"/>
+                <a16:creationId xmlns:a16="http://schemas.microsoft.com/office/drawing/2014/main" id="{6FD0F9E4-1E57-D287-EDA2-BEEF7B359767}"/>
               </a:ext>
             </a:extLst>
           </p:cNvPr>
@@ -5397,187 +5625,3316 @@
           <a:p>
             <a:r>
               <a:rPr lang="en-US" dirty="0"/>
-              <a:t>Problems you encountered</a:t>
+              <a:t>Topics LDA</a:t>
+            </a:r>
+          </a:p>
+        </p:txBody>
+      </p:sp>
+      <p:graphicFrame>
+        <p:nvGraphicFramePr>
+          <p:cNvPr id="4" name="Content Placeholder 3">
+            <a:extLst>
+              <a:ext uri="{FF2B5EF4-FFF2-40B4-BE49-F238E27FC236}">
+                <a16:creationId xmlns:a16="http://schemas.microsoft.com/office/drawing/2014/main" id="{1AA13460-9AAE-7474-EA03-1671EDC4180E}"/>
+              </a:ext>
+            </a:extLst>
+          </p:cNvPr>
+          <p:cNvGraphicFramePr>
+            <a:graphicFrameLocks noGrp="1"/>
+          </p:cNvGraphicFramePr>
+          <p:nvPr>
+            <p:ph idx="1"/>
+            <p:extLst>
+              <p:ext uri="{D42A27DB-BD31-4B8C-83A1-F6EECF244321}">
+                <p14:modId xmlns:p14="http://schemas.microsoft.com/office/powerpoint/2010/main" val="1660058901"/>
+              </p:ext>
+            </p:extLst>
+          </p:nvPr>
+        </p:nvGraphicFramePr>
+        <p:xfrm>
+          <a:off x="45720" y="2539701"/>
+          <a:ext cx="5541356" cy="3207850"/>
+        </p:xfrm>
+        <a:graphic>
+          <a:graphicData uri="http://schemas.openxmlformats.org/drawingml/2006/table">
+            <a:tbl>
+              <a:tblPr/>
+              <a:tblGrid>
+                <a:gridCol w="1385339">
+                  <a:extLst>
+                    <a:ext uri="{9D8B030D-6E8A-4147-A177-3AD203B41FA5}">
+                      <a16:colId xmlns:a16="http://schemas.microsoft.com/office/drawing/2014/main" val="1928098451"/>
+                    </a:ext>
+                  </a:extLst>
+                </a:gridCol>
+                <a:gridCol w="1385339">
+                  <a:extLst>
+                    <a:ext uri="{9D8B030D-6E8A-4147-A177-3AD203B41FA5}">
+                      <a16:colId xmlns:a16="http://schemas.microsoft.com/office/drawing/2014/main" val="1049161957"/>
+                    </a:ext>
+                  </a:extLst>
+                </a:gridCol>
+                <a:gridCol w="1385339">
+                  <a:extLst>
+                    <a:ext uri="{9D8B030D-6E8A-4147-A177-3AD203B41FA5}">
+                      <a16:colId xmlns:a16="http://schemas.microsoft.com/office/drawing/2014/main" val="1628305742"/>
+                    </a:ext>
+                  </a:extLst>
+                </a:gridCol>
+                <a:gridCol w="1385339">
+                  <a:extLst>
+                    <a:ext uri="{9D8B030D-6E8A-4147-A177-3AD203B41FA5}">
+                      <a16:colId xmlns:a16="http://schemas.microsoft.com/office/drawing/2014/main" val="1556395633"/>
+                    </a:ext>
+                  </a:extLst>
+                </a:gridCol>
+              </a:tblGrid>
+              <a:tr h="286386">
+                <a:tc>
+                  <a:txBody>
+                    <a:bodyPr/>
+                    <a:lstStyle/>
+                    <a:p>
+                      <a:pPr algn="r" fontAlgn="b"/>
+                      <a:r>
+                        <a:rPr lang="en-US" sz="2000" b="0" i="0" u="none" strike="noStrike">
+                          <a:solidFill>
+                            <a:srgbClr val="000000"/>
+                          </a:solidFill>
+                          <a:effectLst/>
+                          <a:latin typeface="Aptos Narrow" panose="020B0004020202020204" pitchFamily="34" charset="0"/>
+                        </a:rPr>
+                        <a:t>1</a:t>
+                      </a:r>
+                    </a:p>
+                  </a:txBody>
+                  <a:tcPr marL="15985" marR="15985" marT="15985" marB="0" anchor="b">
+                    <a:lnL>
+                      <a:noFill/>
+                    </a:lnL>
+                    <a:lnR>
+                      <a:noFill/>
+                    </a:lnR>
+                    <a:lnT>
+                      <a:noFill/>
+                    </a:lnT>
+                    <a:lnB>
+                      <a:noFill/>
+                    </a:lnB>
+                    <a:noFill/>
+                  </a:tcPr>
+                </a:tc>
+                <a:tc>
+                  <a:txBody>
+                    <a:bodyPr/>
+                    <a:lstStyle/>
+                    <a:p>
+                      <a:pPr algn="l" fontAlgn="b"/>
+                      <a:r>
+                        <a:rPr lang="en-US" sz="2000" b="0" i="0" u="none" strike="noStrike" dirty="0">
+                          <a:solidFill>
+                            <a:srgbClr val="000000"/>
+                          </a:solidFill>
+                          <a:effectLst/>
+                          <a:latin typeface="Aptos Narrow" panose="020B0004020202020204" pitchFamily="34" charset="0"/>
+                        </a:rPr>
+                        <a:t>women</a:t>
+                      </a:r>
+                    </a:p>
+                  </a:txBody>
+                  <a:tcPr marL="15985" marR="15985" marT="15985" marB="0" anchor="b">
+                    <a:lnL>
+                      <a:noFill/>
+                    </a:lnL>
+                    <a:lnR>
+                      <a:noFill/>
+                    </a:lnR>
+                    <a:lnT>
+                      <a:noFill/>
+                    </a:lnT>
+                    <a:lnB>
+                      <a:noFill/>
+                    </a:lnB>
+                    <a:noFill/>
+                  </a:tcPr>
+                </a:tc>
+                <a:tc>
+                  <a:txBody>
+                    <a:bodyPr/>
+                    <a:lstStyle/>
+                    <a:p>
+                      <a:pPr algn="l" fontAlgn="b"/>
+                      <a:r>
+                        <a:rPr lang="en-US" sz="2000" b="0" i="0" u="none" strike="noStrike" dirty="0">
+                          <a:solidFill>
+                            <a:srgbClr val="000000"/>
+                          </a:solidFill>
+                          <a:effectLst/>
+                          <a:latin typeface="Aptos Narrow" panose="020B0004020202020204" pitchFamily="34" charset="0"/>
+                        </a:rPr>
+                        <a:t>planned</a:t>
+                      </a:r>
+                    </a:p>
+                  </a:txBody>
+                  <a:tcPr marL="15985" marR="15985" marT="15985" marB="0" anchor="b">
+                    <a:lnL>
+                      <a:noFill/>
+                    </a:lnL>
+                    <a:lnR>
+                      <a:noFill/>
+                    </a:lnR>
+                    <a:lnT>
+                      <a:noFill/>
+                    </a:lnT>
+                    <a:lnB>
+                      <a:noFill/>
+                    </a:lnB>
+                    <a:noFill/>
+                  </a:tcPr>
+                </a:tc>
+                <a:tc>
+                  <a:txBody>
+                    <a:bodyPr/>
+                    <a:lstStyle/>
+                    <a:p>
+                      <a:pPr algn="l" fontAlgn="b"/>
+                      <a:r>
+                        <a:rPr lang="en-US" sz="2000" b="0" i="0" u="none" strike="noStrike" dirty="0">
+                          <a:solidFill>
+                            <a:srgbClr val="000000"/>
+                          </a:solidFill>
+                          <a:effectLst/>
+                          <a:latin typeface="Aptos Narrow" panose="020B0004020202020204" pitchFamily="34" charset="0"/>
+                        </a:rPr>
+                        <a:t>court</a:t>
+                      </a:r>
+                    </a:p>
+                  </a:txBody>
+                  <a:tcPr marL="15985" marR="15985" marT="15985" marB="0" anchor="b">
+                    <a:lnL>
+                      <a:noFill/>
+                    </a:lnL>
+                    <a:lnR>
+                      <a:noFill/>
+                    </a:lnR>
+                    <a:lnT>
+                      <a:noFill/>
+                    </a:lnT>
+                    <a:lnB>
+                      <a:noFill/>
+                    </a:lnB>
+                    <a:noFill/>
+                  </a:tcPr>
+                </a:tc>
+                <a:extLst>
+                  <a:ext uri="{0D108BD9-81ED-4DB2-BD59-A6C34878D82A}">
+                    <a16:rowId xmlns:a16="http://schemas.microsoft.com/office/drawing/2014/main" val="4086323594"/>
+                  </a:ext>
+                </a:extLst>
+              </a:tr>
+              <a:tr h="286386">
+                <a:tc>
+                  <a:txBody>
+                    <a:bodyPr/>
+                    <a:lstStyle/>
+                    <a:p>
+                      <a:pPr algn="r" fontAlgn="b"/>
+                      <a:r>
+                        <a:rPr lang="en-US" sz="2000" b="0" i="0" u="none" strike="noStrike">
+                          <a:solidFill>
+                            <a:srgbClr val="000000"/>
+                          </a:solidFill>
+                          <a:effectLst/>
+                          <a:latin typeface="Aptos Narrow" panose="020B0004020202020204" pitchFamily="34" charset="0"/>
+                        </a:rPr>
+                        <a:t>2</a:t>
+                      </a:r>
+                    </a:p>
+                  </a:txBody>
+                  <a:tcPr marL="15985" marR="15985" marT="15985" marB="0" anchor="b">
+                    <a:lnL>
+                      <a:noFill/>
+                    </a:lnL>
+                    <a:lnR>
+                      <a:noFill/>
+                    </a:lnR>
+                    <a:lnT>
+                      <a:noFill/>
+                    </a:lnT>
+                    <a:lnB>
+                      <a:noFill/>
+                    </a:lnB>
+                    <a:noFill/>
+                  </a:tcPr>
+                </a:tc>
+                <a:tc>
+                  <a:txBody>
+                    <a:bodyPr/>
+                    <a:lstStyle/>
+                    <a:p>
+                      <a:pPr algn="l" fontAlgn="b"/>
+                      <a:r>
+                        <a:rPr lang="en-US" sz="2000" b="0" i="0" u="none" strike="noStrike">
+                          <a:solidFill>
+                            <a:srgbClr val="000000"/>
+                          </a:solidFill>
+                          <a:effectLst/>
+                          <a:latin typeface="Aptos Narrow" panose="020B0004020202020204" pitchFamily="34" charset="0"/>
+                        </a:rPr>
+                        <a:t>life</a:t>
+                      </a:r>
+                    </a:p>
+                  </a:txBody>
+                  <a:tcPr marL="15985" marR="15985" marT="15985" marB="0" anchor="b">
+                    <a:lnL>
+                      <a:noFill/>
+                    </a:lnL>
+                    <a:lnR>
+                      <a:noFill/>
+                    </a:lnR>
+                    <a:lnT>
+                      <a:noFill/>
+                    </a:lnT>
+                    <a:lnB>
+                      <a:noFill/>
+                    </a:lnB>
+                    <a:noFill/>
+                  </a:tcPr>
+                </a:tc>
+                <a:tc>
+                  <a:txBody>
+                    <a:bodyPr/>
+                    <a:lstStyle/>
+                    <a:p>
+                      <a:pPr algn="l" fontAlgn="b"/>
+                      <a:r>
+                        <a:rPr lang="en-US" sz="2000" b="0" i="0" u="none" strike="noStrike" dirty="0">
+                          <a:solidFill>
+                            <a:srgbClr val="000000"/>
+                          </a:solidFill>
+                          <a:effectLst/>
+                          <a:latin typeface="Aptos Narrow" panose="020B0004020202020204" pitchFamily="34" charset="0"/>
+                        </a:rPr>
+                        <a:t>women</a:t>
+                      </a:r>
+                    </a:p>
+                  </a:txBody>
+                  <a:tcPr marL="15985" marR="15985" marT="15985" marB="0" anchor="b">
+                    <a:lnL>
+                      <a:noFill/>
+                    </a:lnL>
+                    <a:lnR>
+                      <a:noFill/>
+                    </a:lnR>
+                    <a:lnT>
+                      <a:noFill/>
+                    </a:lnT>
+                    <a:lnB>
+                      <a:noFill/>
+                    </a:lnB>
+                    <a:noFill/>
+                  </a:tcPr>
+                </a:tc>
+                <a:tc>
+                  <a:txBody>
+                    <a:bodyPr/>
+                    <a:lstStyle/>
+                    <a:p>
+                      <a:pPr algn="l" fontAlgn="b"/>
+                      <a:r>
+                        <a:rPr lang="en-US" sz="2000" b="0" i="0" u="none" strike="noStrike" dirty="0">
+                          <a:solidFill>
+                            <a:srgbClr val="000000"/>
+                          </a:solidFill>
+                          <a:effectLst/>
+                          <a:latin typeface="Aptos Narrow" panose="020B0004020202020204" pitchFamily="34" charset="0"/>
+                        </a:rPr>
+                        <a:t>state</a:t>
+                      </a:r>
+                    </a:p>
+                  </a:txBody>
+                  <a:tcPr marL="15985" marR="15985" marT="15985" marB="0" anchor="b">
+                    <a:lnL>
+                      <a:noFill/>
+                    </a:lnL>
+                    <a:lnR>
+                      <a:noFill/>
+                    </a:lnR>
+                    <a:lnT>
+                      <a:noFill/>
+                    </a:lnT>
+                    <a:lnB>
+                      <a:noFill/>
+                    </a:lnB>
+                    <a:noFill/>
+                  </a:tcPr>
+                </a:tc>
+                <a:extLst>
+                  <a:ext uri="{0D108BD9-81ED-4DB2-BD59-A6C34878D82A}">
+                    <a16:rowId xmlns:a16="http://schemas.microsoft.com/office/drawing/2014/main" val="1572102249"/>
+                  </a:ext>
+                </a:extLst>
+              </a:tr>
+              <a:tr h="286386">
+                <a:tc>
+                  <a:txBody>
+                    <a:bodyPr/>
+                    <a:lstStyle/>
+                    <a:p>
+                      <a:pPr algn="r" fontAlgn="b"/>
+                      <a:r>
+                        <a:rPr lang="en-US" sz="2000" b="0" i="0" u="none" strike="noStrike">
+                          <a:solidFill>
+                            <a:srgbClr val="000000"/>
+                          </a:solidFill>
+                          <a:effectLst/>
+                          <a:latin typeface="Aptos Narrow" panose="020B0004020202020204" pitchFamily="34" charset="0"/>
+                        </a:rPr>
+                        <a:t>3</a:t>
+                      </a:r>
+                    </a:p>
+                  </a:txBody>
+                  <a:tcPr marL="15985" marR="15985" marT="15985" marB="0" anchor="b">
+                    <a:lnL>
+                      <a:noFill/>
+                    </a:lnL>
+                    <a:lnR>
+                      <a:noFill/>
+                    </a:lnR>
+                    <a:lnT>
+                      <a:noFill/>
+                    </a:lnT>
+                    <a:lnB>
+                      <a:noFill/>
+                    </a:lnB>
+                    <a:noFill/>
+                  </a:tcPr>
+                </a:tc>
+                <a:tc>
+                  <a:txBody>
+                    <a:bodyPr/>
+                    <a:lstStyle/>
+                    <a:p>
+                      <a:pPr algn="l" fontAlgn="b"/>
+                      <a:r>
+                        <a:rPr lang="en-US" sz="2000" b="0" i="0" u="none" strike="noStrike" dirty="0">
+                          <a:solidFill>
+                            <a:srgbClr val="000000"/>
+                          </a:solidFill>
+                          <a:effectLst/>
+                          <a:latin typeface="Aptos Narrow" panose="020B0004020202020204" pitchFamily="34" charset="0"/>
+                        </a:rPr>
+                        <a:t>one</a:t>
+                      </a:r>
+                    </a:p>
+                  </a:txBody>
+                  <a:tcPr marL="15985" marR="15985" marT="15985" marB="0" anchor="b">
+                    <a:lnL>
+                      <a:noFill/>
+                    </a:lnL>
+                    <a:lnR>
+                      <a:noFill/>
+                    </a:lnR>
+                    <a:lnT>
+                      <a:noFill/>
+                    </a:lnT>
+                    <a:lnB>
+                      <a:noFill/>
+                    </a:lnB>
+                    <a:noFill/>
+                  </a:tcPr>
+                </a:tc>
+                <a:tc>
+                  <a:txBody>
+                    <a:bodyPr/>
+                    <a:lstStyle/>
+                    <a:p>
+                      <a:pPr algn="l" fontAlgn="b"/>
+                      <a:r>
+                        <a:rPr lang="en-US" sz="2000" b="0" i="0" u="none" strike="noStrike">
+                          <a:solidFill>
+                            <a:srgbClr val="000000"/>
+                          </a:solidFill>
+                          <a:effectLst/>
+                          <a:latin typeface="Aptos Narrow" panose="020B0004020202020204" pitchFamily="34" charset="0"/>
+                        </a:rPr>
+                        <a:t>parenthood</a:t>
+                      </a:r>
+                    </a:p>
+                  </a:txBody>
+                  <a:tcPr marL="15985" marR="15985" marT="15985" marB="0" anchor="b">
+                    <a:lnL>
+                      <a:noFill/>
+                    </a:lnL>
+                    <a:lnR>
+                      <a:noFill/>
+                    </a:lnR>
+                    <a:lnT>
+                      <a:noFill/>
+                    </a:lnT>
+                    <a:lnB>
+                      <a:noFill/>
+                    </a:lnB>
+                    <a:noFill/>
+                  </a:tcPr>
+                </a:tc>
+                <a:tc>
+                  <a:txBody>
+                    <a:bodyPr/>
+                    <a:lstStyle/>
+                    <a:p>
+                      <a:pPr algn="l" fontAlgn="b"/>
+                      <a:r>
+                        <a:rPr lang="en-US" sz="2000" b="0" i="0" u="none" strike="noStrike">
+                          <a:solidFill>
+                            <a:srgbClr val="000000"/>
+                          </a:solidFill>
+                          <a:effectLst/>
+                          <a:latin typeface="Aptos Narrow" panose="020B0004020202020204" pitchFamily="34" charset="0"/>
+                        </a:rPr>
+                        <a:t>law</a:t>
+                      </a:r>
+                    </a:p>
+                  </a:txBody>
+                  <a:tcPr marL="15985" marR="15985" marT="15985" marB="0" anchor="b">
+                    <a:lnL>
+                      <a:noFill/>
+                    </a:lnL>
+                    <a:lnR>
+                      <a:noFill/>
+                    </a:lnR>
+                    <a:lnT>
+                      <a:noFill/>
+                    </a:lnT>
+                    <a:lnB>
+                      <a:noFill/>
+                    </a:lnB>
+                    <a:noFill/>
+                  </a:tcPr>
+                </a:tc>
+                <a:extLst>
+                  <a:ext uri="{0D108BD9-81ED-4DB2-BD59-A6C34878D82A}">
+                    <a16:rowId xmlns:a16="http://schemas.microsoft.com/office/drawing/2014/main" val="2150705998"/>
+                  </a:ext>
+                </a:extLst>
+              </a:tr>
+              <a:tr h="286386">
+                <a:tc>
+                  <a:txBody>
+                    <a:bodyPr/>
+                    <a:lstStyle/>
+                    <a:p>
+                      <a:pPr algn="r" fontAlgn="b"/>
+                      <a:r>
+                        <a:rPr lang="en-US" sz="2000" b="0" i="0" u="none" strike="noStrike">
+                          <a:solidFill>
+                            <a:srgbClr val="000000"/>
+                          </a:solidFill>
+                          <a:effectLst/>
+                          <a:latin typeface="Aptos Narrow" panose="020B0004020202020204" pitchFamily="34" charset="0"/>
+                        </a:rPr>
+                        <a:t>4</a:t>
+                      </a:r>
+                    </a:p>
+                  </a:txBody>
+                  <a:tcPr marL="15985" marR="15985" marT="15985" marB="0" anchor="b">
+                    <a:lnL>
+                      <a:noFill/>
+                    </a:lnL>
+                    <a:lnR>
+                      <a:noFill/>
+                    </a:lnR>
+                    <a:lnT>
+                      <a:noFill/>
+                    </a:lnT>
+                    <a:lnB>
+                      <a:noFill/>
+                    </a:lnB>
+                    <a:noFill/>
+                  </a:tcPr>
+                </a:tc>
+                <a:tc>
+                  <a:txBody>
+                    <a:bodyPr/>
+                    <a:lstStyle/>
+                    <a:p>
+                      <a:pPr algn="l" fontAlgn="b"/>
+                      <a:r>
+                        <a:rPr lang="en-US" sz="2000" b="0" i="0" u="none" strike="noStrike">
+                          <a:solidFill>
+                            <a:srgbClr val="000000"/>
+                          </a:solidFill>
+                          <a:effectLst/>
+                          <a:latin typeface="Aptos Narrow" panose="020B0004020202020204" pitchFamily="34" charset="0"/>
+                        </a:rPr>
+                        <a:t>pro-life</a:t>
+                      </a:r>
+                    </a:p>
+                  </a:txBody>
+                  <a:tcPr marL="15985" marR="15985" marT="15985" marB="0" anchor="b">
+                    <a:lnL>
+                      <a:noFill/>
+                    </a:lnL>
+                    <a:lnR>
+                      <a:noFill/>
+                    </a:lnR>
+                    <a:lnT>
+                      <a:noFill/>
+                    </a:lnT>
+                    <a:lnB>
+                      <a:noFill/>
+                    </a:lnB>
+                    <a:noFill/>
+                  </a:tcPr>
+                </a:tc>
+                <a:tc>
+                  <a:txBody>
+                    <a:bodyPr/>
+                    <a:lstStyle/>
+                    <a:p>
+                      <a:pPr algn="l" fontAlgn="b"/>
+                      <a:r>
+                        <a:rPr lang="en-US" sz="2000" b="0" i="0" u="none" strike="noStrike">
+                          <a:solidFill>
+                            <a:srgbClr val="000000"/>
+                          </a:solidFill>
+                          <a:effectLst/>
+                          <a:latin typeface="Aptos Narrow" panose="020B0004020202020204" pitchFamily="34" charset="0"/>
+                        </a:rPr>
+                        <a:t>health</a:t>
+                      </a:r>
+                    </a:p>
+                  </a:txBody>
+                  <a:tcPr marL="15985" marR="15985" marT="15985" marB="0" anchor="b">
+                    <a:lnL>
+                      <a:noFill/>
+                    </a:lnL>
+                    <a:lnR>
+                      <a:noFill/>
+                    </a:lnR>
+                    <a:lnT>
+                      <a:noFill/>
+                    </a:lnT>
+                    <a:lnB>
+                      <a:noFill/>
+                    </a:lnB>
+                    <a:noFill/>
+                  </a:tcPr>
+                </a:tc>
+                <a:tc>
+                  <a:txBody>
+                    <a:bodyPr/>
+                    <a:lstStyle/>
+                    <a:p>
+                      <a:pPr algn="l" fontAlgn="b"/>
+                      <a:r>
+                        <a:rPr lang="en-US" sz="2000" b="0" i="0" u="none" strike="noStrike">
+                          <a:solidFill>
+                            <a:srgbClr val="000000"/>
+                          </a:solidFill>
+                          <a:effectLst/>
+                          <a:latin typeface="Aptos Narrow" panose="020B0004020202020204" pitchFamily="34" charset="0"/>
+                        </a:rPr>
+                        <a:t>states</a:t>
+                      </a:r>
+                    </a:p>
+                  </a:txBody>
+                  <a:tcPr marL="15985" marR="15985" marT="15985" marB="0" anchor="b">
+                    <a:lnL>
+                      <a:noFill/>
+                    </a:lnL>
+                    <a:lnR>
+                      <a:noFill/>
+                    </a:lnR>
+                    <a:lnT>
+                      <a:noFill/>
+                    </a:lnT>
+                    <a:lnB>
+                      <a:noFill/>
+                    </a:lnB>
+                    <a:noFill/>
+                  </a:tcPr>
+                </a:tc>
+                <a:extLst>
+                  <a:ext uri="{0D108BD9-81ED-4DB2-BD59-A6C34878D82A}">
+                    <a16:rowId xmlns:a16="http://schemas.microsoft.com/office/drawing/2014/main" val="1082643460"/>
+                  </a:ext>
+                </a:extLst>
+              </a:tr>
+              <a:tr h="286386">
+                <a:tc>
+                  <a:txBody>
+                    <a:bodyPr/>
+                    <a:lstStyle/>
+                    <a:p>
+                      <a:pPr algn="r" fontAlgn="b"/>
+                      <a:r>
+                        <a:rPr lang="en-US" sz="2000" b="0" i="0" u="none" strike="noStrike">
+                          <a:solidFill>
+                            <a:srgbClr val="000000"/>
+                          </a:solidFill>
+                          <a:effectLst/>
+                          <a:latin typeface="Aptos Narrow" panose="020B0004020202020204" pitchFamily="34" charset="0"/>
+                        </a:rPr>
+                        <a:t>5</a:t>
+                      </a:r>
+                    </a:p>
+                  </a:txBody>
+                  <a:tcPr marL="15985" marR="15985" marT="15985" marB="0" anchor="b">
+                    <a:lnL>
+                      <a:noFill/>
+                    </a:lnL>
+                    <a:lnR>
+                      <a:noFill/>
+                    </a:lnR>
+                    <a:lnT>
+                      <a:noFill/>
+                    </a:lnT>
+                    <a:lnB>
+                      <a:noFill/>
+                    </a:lnB>
+                    <a:noFill/>
+                  </a:tcPr>
+                </a:tc>
+                <a:tc>
+                  <a:txBody>
+                    <a:bodyPr/>
+                    <a:lstStyle/>
+                    <a:p>
+                      <a:pPr algn="l" fontAlgn="b"/>
+                      <a:r>
+                        <a:rPr lang="en-US" sz="2000" b="0" i="0" u="none" strike="noStrike" dirty="0">
+                          <a:solidFill>
+                            <a:srgbClr val="000000"/>
+                          </a:solidFill>
+                          <a:effectLst/>
+                          <a:latin typeface="Aptos Narrow" panose="020B0004020202020204" pitchFamily="34" charset="0"/>
+                        </a:rPr>
+                        <a:t>people</a:t>
+                      </a:r>
+                    </a:p>
+                  </a:txBody>
+                  <a:tcPr marL="15985" marR="15985" marT="15985" marB="0" anchor="b">
+                    <a:lnL>
+                      <a:noFill/>
+                    </a:lnL>
+                    <a:lnR>
+                      <a:noFill/>
+                    </a:lnR>
+                    <a:lnT>
+                      <a:noFill/>
+                    </a:lnT>
+                    <a:lnB>
+                      <a:noFill/>
+                    </a:lnB>
+                    <a:noFill/>
+                  </a:tcPr>
+                </a:tc>
+                <a:tc>
+                  <a:txBody>
+                    <a:bodyPr/>
+                    <a:lstStyle/>
+                    <a:p>
+                      <a:pPr algn="l" fontAlgn="b"/>
+                      <a:r>
+                        <a:rPr lang="en-US" sz="2000" b="0" i="0" u="none" strike="noStrike">
+                          <a:solidFill>
+                            <a:srgbClr val="000000"/>
+                          </a:solidFill>
+                          <a:effectLst/>
+                          <a:latin typeface="Aptos Narrow" panose="020B0004020202020204" pitchFamily="34" charset="0"/>
+                        </a:rPr>
+                        <a:t>medical</a:t>
+                      </a:r>
+                    </a:p>
+                  </a:txBody>
+                  <a:tcPr marL="15985" marR="15985" marT="15985" marB="0" anchor="b">
+                    <a:lnL>
+                      <a:noFill/>
+                    </a:lnL>
+                    <a:lnR>
+                      <a:noFill/>
+                    </a:lnR>
+                    <a:lnT>
+                      <a:noFill/>
+                    </a:lnT>
+                    <a:lnB>
+                      <a:noFill/>
+                    </a:lnB>
+                    <a:noFill/>
+                  </a:tcPr>
+                </a:tc>
+                <a:tc>
+                  <a:txBody>
+                    <a:bodyPr/>
+                    <a:lstStyle/>
+                    <a:p>
+                      <a:pPr algn="l" fontAlgn="b"/>
+                      <a:r>
+                        <a:rPr lang="en-US" sz="2000" b="0" i="0" u="none" strike="noStrike">
+                          <a:solidFill>
+                            <a:srgbClr val="000000"/>
+                          </a:solidFill>
+                          <a:effectLst/>
+                          <a:latin typeface="Aptos Narrow" panose="020B0004020202020204" pitchFamily="34" charset="0"/>
+                        </a:rPr>
+                        <a:t>pro-life</a:t>
+                      </a:r>
+                    </a:p>
+                  </a:txBody>
+                  <a:tcPr marL="15985" marR="15985" marT="15985" marB="0" anchor="b">
+                    <a:lnL>
+                      <a:noFill/>
+                    </a:lnL>
+                    <a:lnR>
+                      <a:noFill/>
+                    </a:lnR>
+                    <a:lnT>
+                      <a:noFill/>
+                    </a:lnT>
+                    <a:lnB>
+                      <a:noFill/>
+                    </a:lnB>
+                    <a:noFill/>
+                  </a:tcPr>
+                </a:tc>
+                <a:extLst>
+                  <a:ext uri="{0D108BD9-81ED-4DB2-BD59-A6C34878D82A}">
+                    <a16:rowId xmlns:a16="http://schemas.microsoft.com/office/drawing/2014/main" val="3373261439"/>
+                  </a:ext>
+                </a:extLst>
+              </a:tr>
+              <a:tr h="286386">
+                <a:tc>
+                  <a:txBody>
+                    <a:bodyPr/>
+                    <a:lstStyle/>
+                    <a:p>
+                      <a:pPr algn="r" fontAlgn="b"/>
+                      <a:r>
+                        <a:rPr lang="en-US" sz="2000" b="0" i="0" u="none" strike="noStrike">
+                          <a:solidFill>
+                            <a:srgbClr val="000000"/>
+                          </a:solidFill>
+                          <a:effectLst/>
+                          <a:latin typeface="Aptos Narrow" panose="020B0004020202020204" pitchFamily="34" charset="0"/>
+                        </a:rPr>
+                        <a:t>6</a:t>
+                      </a:r>
+                    </a:p>
+                  </a:txBody>
+                  <a:tcPr marL="15985" marR="15985" marT="15985" marB="0" anchor="b">
+                    <a:lnL>
+                      <a:noFill/>
+                    </a:lnL>
+                    <a:lnR>
+                      <a:noFill/>
+                    </a:lnR>
+                    <a:lnT>
+                      <a:noFill/>
+                    </a:lnT>
+                    <a:lnB>
+                      <a:noFill/>
+                    </a:lnB>
+                    <a:noFill/>
+                  </a:tcPr>
+                </a:tc>
+                <a:tc>
+                  <a:txBody>
+                    <a:bodyPr/>
+                    <a:lstStyle/>
+                    <a:p>
+                      <a:pPr algn="l" fontAlgn="b"/>
+                      <a:r>
+                        <a:rPr lang="en-US" sz="2000" b="0" i="0" u="none" strike="noStrike">
+                          <a:solidFill>
+                            <a:srgbClr val="000000"/>
+                          </a:solidFill>
+                          <a:effectLst/>
+                          <a:latin typeface="Aptos Narrow" panose="020B0004020202020204" pitchFamily="34" charset="0"/>
+                        </a:rPr>
+                        <a:t>child</a:t>
+                      </a:r>
+                    </a:p>
+                  </a:txBody>
+                  <a:tcPr marL="15985" marR="15985" marT="15985" marB="0" anchor="b">
+                    <a:lnL>
+                      <a:noFill/>
+                    </a:lnL>
+                    <a:lnR>
+                      <a:noFill/>
+                    </a:lnR>
+                    <a:lnT>
+                      <a:noFill/>
+                    </a:lnT>
+                    <a:lnB>
+                      <a:noFill/>
+                    </a:lnB>
+                    <a:noFill/>
+                  </a:tcPr>
+                </a:tc>
+                <a:tc>
+                  <a:txBody>
+                    <a:bodyPr/>
+                    <a:lstStyle/>
+                    <a:p>
+                      <a:pPr algn="l" fontAlgn="b"/>
+                      <a:r>
+                        <a:rPr lang="en-US" sz="2000" b="0" i="0" u="none" strike="noStrike">
+                          <a:solidFill>
+                            <a:srgbClr val="000000"/>
+                          </a:solidFill>
+                          <a:effectLst/>
+                          <a:latin typeface="Aptos Narrow" panose="020B0004020202020204" pitchFamily="34" charset="0"/>
+                        </a:rPr>
+                        <a:t>care</a:t>
+                      </a:r>
+                    </a:p>
+                  </a:txBody>
+                  <a:tcPr marL="15985" marR="15985" marT="15985" marB="0" anchor="b">
+                    <a:lnL>
+                      <a:noFill/>
+                    </a:lnL>
+                    <a:lnR>
+                      <a:noFill/>
+                    </a:lnR>
+                    <a:lnT>
+                      <a:noFill/>
+                    </a:lnT>
+                    <a:lnB>
+                      <a:noFill/>
+                    </a:lnB>
+                    <a:noFill/>
+                  </a:tcPr>
+                </a:tc>
+                <a:tc>
+                  <a:txBody>
+                    <a:bodyPr/>
+                    <a:lstStyle/>
+                    <a:p>
+                      <a:pPr algn="l" fontAlgn="b"/>
+                      <a:r>
+                        <a:rPr lang="en-US" sz="2000" b="0" i="0" u="none" strike="noStrike">
+                          <a:solidFill>
+                            <a:srgbClr val="000000"/>
+                          </a:solidFill>
+                          <a:effectLst/>
+                          <a:latin typeface="Aptos Narrow" panose="020B0004020202020204" pitchFamily="34" charset="0"/>
+                        </a:rPr>
+                        <a:t>roe</a:t>
+                      </a:r>
+                    </a:p>
+                  </a:txBody>
+                  <a:tcPr marL="15985" marR="15985" marT="15985" marB="0" anchor="b">
+                    <a:lnL>
+                      <a:noFill/>
+                    </a:lnL>
+                    <a:lnR>
+                      <a:noFill/>
+                    </a:lnR>
+                    <a:lnT>
+                      <a:noFill/>
+                    </a:lnT>
+                    <a:lnB>
+                      <a:noFill/>
+                    </a:lnB>
+                    <a:noFill/>
+                  </a:tcPr>
+                </a:tc>
+                <a:extLst>
+                  <a:ext uri="{0D108BD9-81ED-4DB2-BD59-A6C34878D82A}">
+                    <a16:rowId xmlns:a16="http://schemas.microsoft.com/office/drawing/2014/main" val="1795736498"/>
+                  </a:ext>
+                </a:extLst>
+              </a:tr>
+              <a:tr h="286386">
+                <a:tc>
+                  <a:txBody>
+                    <a:bodyPr/>
+                    <a:lstStyle/>
+                    <a:p>
+                      <a:pPr algn="r" fontAlgn="b"/>
+                      <a:r>
+                        <a:rPr lang="en-US" sz="2000" b="0" i="0" u="none" strike="noStrike">
+                          <a:solidFill>
+                            <a:srgbClr val="000000"/>
+                          </a:solidFill>
+                          <a:effectLst/>
+                          <a:latin typeface="Aptos Narrow" panose="020B0004020202020204" pitchFamily="34" charset="0"/>
+                        </a:rPr>
+                        <a:t>7</a:t>
+                      </a:r>
+                    </a:p>
+                  </a:txBody>
+                  <a:tcPr marL="15985" marR="15985" marT="15985" marB="0" anchor="b">
+                    <a:lnL>
+                      <a:noFill/>
+                    </a:lnL>
+                    <a:lnR>
+                      <a:noFill/>
+                    </a:lnR>
+                    <a:lnT>
+                      <a:noFill/>
+                    </a:lnT>
+                    <a:lnB>
+                      <a:noFill/>
+                    </a:lnB>
+                    <a:noFill/>
+                  </a:tcPr>
+                </a:tc>
+                <a:tc>
+                  <a:txBody>
+                    <a:bodyPr/>
+                    <a:lstStyle/>
+                    <a:p>
+                      <a:pPr algn="l" fontAlgn="b"/>
+                      <a:r>
+                        <a:rPr lang="en-US" sz="2000" b="0" i="0" u="none" strike="noStrike">
+                          <a:solidFill>
+                            <a:srgbClr val="000000"/>
+                          </a:solidFill>
+                          <a:effectLst/>
+                          <a:latin typeface="Aptos Narrow" panose="020B0004020202020204" pitchFamily="34" charset="0"/>
+                        </a:rPr>
+                        <a:t>like</a:t>
+                      </a:r>
+                    </a:p>
+                  </a:txBody>
+                  <a:tcPr marL="15985" marR="15985" marT="15985" marB="0" anchor="b">
+                    <a:lnL>
+                      <a:noFill/>
+                    </a:lnL>
+                    <a:lnR>
+                      <a:noFill/>
+                    </a:lnR>
+                    <a:lnT>
+                      <a:noFill/>
+                    </a:lnT>
+                    <a:lnB>
+                      <a:noFill/>
+                    </a:lnB>
+                    <a:noFill/>
+                  </a:tcPr>
+                </a:tc>
+                <a:tc>
+                  <a:txBody>
+                    <a:bodyPr/>
+                    <a:lstStyle/>
+                    <a:p>
+                      <a:pPr algn="l" fontAlgn="b"/>
+                      <a:r>
+                        <a:rPr lang="en-US" sz="2000" b="0" i="0" u="none" strike="noStrike">
+                          <a:solidFill>
+                            <a:srgbClr val="000000"/>
+                          </a:solidFill>
+                          <a:effectLst/>
+                          <a:latin typeface="Aptos Narrow" panose="020B0004020202020204" pitchFamily="34" charset="0"/>
+                        </a:rPr>
+                        <a:t>pregnancy</a:t>
+                      </a:r>
+                    </a:p>
+                  </a:txBody>
+                  <a:tcPr marL="15985" marR="15985" marT="15985" marB="0" anchor="b">
+                    <a:lnL>
+                      <a:noFill/>
+                    </a:lnL>
+                    <a:lnR>
+                      <a:noFill/>
+                    </a:lnR>
+                    <a:lnT>
+                      <a:noFill/>
+                    </a:lnT>
+                    <a:lnB>
+                      <a:noFill/>
+                    </a:lnB>
+                    <a:noFill/>
+                  </a:tcPr>
+                </a:tc>
+                <a:tc>
+                  <a:txBody>
+                    <a:bodyPr/>
+                    <a:lstStyle/>
+                    <a:p>
+                      <a:pPr algn="l" fontAlgn="b"/>
+                      <a:r>
+                        <a:rPr lang="en-US" sz="2000" b="0" i="0" u="none" strike="noStrike">
+                          <a:solidFill>
+                            <a:srgbClr val="000000"/>
+                          </a:solidFill>
+                          <a:effectLst/>
+                          <a:latin typeface="Aptos Narrow" panose="020B0004020202020204" pitchFamily="34" charset="0"/>
+                        </a:rPr>
+                        <a:t>democrats</a:t>
+                      </a:r>
+                    </a:p>
+                  </a:txBody>
+                  <a:tcPr marL="15985" marR="15985" marT="15985" marB="0" anchor="b">
+                    <a:lnL>
+                      <a:noFill/>
+                    </a:lnL>
+                    <a:lnR>
+                      <a:noFill/>
+                    </a:lnR>
+                    <a:lnT>
+                      <a:noFill/>
+                    </a:lnT>
+                    <a:lnB>
+                      <a:noFill/>
+                    </a:lnB>
+                    <a:noFill/>
+                  </a:tcPr>
+                </a:tc>
+                <a:extLst>
+                  <a:ext uri="{0D108BD9-81ED-4DB2-BD59-A6C34878D82A}">
+                    <a16:rowId xmlns:a16="http://schemas.microsoft.com/office/drawing/2014/main" val="3369088494"/>
+                  </a:ext>
+                </a:extLst>
+              </a:tr>
+              <a:tr h="286386">
+                <a:tc>
+                  <a:txBody>
+                    <a:bodyPr/>
+                    <a:lstStyle/>
+                    <a:p>
+                      <a:pPr algn="r" fontAlgn="b"/>
+                      <a:r>
+                        <a:rPr lang="en-US" sz="2000" b="0" i="0" u="none" strike="noStrike">
+                          <a:solidFill>
+                            <a:srgbClr val="000000"/>
+                          </a:solidFill>
+                          <a:effectLst/>
+                          <a:latin typeface="Aptos Narrow" panose="020B0004020202020204" pitchFamily="34" charset="0"/>
+                        </a:rPr>
+                        <a:t>8</a:t>
+                      </a:r>
+                    </a:p>
+                  </a:txBody>
+                  <a:tcPr marL="15985" marR="15985" marT="15985" marB="0" anchor="b">
+                    <a:lnL>
+                      <a:noFill/>
+                    </a:lnL>
+                    <a:lnR>
+                      <a:noFill/>
+                    </a:lnR>
+                    <a:lnT>
+                      <a:noFill/>
+                    </a:lnT>
+                    <a:lnB>
+                      <a:noFill/>
+                    </a:lnB>
+                    <a:noFill/>
+                  </a:tcPr>
+                </a:tc>
+                <a:tc>
+                  <a:txBody>
+                    <a:bodyPr/>
+                    <a:lstStyle/>
+                    <a:p>
+                      <a:pPr algn="l" fontAlgn="b"/>
+                      <a:r>
+                        <a:rPr lang="en-US" sz="2000" b="0" i="0" u="none" strike="noStrike">
+                          <a:solidFill>
+                            <a:srgbClr val="000000"/>
+                          </a:solidFill>
+                          <a:effectLst/>
+                          <a:latin typeface="Aptos Narrow" panose="020B0004020202020204" pitchFamily="34" charset="0"/>
+                        </a:rPr>
+                        <a:t>even</a:t>
+                      </a:r>
+                    </a:p>
+                  </a:txBody>
+                  <a:tcPr marL="15985" marR="15985" marT="15985" marB="0" anchor="b">
+                    <a:lnL>
+                      <a:noFill/>
+                    </a:lnL>
+                    <a:lnR>
+                      <a:noFill/>
+                    </a:lnR>
+                    <a:lnT>
+                      <a:noFill/>
+                    </a:lnT>
+                    <a:lnB>
+                      <a:noFill/>
+                    </a:lnB>
+                    <a:noFill/>
+                  </a:tcPr>
+                </a:tc>
+                <a:tc>
+                  <a:txBody>
+                    <a:bodyPr/>
+                    <a:lstStyle/>
+                    <a:p>
+                      <a:pPr algn="l" fontAlgn="b"/>
+                      <a:r>
+                        <a:rPr lang="en-US" sz="2000" b="0" i="0" u="none" strike="noStrike">
+                          <a:solidFill>
+                            <a:srgbClr val="000000"/>
+                          </a:solidFill>
+                          <a:effectLst/>
+                          <a:latin typeface="Aptos Narrow" panose="020B0004020202020204" pitchFamily="34" charset="0"/>
+                        </a:rPr>
+                        <a:t>percent</a:t>
+                      </a:r>
+                    </a:p>
+                  </a:txBody>
+                  <a:tcPr marL="15985" marR="15985" marT="15985" marB="0" anchor="b">
+                    <a:lnL>
+                      <a:noFill/>
+                    </a:lnL>
+                    <a:lnR>
+                      <a:noFill/>
+                    </a:lnR>
+                    <a:lnT>
+                      <a:noFill/>
+                    </a:lnT>
+                    <a:lnB>
+                      <a:noFill/>
+                    </a:lnB>
+                    <a:noFill/>
+                  </a:tcPr>
+                </a:tc>
+                <a:tc>
+                  <a:txBody>
+                    <a:bodyPr/>
+                    <a:lstStyle/>
+                    <a:p>
+                      <a:pPr algn="l" fontAlgn="b"/>
+                      <a:r>
+                        <a:rPr lang="en-US" sz="2000" b="0" i="0" u="none" strike="noStrike">
+                          <a:solidFill>
+                            <a:srgbClr val="000000"/>
+                          </a:solidFill>
+                          <a:effectLst/>
+                          <a:latin typeface="Aptos Narrow" panose="020B0004020202020204" pitchFamily="34" charset="0"/>
+                        </a:rPr>
+                        <a:t>supreme</a:t>
+                      </a:r>
+                    </a:p>
+                  </a:txBody>
+                  <a:tcPr marL="15985" marR="15985" marT="15985" marB="0" anchor="b">
+                    <a:lnL>
+                      <a:noFill/>
+                    </a:lnL>
+                    <a:lnR>
+                      <a:noFill/>
+                    </a:lnR>
+                    <a:lnT>
+                      <a:noFill/>
+                    </a:lnT>
+                    <a:lnB>
+                      <a:noFill/>
+                    </a:lnB>
+                    <a:noFill/>
+                  </a:tcPr>
+                </a:tc>
+                <a:extLst>
+                  <a:ext uri="{0D108BD9-81ED-4DB2-BD59-A6C34878D82A}">
+                    <a16:rowId xmlns:a16="http://schemas.microsoft.com/office/drawing/2014/main" val="2149865118"/>
+                  </a:ext>
+                </a:extLst>
+              </a:tr>
+              <a:tr h="286386">
+                <a:tc>
+                  <a:txBody>
+                    <a:bodyPr/>
+                    <a:lstStyle/>
+                    <a:p>
+                      <a:pPr algn="r" fontAlgn="b"/>
+                      <a:r>
+                        <a:rPr lang="en-US" sz="2000" b="0" i="0" u="none" strike="noStrike">
+                          <a:solidFill>
+                            <a:srgbClr val="000000"/>
+                          </a:solidFill>
+                          <a:effectLst/>
+                          <a:latin typeface="Aptos Narrow" panose="020B0004020202020204" pitchFamily="34" charset="0"/>
+                        </a:rPr>
+                        <a:t>9</a:t>
+                      </a:r>
+                    </a:p>
+                  </a:txBody>
+                  <a:tcPr marL="15985" marR="15985" marT="15985" marB="0" anchor="b">
+                    <a:lnL>
+                      <a:noFill/>
+                    </a:lnL>
+                    <a:lnR>
+                      <a:noFill/>
+                    </a:lnR>
+                    <a:lnT>
+                      <a:noFill/>
+                    </a:lnT>
+                    <a:lnB>
+                      <a:noFill/>
+                    </a:lnB>
+                    <a:noFill/>
+                  </a:tcPr>
+                </a:tc>
+                <a:tc>
+                  <a:txBody>
+                    <a:bodyPr/>
+                    <a:lstStyle/>
+                    <a:p>
+                      <a:pPr algn="l" fontAlgn="b"/>
+                      <a:r>
+                        <a:rPr lang="en-US" sz="2000" b="0" i="0" u="none" strike="noStrike">
+                          <a:solidFill>
+                            <a:srgbClr val="000000"/>
+                          </a:solidFill>
+                          <a:effectLst/>
+                          <a:latin typeface="Aptos Narrow" panose="020B0004020202020204" pitchFamily="34" charset="0"/>
+                        </a:rPr>
+                        <a:t>human</a:t>
+                      </a:r>
+                    </a:p>
+                  </a:txBody>
+                  <a:tcPr marL="15985" marR="15985" marT="15985" marB="0" anchor="b">
+                    <a:lnL>
+                      <a:noFill/>
+                    </a:lnL>
+                    <a:lnR>
+                      <a:noFill/>
+                    </a:lnR>
+                    <a:lnT>
+                      <a:noFill/>
+                    </a:lnT>
+                    <a:lnB>
+                      <a:noFill/>
+                    </a:lnB>
+                    <a:noFill/>
+                  </a:tcPr>
+                </a:tc>
+                <a:tc>
+                  <a:txBody>
+                    <a:bodyPr/>
+                    <a:lstStyle/>
+                    <a:p>
+                      <a:pPr algn="l" fontAlgn="b"/>
+                      <a:r>
+                        <a:rPr lang="en-US" sz="2000" b="0" i="0" u="none" strike="noStrike">
+                          <a:solidFill>
+                            <a:srgbClr val="000000"/>
+                          </a:solidFill>
+                          <a:effectLst/>
+                          <a:latin typeface="Aptos Narrow" panose="020B0004020202020204" pitchFamily="34" charset="0"/>
+                        </a:rPr>
+                        <a:t>clinics</a:t>
+                      </a:r>
+                    </a:p>
+                  </a:txBody>
+                  <a:tcPr marL="15985" marR="15985" marT="15985" marB="0" anchor="b">
+                    <a:lnL>
+                      <a:noFill/>
+                    </a:lnL>
+                    <a:lnR>
+                      <a:noFill/>
+                    </a:lnR>
+                    <a:lnT>
+                      <a:noFill/>
+                    </a:lnT>
+                    <a:lnB>
+                      <a:noFill/>
+                    </a:lnB>
+                    <a:noFill/>
+                  </a:tcPr>
+                </a:tc>
+                <a:tc>
+                  <a:txBody>
+                    <a:bodyPr/>
+                    <a:lstStyle/>
+                    <a:p>
+                      <a:pPr algn="l" fontAlgn="b"/>
+                      <a:r>
+                        <a:rPr lang="en-US" sz="2000" b="0" i="0" u="none" strike="noStrike">
+                          <a:solidFill>
+                            <a:srgbClr val="000000"/>
+                          </a:solidFill>
+                          <a:effectLst/>
+                          <a:latin typeface="Aptos Narrow" panose="020B0004020202020204" pitchFamily="34" charset="0"/>
+                        </a:rPr>
+                        <a:t>right</a:t>
+                      </a:r>
+                    </a:p>
+                  </a:txBody>
+                  <a:tcPr marL="15985" marR="15985" marT="15985" marB="0" anchor="b">
+                    <a:lnL>
+                      <a:noFill/>
+                    </a:lnL>
+                    <a:lnR>
+                      <a:noFill/>
+                    </a:lnR>
+                    <a:lnT>
+                      <a:noFill/>
+                    </a:lnT>
+                    <a:lnB>
+                      <a:noFill/>
+                    </a:lnB>
+                    <a:noFill/>
+                  </a:tcPr>
+                </a:tc>
+                <a:extLst>
+                  <a:ext uri="{0D108BD9-81ED-4DB2-BD59-A6C34878D82A}">
+                    <a16:rowId xmlns:a16="http://schemas.microsoft.com/office/drawing/2014/main" val="1120292739"/>
+                  </a:ext>
+                </a:extLst>
+              </a:tr>
+              <a:tr h="286386">
+                <a:tc>
+                  <a:txBody>
+                    <a:bodyPr/>
+                    <a:lstStyle/>
+                    <a:p>
+                      <a:pPr algn="r" fontAlgn="b"/>
+                      <a:r>
+                        <a:rPr lang="en-US" sz="2000" b="0" i="0" u="none" strike="noStrike">
+                          <a:solidFill>
+                            <a:srgbClr val="000000"/>
+                          </a:solidFill>
+                          <a:effectLst/>
+                          <a:latin typeface="Aptos Narrow" panose="020B0004020202020204" pitchFamily="34" charset="0"/>
+                        </a:rPr>
+                        <a:t>10</a:t>
+                      </a:r>
+                    </a:p>
+                  </a:txBody>
+                  <a:tcPr marL="15985" marR="15985" marT="15985" marB="0" anchor="b">
+                    <a:lnL>
+                      <a:noFill/>
+                    </a:lnL>
+                    <a:lnR>
+                      <a:noFill/>
+                    </a:lnR>
+                    <a:lnT>
+                      <a:noFill/>
+                    </a:lnT>
+                    <a:lnB>
+                      <a:noFill/>
+                    </a:lnB>
+                    <a:noFill/>
+                  </a:tcPr>
+                </a:tc>
+                <a:tc>
+                  <a:txBody>
+                    <a:bodyPr/>
+                    <a:lstStyle/>
+                    <a:p>
+                      <a:pPr algn="l" fontAlgn="b"/>
+                      <a:r>
+                        <a:rPr lang="en-US" sz="2000" b="0" i="0" u="none" strike="noStrike">
+                          <a:solidFill>
+                            <a:srgbClr val="000000"/>
+                          </a:solidFill>
+                          <a:effectLst/>
+                          <a:latin typeface="Aptos Narrow" panose="020B0004020202020204" pitchFamily="34" charset="0"/>
+                        </a:rPr>
+                        <a:t>baby</a:t>
+                      </a:r>
+                    </a:p>
+                  </a:txBody>
+                  <a:tcPr marL="15985" marR="15985" marT="15985" marB="0" anchor="b">
+                    <a:lnL>
+                      <a:noFill/>
+                    </a:lnL>
+                    <a:lnR>
+                      <a:noFill/>
+                    </a:lnR>
+                    <a:lnT>
+                      <a:noFill/>
+                    </a:lnT>
+                    <a:lnB>
+                      <a:noFill/>
+                    </a:lnB>
+                    <a:noFill/>
+                  </a:tcPr>
+                </a:tc>
+                <a:tc>
+                  <a:txBody>
+                    <a:bodyPr/>
+                    <a:lstStyle/>
+                    <a:p>
+                      <a:pPr algn="l" fontAlgn="b"/>
+                      <a:r>
+                        <a:rPr lang="en-US" sz="2000" b="0" i="0" u="none" strike="noStrike">
+                          <a:solidFill>
+                            <a:srgbClr val="000000"/>
+                          </a:solidFill>
+                          <a:effectLst/>
+                          <a:latin typeface="Aptos Narrow" panose="020B0004020202020204" pitchFamily="34" charset="0"/>
+                        </a:rPr>
+                        <a:t>clinic</a:t>
+                      </a:r>
+                    </a:p>
+                  </a:txBody>
+                  <a:tcPr marL="15985" marR="15985" marT="15985" marB="0" anchor="b">
+                    <a:lnL>
+                      <a:noFill/>
+                    </a:lnL>
+                    <a:lnR>
+                      <a:noFill/>
+                    </a:lnR>
+                    <a:lnT>
+                      <a:noFill/>
+                    </a:lnT>
+                    <a:lnB>
+                      <a:noFill/>
+                    </a:lnB>
+                    <a:noFill/>
+                  </a:tcPr>
+                </a:tc>
+                <a:tc>
+                  <a:txBody>
+                    <a:bodyPr/>
+                    <a:lstStyle/>
+                    <a:p>
+                      <a:pPr algn="l" fontAlgn="b"/>
+                      <a:r>
+                        <a:rPr lang="en-US" sz="2000" b="0" i="0" u="none" strike="noStrike" dirty="0">
+                          <a:solidFill>
+                            <a:srgbClr val="000000"/>
+                          </a:solidFill>
+                          <a:effectLst/>
+                          <a:latin typeface="Aptos Narrow" panose="020B0004020202020204" pitchFamily="34" charset="0"/>
+                        </a:rPr>
+                        <a:t>bill</a:t>
+                      </a:r>
+                    </a:p>
+                  </a:txBody>
+                  <a:tcPr marL="15985" marR="15985" marT="15985" marB="0" anchor="b">
+                    <a:lnL>
+                      <a:noFill/>
+                    </a:lnL>
+                    <a:lnR>
+                      <a:noFill/>
+                    </a:lnR>
+                    <a:lnT>
+                      <a:noFill/>
+                    </a:lnT>
+                    <a:lnB>
+                      <a:noFill/>
+                    </a:lnB>
+                    <a:noFill/>
+                  </a:tcPr>
+                </a:tc>
+                <a:extLst>
+                  <a:ext uri="{0D108BD9-81ED-4DB2-BD59-A6C34878D82A}">
+                    <a16:rowId xmlns:a16="http://schemas.microsoft.com/office/drawing/2014/main" val="2151322880"/>
+                  </a:ext>
+                </a:extLst>
+              </a:tr>
+            </a:tbl>
+          </a:graphicData>
+        </a:graphic>
+      </p:graphicFrame>
+      <p:graphicFrame>
+        <p:nvGraphicFramePr>
+          <p:cNvPr id="5" name="Table 4">
+            <a:extLst>
+              <a:ext uri="{FF2B5EF4-FFF2-40B4-BE49-F238E27FC236}">
+                <a16:creationId xmlns:a16="http://schemas.microsoft.com/office/drawing/2014/main" id="{E8880B89-D3F5-9E49-FFA3-C05B59897635}"/>
+              </a:ext>
+            </a:extLst>
+          </p:cNvPr>
+          <p:cNvGraphicFramePr>
+            <a:graphicFrameLocks noGrp="1"/>
+          </p:cNvGraphicFramePr>
+          <p:nvPr>
+            <p:extLst>
+              <p:ext uri="{D42A27DB-BD31-4B8C-83A1-F6EECF244321}">
+                <p14:modId xmlns:p14="http://schemas.microsoft.com/office/powerpoint/2010/main" val="3700637354"/>
+              </p:ext>
+            </p:extLst>
+          </p:nvPr>
+        </p:nvGraphicFramePr>
+        <p:xfrm>
+          <a:off x="6624160" y="2539701"/>
+          <a:ext cx="4862988" cy="3207850"/>
+        </p:xfrm>
+        <a:graphic>
+          <a:graphicData uri="http://schemas.openxmlformats.org/drawingml/2006/table">
+            <a:tbl>
+              <a:tblPr/>
+              <a:tblGrid>
+                <a:gridCol w="1215747">
+                  <a:extLst>
+                    <a:ext uri="{9D8B030D-6E8A-4147-A177-3AD203B41FA5}">
+                      <a16:colId xmlns:a16="http://schemas.microsoft.com/office/drawing/2014/main" val="2415542775"/>
+                    </a:ext>
+                  </a:extLst>
+                </a:gridCol>
+                <a:gridCol w="1215747">
+                  <a:extLst>
+                    <a:ext uri="{9D8B030D-6E8A-4147-A177-3AD203B41FA5}">
+                      <a16:colId xmlns:a16="http://schemas.microsoft.com/office/drawing/2014/main" val="1243643729"/>
+                    </a:ext>
+                  </a:extLst>
+                </a:gridCol>
+                <a:gridCol w="1215747">
+                  <a:extLst>
+                    <a:ext uri="{9D8B030D-6E8A-4147-A177-3AD203B41FA5}">
+                      <a16:colId xmlns:a16="http://schemas.microsoft.com/office/drawing/2014/main" val="2982284715"/>
+                    </a:ext>
+                  </a:extLst>
+                </a:gridCol>
+                <a:gridCol w="1215747">
+                  <a:extLst>
+                    <a:ext uri="{9D8B030D-6E8A-4147-A177-3AD203B41FA5}">
+                      <a16:colId xmlns:a16="http://schemas.microsoft.com/office/drawing/2014/main" val="2938969977"/>
+                    </a:ext>
+                  </a:extLst>
+                </a:gridCol>
+              </a:tblGrid>
+              <a:tr h="320785">
+                <a:tc>
+                  <a:txBody>
+                    <a:bodyPr/>
+                    <a:lstStyle/>
+                    <a:p>
+                      <a:pPr algn="r" rtl="0" fontAlgn="b"/>
+                      <a:r>
+                        <a:rPr lang="en-US" sz="2000" b="0" i="0" u="none" strike="noStrike">
+                          <a:solidFill>
+                            <a:srgbClr val="000000"/>
+                          </a:solidFill>
+                          <a:effectLst/>
+                          <a:latin typeface="Aptos Narrow" panose="020B0004020202020204" pitchFamily="34" charset="0"/>
+                        </a:rPr>
+                        <a:t>1</a:t>
+                      </a:r>
+                    </a:p>
+                  </a:txBody>
+                  <a:tcPr marL="9525" marR="9525" marT="9525" marB="0" anchor="b">
+                    <a:lnL>
+                      <a:noFill/>
+                    </a:lnL>
+                    <a:lnR>
+                      <a:noFill/>
+                    </a:lnR>
+                    <a:lnT>
+                      <a:noFill/>
+                    </a:lnT>
+                    <a:lnB>
+                      <a:noFill/>
+                    </a:lnB>
+                    <a:noFill/>
+                  </a:tcPr>
+                </a:tc>
+                <a:tc>
+                  <a:txBody>
+                    <a:bodyPr/>
+                    <a:lstStyle/>
+                    <a:p>
+                      <a:pPr algn="l" rtl="0" fontAlgn="b"/>
+                      <a:r>
+                        <a:rPr lang="en-US" sz="2000" b="0" i="0" u="none" strike="noStrike">
+                          <a:solidFill>
+                            <a:srgbClr val="000000"/>
+                          </a:solidFill>
+                          <a:effectLst/>
+                          <a:latin typeface="Aptos Narrow" panose="020B0004020202020204" pitchFamily="34" charset="0"/>
+                        </a:rPr>
+                        <a:t>news</a:t>
+                      </a:r>
+                    </a:p>
+                  </a:txBody>
+                  <a:tcPr marL="9525" marR="9525" marT="9525" marB="0" anchor="b">
+                    <a:lnL>
+                      <a:noFill/>
+                    </a:lnL>
+                    <a:lnR>
+                      <a:noFill/>
+                    </a:lnR>
+                    <a:lnT>
+                      <a:noFill/>
+                    </a:lnT>
+                    <a:lnB>
+                      <a:noFill/>
+                    </a:lnB>
+                    <a:noFill/>
+                  </a:tcPr>
+                </a:tc>
+                <a:tc>
+                  <a:txBody>
+                    <a:bodyPr/>
+                    <a:lstStyle/>
+                    <a:p>
+                      <a:pPr algn="l" rtl="0" fontAlgn="b"/>
+                      <a:r>
+                        <a:rPr lang="en-US" sz="2000" b="0" i="0" u="none" strike="noStrike">
+                          <a:solidFill>
+                            <a:srgbClr val="000000"/>
+                          </a:solidFill>
+                          <a:effectLst/>
+                          <a:latin typeface="Aptos Narrow" panose="020B0004020202020204" pitchFamily="34" charset="0"/>
+                        </a:rPr>
+                        <a:t>women</a:t>
+                      </a:r>
+                    </a:p>
+                  </a:txBody>
+                  <a:tcPr marL="9525" marR="9525" marT="9525" marB="0" anchor="b">
+                    <a:lnL>
+                      <a:noFill/>
+                    </a:lnL>
+                    <a:lnR>
+                      <a:noFill/>
+                    </a:lnR>
+                    <a:lnT>
+                      <a:noFill/>
+                    </a:lnT>
+                    <a:lnB>
+                      <a:noFill/>
+                    </a:lnB>
+                    <a:noFill/>
+                  </a:tcPr>
+                </a:tc>
+                <a:tc>
+                  <a:txBody>
+                    <a:bodyPr/>
+                    <a:lstStyle/>
+                    <a:p>
+                      <a:pPr algn="l" rtl="0" fontAlgn="b"/>
+                      <a:r>
+                        <a:rPr lang="en-US" sz="2000" b="0" i="0" u="none" strike="noStrike" dirty="0">
+                          <a:solidFill>
+                            <a:srgbClr val="000000"/>
+                          </a:solidFill>
+                          <a:effectLst/>
+                          <a:latin typeface="Aptos Narrow" panose="020B0004020202020204" pitchFamily="34" charset="0"/>
+                        </a:rPr>
+                        <a:t>state</a:t>
+                      </a:r>
+                    </a:p>
+                  </a:txBody>
+                  <a:tcPr marL="9525" marR="9525" marT="9525" marB="0" anchor="b">
+                    <a:lnL>
+                      <a:noFill/>
+                    </a:lnL>
+                    <a:lnR>
+                      <a:noFill/>
+                    </a:lnR>
+                    <a:lnT>
+                      <a:noFill/>
+                    </a:lnT>
+                    <a:lnB>
+                      <a:noFill/>
+                    </a:lnB>
+                    <a:noFill/>
+                  </a:tcPr>
+                </a:tc>
+                <a:extLst>
+                  <a:ext uri="{0D108BD9-81ED-4DB2-BD59-A6C34878D82A}">
+                    <a16:rowId xmlns:a16="http://schemas.microsoft.com/office/drawing/2014/main" val="3232361865"/>
+                  </a:ext>
+                </a:extLst>
+              </a:tr>
+              <a:tr h="320785">
+                <a:tc>
+                  <a:txBody>
+                    <a:bodyPr/>
+                    <a:lstStyle/>
+                    <a:p>
+                      <a:pPr algn="r" rtl="0" fontAlgn="b"/>
+                      <a:r>
+                        <a:rPr lang="en-US" sz="2000" b="0" i="0" u="none" strike="noStrike">
+                          <a:solidFill>
+                            <a:srgbClr val="000000"/>
+                          </a:solidFill>
+                          <a:effectLst/>
+                          <a:latin typeface="Aptos Narrow" panose="020B0004020202020204" pitchFamily="34" charset="0"/>
+                        </a:rPr>
+                        <a:t>2</a:t>
+                      </a:r>
+                    </a:p>
+                  </a:txBody>
+                  <a:tcPr marL="9525" marR="9525" marT="9525" marB="0" anchor="b">
+                    <a:lnL>
+                      <a:noFill/>
+                    </a:lnL>
+                    <a:lnR>
+                      <a:noFill/>
+                    </a:lnR>
+                    <a:lnT>
+                      <a:noFill/>
+                    </a:lnT>
+                    <a:lnB>
+                      <a:noFill/>
+                    </a:lnB>
+                    <a:noFill/>
+                  </a:tcPr>
+                </a:tc>
+                <a:tc>
+                  <a:txBody>
+                    <a:bodyPr/>
+                    <a:lstStyle/>
+                    <a:p>
+                      <a:pPr algn="l" rtl="0" fontAlgn="b"/>
+                      <a:r>
+                        <a:rPr lang="en-US" sz="2000" b="0" i="0" u="none" strike="noStrike" dirty="0">
+                          <a:solidFill>
+                            <a:srgbClr val="000000"/>
+                          </a:solidFill>
+                          <a:effectLst/>
+                          <a:latin typeface="Aptos Narrow" panose="020B0004020202020204" pitchFamily="34" charset="0"/>
+                        </a:rPr>
+                        <a:t>roe</a:t>
+                      </a:r>
+                    </a:p>
+                  </a:txBody>
+                  <a:tcPr marL="9525" marR="9525" marT="9525" marB="0" anchor="b">
+                    <a:lnL>
+                      <a:noFill/>
+                    </a:lnL>
+                    <a:lnR>
+                      <a:noFill/>
+                    </a:lnR>
+                    <a:lnT>
+                      <a:noFill/>
+                    </a:lnT>
+                    <a:lnB>
+                      <a:noFill/>
+                    </a:lnB>
+                    <a:noFill/>
+                  </a:tcPr>
+                </a:tc>
+                <a:tc>
+                  <a:txBody>
+                    <a:bodyPr/>
+                    <a:lstStyle/>
+                    <a:p>
+                      <a:pPr algn="l" rtl="0" fontAlgn="b"/>
+                      <a:r>
+                        <a:rPr lang="en-US" sz="2000" b="0" i="0" u="none" strike="noStrike">
+                          <a:solidFill>
+                            <a:srgbClr val="000000"/>
+                          </a:solidFill>
+                          <a:effectLst/>
+                          <a:latin typeface="Aptos Narrow" panose="020B0004020202020204" pitchFamily="34" charset="0"/>
+                        </a:rPr>
+                        <a:t>clinic</a:t>
+                      </a:r>
+                    </a:p>
+                  </a:txBody>
+                  <a:tcPr marL="9525" marR="9525" marT="9525" marB="0" anchor="b">
+                    <a:lnL>
+                      <a:noFill/>
+                    </a:lnL>
+                    <a:lnR>
+                      <a:noFill/>
+                    </a:lnR>
+                    <a:lnT>
+                      <a:noFill/>
+                    </a:lnT>
+                    <a:lnB>
+                      <a:noFill/>
+                    </a:lnB>
+                    <a:noFill/>
+                  </a:tcPr>
+                </a:tc>
+                <a:tc>
+                  <a:txBody>
+                    <a:bodyPr/>
+                    <a:lstStyle/>
+                    <a:p>
+                      <a:pPr algn="l" rtl="0" fontAlgn="b"/>
+                      <a:r>
+                        <a:rPr lang="en-US" sz="2000" b="0" i="0" u="none" strike="noStrike">
+                          <a:solidFill>
+                            <a:srgbClr val="000000"/>
+                          </a:solidFill>
+                          <a:effectLst/>
+                          <a:latin typeface="Aptos Narrow" panose="020B0004020202020204" pitchFamily="34" charset="0"/>
+                        </a:rPr>
+                        <a:t>court</a:t>
+                      </a:r>
+                    </a:p>
+                  </a:txBody>
+                  <a:tcPr marL="9525" marR="9525" marT="9525" marB="0" anchor="b">
+                    <a:lnL>
+                      <a:noFill/>
+                    </a:lnL>
+                    <a:lnR>
+                      <a:noFill/>
+                    </a:lnR>
+                    <a:lnT>
+                      <a:noFill/>
+                    </a:lnT>
+                    <a:lnB>
+                      <a:noFill/>
+                    </a:lnB>
+                    <a:noFill/>
+                  </a:tcPr>
+                </a:tc>
+                <a:extLst>
+                  <a:ext uri="{0D108BD9-81ED-4DB2-BD59-A6C34878D82A}">
+                    <a16:rowId xmlns:a16="http://schemas.microsoft.com/office/drawing/2014/main" val="1859168438"/>
+                  </a:ext>
+                </a:extLst>
+              </a:tr>
+              <a:tr h="320785">
+                <a:tc>
+                  <a:txBody>
+                    <a:bodyPr/>
+                    <a:lstStyle/>
+                    <a:p>
+                      <a:pPr algn="r" rtl="0" fontAlgn="b"/>
+                      <a:r>
+                        <a:rPr lang="en-US" sz="2000" b="0" i="0" u="none" strike="noStrike">
+                          <a:solidFill>
+                            <a:srgbClr val="000000"/>
+                          </a:solidFill>
+                          <a:effectLst/>
+                          <a:latin typeface="Aptos Narrow" panose="020B0004020202020204" pitchFamily="34" charset="0"/>
+                        </a:rPr>
+                        <a:t>3</a:t>
+                      </a:r>
+                    </a:p>
+                  </a:txBody>
+                  <a:tcPr marL="9525" marR="9525" marT="9525" marB="0" anchor="b">
+                    <a:lnL>
+                      <a:noFill/>
+                    </a:lnL>
+                    <a:lnR>
+                      <a:noFill/>
+                    </a:lnR>
+                    <a:lnT>
+                      <a:noFill/>
+                    </a:lnT>
+                    <a:lnB>
+                      <a:noFill/>
+                    </a:lnB>
+                    <a:noFill/>
+                  </a:tcPr>
+                </a:tc>
+                <a:tc>
+                  <a:txBody>
+                    <a:bodyPr/>
+                    <a:lstStyle/>
+                    <a:p>
+                      <a:pPr algn="l" rtl="0" fontAlgn="b"/>
+                      <a:r>
+                        <a:rPr lang="en-US" sz="2000" b="0" i="0" u="none" strike="noStrike">
+                          <a:solidFill>
+                            <a:srgbClr val="000000"/>
+                          </a:solidFill>
+                          <a:effectLst/>
+                          <a:latin typeface="Aptos Narrow" panose="020B0004020202020204" pitchFamily="34" charset="0"/>
+                        </a:rPr>
+                        <a:t>fox</a:t>
+                      </a:r>
+                    </a:p>
+                  </a:txBody>
+                  <a:tcPr marL="9525" marR="9525" marT="9525" marB="0" anchor="b">
+                    <a:lnL>
+                      <a:noFill/>
+                    </a:lnL>
+                    <a:lnR>
+                      <a:noFill/>
+                    </a:lnR>
+                    <a:lnT>
+                      <a:noFill/>
+                    </a:lnT>
+                    <a:lnB>
+                      <a:noFill/>
+                    </a:lnB>
+                    <a:noFill/>
+                  </a:tcPr>
+                </a:tc>
+                <a:tc>
+                  <a:txBody>
+                    <a:bodyPr/>
+                    <a:lstStyle/>
+                    <a:p>
+                      <a:pPr algn="l" rtl="0" fontAlgn="b"/>
+                      <a:r>
+                        <a:rPr lang="en-US" sz="2000" b="0" i="0" u="none" strike="noStrike">
+                          <a:solidFill>
+                            <a:srgbClr val="000000"/>
+                          </a:solidFill>
+                          <a:effectLst/>
+                          <a:latin typeface="Aptos Narrow" panose="020B0004020202020204" pitchFamily="34" charset="0"/>
+                        </a:rPr>
+                        <a:t>peopl</a:t>
+                      </a:r>
+                    </a:p>
+                  </a:txBody>
+                  <a:tcPr marL="9525" marR="9525" marT="9525" marB="0" anchor="b">
+                    <a:lnL>
+                      <a:noFill/>
+                    </a:lnL>
+                    <a:lnR>
+                      <a:noFill/>
+                    </a:lnR>
+                    <a:lnT>
+                      <a:noFill/>
+                    </a:lnT>
+                    <a:lnB>
+                      <a:noFill/>
+                    </a:lnB>
+                    <a:noFill/>
+                  </a:tcPr>
+                </a:tc>
+                <a:tc>
+                  <a:txBody>
+                    <a:bodyPr/>
+                    <a:lstStyle/>
+                    <a:p>
+                      <a:pPr algn="l" rtl="0" fontAlgn="b"/>
+                      <a:r>
+                        <a:rPr lang="en-US" sz="2000" b="0" i="0" u="none" strike="noStrike">
+                          <a:solidFill>
+                            <a:srgbClr val="000000"/>
+                          </a:solidFill>
+                          <a:effectLst/>
+                          <a:latin typeface="Aptos Narrow" panose="020B0004020202020204" pitchFamily="34" charset="0"/>
+                        </a:rPr>
+                        <a:t>news</a:t>
+                      </a:r>
+                    </a:p>
+                  </a:txBody>
+                  <a:tcPr marL="9525" marR="9525" marT="9525" marB="0" anchor="b">
+                    <a:lnL>
+                      <a:noFill/>
+                    </a:lnL>
+                    <a:lnR>
+                      <a:noFill/>
+                    </a:lnR>
+                    <a:lnT>
+                      <a:noFill/>
+                    </a:lnT>
+                    <a:lnB>
+                      <a:noFill/>
+                    </a:lnB>
+                    <a:noFill/>
+                  </a:tcPr>
+                </a:tc>
+                <a:extLst>
+                  <a:ext uri="{0D108BD9-81ED-4DB2-BD59-A6C34878D82A}">
+                    <a16:rowId xmlns:a16="http://schemas.microsoft.com/office/drawing/2014/main" val="1071209980"/>
+                  </a:ext>
+                </a:extLst>
+              </a:tr>
+              <a:tr h="320785">
+                <a:tc>
+                  <a:txBody>
+                    <a:bodyPr/>
+                    <a:lstStyle/>
+                    <a:p>
+                      <a:pPr algn="r" rtl="0" fontAlgn="b"/>
+                      <a:r>
+                        <a:rPr lang="en-US" sz="2000" b="0" i="0" u="none" strike="noStrike">
+                          <a:solidFill>
+                            <a:srgbClr val="000000"/>
+                          </a:solidFill>
+                          <a:effectLst/>
+                          <a:latin typeface="Aptos Narrow" panose="020B0004020202020204" pitchFamily="34" charset="0"/>
+                        </a:rPr>
+                        <a:t>4</a:t>
+                      </a:r>
+                    </a:p>
+                  </a:txBody>
+                  <a:tcPr marL="9525" marR="9525" marT="9525" marB="0" anchor="b">
+                    <a:lnL>
+                      <a:noFill/>
+                    </a:lnL>
+                    <a:lnR>
+                      <a:noFill/>
+                    </a:lnR>
+                    <a:lnT>
+                      <a:noFill/>
+                    </a:lnT>
+                    <a:lnB>
+                      <a:noFill/>
+                    </a:lnB>
+                    <a:noFill/>
+                  </a:tcPr>
+                </a:tc>
+                <a:tc>
+                  <a:txBody>
+                    <a:bodyPr/>
+                    <a:lstStyle/>
+                    <a:p>
+                      <a:pPr algn="l" rtl="0" fontAlgn="b"/>
+                      <a:r>
+                        <a:rPr lang="en-US" sz="2000" b="0" i="0" u="none" strike="noStrike">
+                          <a:solidFill>
+                            <a:srgbClr val="000000"/>
+                          </a:solidFill>
+                          <a:effectLst/>
+                          <a:latin typeface="Aptos Narrow" panose="020B0004020202020204" pitchFamily="34" charset="0"/>
+                        </a:rPr>
+                        <a:t>biden</a:t>
+                      </a:r>
+                    </a:p>
+                  </a:txBody>
+                  <a:tcPr marL="9525" marR="9525" marT="9525" marB="0" anchor="b">
+                    <a:lnL>
+                      <a:noFill/>
+                    </a:lnL>
+                    <a:lnR>
+                      <a:noFill/>
+                    </a:lnR>
+                    <a:lnT>
+                      <a:noFill/>
+                    </a:lnT>
+                    <a:lnB>
+                      <a:noFill/>
+                    </a:lnB>
+                    <a:noFill/>
+                  </a:tcPr>
+                </a:tc>
+                <a:tc>
+                  <a:txBody>
+                    <a:bodyPr/>
+                    <a:lstStyle/>
+                    <a:p>
+                      <a:pPr algn="l" rtl="0" fontAlgn="b"/>
+                      <a:r>
+                        <a:rPr lang="en-US" sz="2000" b="0" i="0" u="none" strike="noStrike">
+                          <a:solidFill>
+                            <a:srgbClr val="000000"/>
+                          </a:solidFill>
+                          <a:effectLst/>
+                          <a:latin typeface="Aptos Narrow" panose="020B0004020202020204" pitchFamily="34" charset="0"/>
+                        </a:rPr>
+                        <a:t>march</a:t>
+                      </a:r>
+                    </a:p>
+                  </a:txBody>
+                  <a:tcPr marL="9525" marR="9525" marT="9525" marB="0" anchor="b">
+                    <a:lnL>
+                      <a:noFill/>
+                    </a:lnL>
+                    <a:lnR>
+                      <a:noFill/>
+                    </a:lnR>
+                    <a:lnT>
+                      <a:noFill/>
+                    </a:lnT>
+                    <a:lnB>
+                      <a:noFill/>
+                    </a:lnB>
+                    <a:noFill/>
+                  </a:tcPr>
+                </a:tc>
+                <a:tc>
+                  <a:txBody>
+                    <a:bodyPr/>
+                    <a:lstStyle/>
+                    <a:p>
+                      <a:pPr algn="l" rtl="0" fontAlgn="b"/>
+                      <a:r>
+                        <a:rPr lang="en-US" sz="2000" b="0" i="0" u="none" strike="noStrike">
+                          <a:solidFill>
+                            <a:srgbClr val="000000"/>
+                          </a:solidFill>
+                          <a:effectLst/>
+                          <a:latin typeface="Aptos Narrow" panose="020B0004020202020204" pitchFamily="34" charset="0"/>
+                        </a:rPr>
+                        <a:t>fox</a:t>
+                      </a:r>
+                    </a:p>
+                  </a:txBody>
+                  <a:tcPr marL="9525" marR="9525" marT="9525" marB="0" anchor="b">
+                    <a:lnL>
+                      <a:noFill/>
+                    </a:lnL>
+                    <a:lnR>
+                      <a:noFill/>
+                    </a:lnR>
+                    <a:lnT>
+                      <a:noFill/>
+                    </a:lnT>
+                    <a:lnB>
+                      <a:noFill/>
+                    </a:lnB>
+                    <a:noFill/>
+                  </a:tcPr>
+                </a:tc>
+                <a:extLst>
+                  <a:ext uri="{0D108BD9-81ED-4DB2-BD59-A6C34878D82A}">
+                    <a16:rowId xmlns:a16="http://schemas.microsoft.com/office/drawing/2014/main" val="3860760772"/>
+                  </a:ext>
+                </a:extLst>
+              </a:tr>
+              <a:tr h="320785">
+                <a:tc>
+                  <a:txBody>
+                    <a:bodyPr/>
+                    <a:lstStyle/>
+                    <a:p>
+                      <a:pPr algn="r" rtl="0" fontAlgn="b"/>
+                      <a:r>
+                        <a:rPr lang="en-US" sz="2000" b="0" i="0" u="none" strike="noStrike">
+                          <a:solidFill>
+                            <a:srgbClr val="000000"/>
+                          </a:solidFill>
+                          <a:effectLst/>
+                          <a:latin typeface="Aptos Narrow" panose="020B0004020202020204" pitchFamily="34" charset="0"/>
+                        </a:rPr>
+                        <a:t>5</a:t>
+                      </a:r>
+                    </a:p>
+                  </a:txBody>
+                  <a:tcPr marL="9525" marR="9525" marT="9525" marB="0" anchor="b">
+                    <a:lnL>
+                      <a:noFill/>
+                    </a:lnL>
+                    <a:lnR>
+                      <a:noFill/>
+                    </a:lnR>
+                    <a:lnT>
+                      <a:noFill/>
+                    </a:lnT>
+                    <a:lnB>
+                      <a:noFill/>
+                    </a:lnB>
+                    <a:noFill/>
+                  </a:tcPr>
+                </a:tc>
+                <a:tc>
+                  <a:txBody>
+                    <a:bodyPr/>
+                    <a:lstStyle/>
+                    <a:p>
+                      <a:pPr algn="l" rtl="0" fontAlgn="b"/>
+                      <a:r>
+                        <a:rPr lang="en-US" sz="2000" b="0" i="0" u="none" strike="noStrike">
+                          <a:solidFill>
+                            <a:srgbClr val="000000"/>
+                          </a:solidFill>
+                          <a:effectLst/>
+                          <a:latin typeface="Aptos Narrow" panose="020B0004020202020204" pitchFamily="34" charset="0"/>
+                        </a:rPr>
+                        <a:t>state</a:t>
+                      </a:r>
+                    </a:p>
+                  </a:txBody>
+                  <a:tcPr marL="9525" marR="9525" marT="9525" marB="0" anchor="b">
+                    <a:lnL>
+                      <a:noFill/>
+                    </a:lnL>
+                    <a:lnR>
+                      <a:noFill/>
+                    </a:lnR>
+                    <a:lnT>
+                      <a:noFill/>
+                    </a:lnT>
+                    <a:lnB>
+                      <a:noFill/>
+                    </a:lnB>
+                    <a:noFill/>
+                  </a:tcPr>
+                </a:tc>
+                <a:tc>
+                  <a:txBody>
+                    <a:bodyPr/>
+                    <a:lstStyle/>
+                    <a:p>
+                      <a:pPr algn="l" rtl="0" fontAlgn="b"/>
+                      <a:r>
+                        <a:rPr lang="en-US" sz="2000" b="0" i="0" u="none" strike="noStrike">
+                          <a:solidFill>
+                            <a:srgbClr val="000000"/>
+                          </a:solidFill>
+                          <a:effectLst/>
+                          <a:latin typeface="Aptos Narrow" panose="020B0004020202020204" pitchFamily="34" charset="0"/>
+                        </a:rPr>
+                        <a:t>work</a:t>
+                      </a:r>
+                    </a:p>
+                  </a:txBody>
+                  <a:tcPr marL="9525" marR="9525" marT="9525" marB="0" anchor="b">
+                    <a:lnL>
+                      <a:noFill/>
+                    </a:lnL>
+                    <a:lnR>
+                      <a:noFill/>
+                    </a:lnR>
+                    <a:lnT>
+                      <a:noFill/>
+                    </a:lnT>
+                    <a:lnB>
+                      <a:noFill/>
+                    </a:lnB>
+                    <a:noFill/>
+                  </a:tcPr>
+                </a:tc>
+                <a:tc>
+                  <a:txBody>
+                    <a:bodyPr/>
+                    <a:lstStyle/>
+                    <a:p>
+                      <a:pPr algn="l" rtl="0" fontAlgn="b"/>
+                      <a:r>
+                        <a:rPr lang="en-US" sz="2000" b="0" i="0" u="none" strike="noStrike">
+                          <a:solidFill>
+                            <a:srgbClr val="000000"/>
+                          </a:solidFill>
+                          <a:effectLst/>
+                          <a:latin typeface="Aptos Narrow" panose="020B0004020202020204" pitchFamily="34" charset="0"/>
+                        </a:rPr>
+                        <a:t>pill</a:t>
+                      </a:r>
+                    </a:p>
+                  </a:txBody>
+                  <a:tcPr marL="9525" marR="9525" marT="9525" marB="0" anchor="b">
+                    <a:lnL>
+                      <a:noFill/>
+                    </a:lnL>
+                    <a:lnR>
+                      <a:noFill/>
+                    </a:lnR>
+                    <a:lnT>
+                      <a:noFill/>
+                    </a:lnT>
+                    <a:lnB>
+                      <a:noFill/>
+                    </a:lnB>
+                    <a:noFill/>
+                  </a:tcPr>
+                </a:tc>
+                <a:extLst>
+                  <a:ext uri="{0D108BD9-81ED-4DB2-BD59-A6C34878D82A}">
+                    <a16:rowId xmlns:a16="http://schemas.microsoft.com/office/drawing/2014/main" val="1832817768"/>
+                  </a:ext>
+                </a:extLst>
+              </a:tr>
+              <a:tr h="320785">
+                <a:tc>
+                  <a:txBody>
+                    <a:bodyPr/>
+                    <a:lstStyle/>
+                    <a:p>
+                      <a:pPr algn="r" rtl="0" fontAlgn="b"/>
+                      <a:r>
+                        <a:rPr lang="en-US" sz="2000" b="0" i="0" u="none" strike="noStrike">
+                          <a:solidFill>
+                            <a:srgbClr val="000000"/>
+                          </a:solidFill>
+                          <a:effectLst/>
+                          <a:latin typeface="Aptos Narrow" panose="020B0004020202020204" pitchFamily="34" charset="0"/>
+                        </a:rPr>
+                        <a:t>6</a:t>
+                      </a:r>
+                    </a:p>
+                  </a:txBody>
+                  <a:tcPr marL="9525" marR="9525" marT="9525" marB="0" anchor="b">
+                    <a:lnL>
+                      <a:noFill/>
+                    </a:lnL>
+                    <a:lnR>
+                      <a:noFill/>
+                    </a:lnR>
+                    <a:lnT>
+                      <a:noFill/>
+                    </a:lnT>
+                    <a:lnB>
+                      <a:noFill/>
+                    </a:lnB>
+                    <a:noFill/>
+                  </a:tcPr>
+                </a:tc>
+                <a:tc>
+                  <a:txBody>
+                    <a:bodyPr/>
+                    <a:lstStyle/>
+                    <a:p>
+                      <a:pPr algn="l" rtl="0" fontAlgn="b"/>
+                      <a:r>
+                        <a:rPr lang="en-US" sz="2000" b="0" i="0" u="none" strike="noStrike">
+                          <a:solidFill>
+                            <a:srgbClr val="000000"/>
+                          </a:solidFill>
+                          <a:effectLst/>
+                          <a:latin typeface="Aptos Narrow" panose="020B0004020202020204" pitchFamily="34" charset="0"/>
+                        </a:rPr>
+                        <a:t>democrat</a:t>
+                      </a:r>
+                    </a:p>
+                  </a:txBody>
+                  <a:tcPr marL="9525" marR="9525" marT="9525" marB="0" anchor="b">
+                    <a:lnL>
+                      <a:noFill/>
+                    </a:lnL>
+                    <a:lnR>
+                      <a:noFill/>
+                    </a:lnR>
+                    <a:lnT>
+                      <a:noFill/>
+                    </a:lnT>
+                    <a:lnB>
+                      <a:noFill/>
+                    </a:lnB>
+                    <a:noFill/>
+                  </a:tcPr>
+                </a:tc>
+                <a:tc>
+                  <a:txBody>
+                    <a:bodyPr/>
+                    <a:lstStyle/>
+                    <a:p>
+                      <a:pPr algn="l" rtl="0" fontAlgn="b"/>
+                      <a:r>
+                        <a:rPr lang="en-US" sz="2000" b="0" i="0" u="none" strike="noStrike">
+                          <a:solidFill>
+                            <a:srgbClr val="000000"/>
+                          </a:solidFill>
+                          <a:effectLst/>
+                          <a:latin typeface="Aptos Narrow" panose="020B0004020202020204" pitchFamily="34" charset="0"/>
+                        </a:rPr>
+                        <a:t>life</a:t>
+                      </a:r>
+                    </a:p>
+                  </a:txBody>
+                  <a:tcPr marL="9525" marR="9525" marT="9525" marB="0" anchor="b">
+                    <a:lnL>
+                      <a:noFill/>
+                    </a:lnL>
+                    <a:lnR>
+                      <a:noFill/>
+                    </a:lnR>
+                    <a:lnT>
+                      <a:noFill/>
+                    </a:lnT>
+                    <a:lnB>
+                      <a:noFill/>
+                    </a:lnB>
+                    <a:noFill/>
+                  </a:tcPr>
+                </a:tc>
+                <a:tc>
+                  <a:txBody>
+                    <a:bodyPr/>
+                    <a:lstStyle/>
+                    <a:p>
+                      <a:pPr algn="l" rtl="0" fontAlgn="b"/>
+                      <a:r>
+                        <a:rPr lang="en-US" sz="2000" b="0" i="0" u="none" strike="noStrike">
+                          <a:solidFill>
+                            <a:srgbClr val="000000"/>
+                          </a:solidFill>
+                          <a:effectLst/>
+                          <a:latin typeface="Aptos Narrow" panose="020B0004020202020204" pitchFamily="34" charset="0"/>
+                        </a:rPr>
+                        <a:t>drug</a:t>
+                      </a:r>
+                    </a:p>
+                  </a:txBody>
+                  <a:tcPr marL="9525" marR="9525" marT="9525" marB="0" anchor="b">
+                    <a:lnL>
+                      <a:noFill/>
+                    </a:lnL>
+                    <a:lnR>
+                      <a:noFill/>
+                    </a:lnR>
+                    <a:lnT>
+                      <a:noFill/>
+                    </a:lnT>
+                    <a:lnB>
+                      <a:noFill/>
+                    </a:lnB>
+                    <a:noFill/>
+                  </a:tcPr>
+                </a:tc>
+                <a:extLst>
+                  <a:ext uri="{0D108BD9-81ED-4DB2-BD59-A6C34878D82A}">
+                    <a16:rowId xmlns:a16="http://schemas.microsoft.com/office/drawing/2014/main" val="4150551002"/>
+                  </a:ext>
+                </a:extLst>
+              </a:tr>
+              <a:tr h="320785">
+                <a:tc>
+                  <a:txBody>
+                    <a:bodyPr/>
+                    <a:lstStyle/>
+                    <a:p>
+                      <a:pPr algn="r" rtl="0" fontAlgn="b"/>
+                      <a:r>
+                        <a:rPr lang="en-US" sz="2000" b="0" i="0" u="none" strike="noStrike">
+                          <a:solidFill>
+                            <a:srgbClr val="000000"/>
+                          </a:solidFill>
+                          <a:effectLst/>
+                          <a:latin typeface="Aptos Narrow" panose="020B0004020202020204" pitchFamily="34" charset="0"/>
+                        </a:rPr>
+                        <a:t>7</a:t>
+                      </a:r>
+                    </a:p>
+                  </a:txBody>
+                  <a:tcPr marL="9525" marR="9525" marT="9525" marB="0" anchor="b">
+                    <a:lnL>
+                      <a:noFill/>
+                    </a:lnL>
+                    <a:lnR>
+                      <a:noFill/>
+                    </a:lnR>
+                    <a:lnT>
+                      <a:noFill/>
+                    </a:lnT>
+                    <a:lnB>
+                      <a:noFill/>
+                    </a:lnB>
+                    <a:noFill/>
+                  </a:tcPr>
+                </a:tc>
+                <a:tc>
+                  <a:txBody>
+                    <a:bodyPr/>
+                    <a:lstStyle/>
+                    <a:p>
+                      <a:pPr algn="l" rtl="0" fontAlgn="b"/>
+                      <a:r>
+                        <a:rPr lang="en-US" sz="2000" b="0" i="0" u="none" strike="noStrike">
+                          <a:solidFill>
+                            <a:srgbClr val="000000"/>
+                          </a:solidFill>
+                          <a:effectLst/>
+                          <a:latin typeface="Aptos Narrow" panose="020B0004020202020204" pitchFamily="34" charset="0"/>
+                        </a:rPr>
+                        <a:t>trump</a:t>
+                      </a:r>
+                    </a:p>
+                  </a:txBody>
+                  <a:tcPr marL="9525" marR="9525" marT="9525" marB="0" anchor="b">
+                    <a:lnL>
+                      <a:noFill/>
+                    </a:lnL>
+                    <a:lnR>
+                      <a:noFill/>
+                    </a:lnR>
+                    <a:lnT>
+                      <a:noFill/>
+                    </a:lnT>
+                    <a:lnB>
+                      <a:noFill/>
+                    </a:lnB>
+                    <a:noFill/>
+                  </a:tcPr>
+                </a:tc>
+                <a:tc>
+                  <a:txBody>
+                    <a:bodyPr/>
+                    <a:lstStyle/>
+                    <a:p>
+                      <a:pPr algn="l" rtl="0" fontAlgn="b"/>
+                      <a:r>
+                        <a:rPr lang="en-US" sz="2000" b="0" i="0" u="none" strike="noStrike">
+                          <a:solidFill>
+                            <a:srgbClr val="000000"/>
+                          </a:solidFill>
+                          <a:effectLst/>
+                          <a:latin typeface="Aptos Narrow" panose="020B0004020202020204" pitchFamily="34" charset="0"/>
+                        </a:rPr>
+                        <a:t>like</a:t>
+                      </a:r>
+                    </a:p>
+                  </a:txBody>
+                  <a:tcPr marL="9525" marR="9525" marT="9525" marB="0" anchor="b">
+                    <a:lnL>
+                      <a:noFill/>
+                    </a:lnL>
+                    <a:lnR>
+                      <a:noFill/>
+                    </a:lnR>
+                    <a:lnT>
+                      <a:noFill/>
+                    </a:lnT>
+                    <a:lnB>
+                      <a:noFill/>
+                    </a:lnB>
+                    <a:noFill/>
+                  </a:tcPr>
+                </a:tc>
+                <a:tc>
+                  <a:txBody>
+                    <a:bodyPr/>
+                    <a:lstStyle/>
+                    <a:p>
+                      <a:pPr algn="l" rtl="0" fontAlgn="b"/>
+                      <a:r>
+                        <a:rPr lang="en-US" sz="2000" b="0" i="0" u="none" strike="noStrike">
+                          <a:solidFill>
+                            <a:srgbClr val="000000"/>
+                          </a:solidFill>
+                          <a:effectLst/>
+                          <a:latin typeface="Aptos Narrow" panose="020B0004020202020204" pitchFamily="34" charset="0"/>
+                        </a:rPr>
+                        <a:t>mifepriston</a:t>
+                      </a:r>
+                    </a:p>
+                  </a:txBody>
+                  <a:tcPr marL="9525" marR="9525" marT="9525" marB="0" anchor="b">
+                    <a:lnL>
+                      <a:noFill/>
+                    </a:lnL>
+                    <a:lnR>
+                      <a:noFill/>
+                    </a:lnR>
+                    <a:lnT>
+                      <a:noFill/>
+                    </a:lnT>
+                    <a:lnB>
+                      <a:noFill/>
+                    </a:lnB>
+                    <a:noFill/>
+                  </a:tcPr>
+                </a:tc>
+                <a:extLst>
+                  <a:ext uri="{0D108BD9-81ED-4DB2-BD59-A6C34878D82A}">
+                    <a16:rowId xmlns:a16="http://schemas.microsoft.com/office/drawing/2014/main" val="2447663597"/>
+                  </a:ext>
+                </a:extLst>
+              </a:tr>
+              <a:tr h="320785">
+                <a:tc>
+                  <a:txBody>
+                    <a:bodyPr/>
+                    <a:lstStyle/>
+                    <a:p>
+                      <a:pPr algn="r" rtl="0" fontAlgn="b"/>
+                      <a:r>
+                        <a:rPr lang="en-US" sz="2000" b="0" i="0" u="none" strike="noStrike">
+                          <a:solidFill>
+                            <a:srgbClr val="000000"/>
+                          </a:solidFill>
+                          <a:effectLst/>
+                          <a:latin typeface="Aptos Narrow" panose="020B0004020202020204" pitchFamily="34" charset="0"/>
+                        </a:rPr>
+                        <a:t>8</a:t>
+                      </a:r>
+                    </a:p>
+                  </a:txBody>
+                  <a:tcPr marL="9525" marR="9525" marT="9525" marB="0" anchor="b">
+                    <a:lnL>
+                      <a:noFill/>
+                    </a:lnL>
+                    <a:lnR>
+                      <a:noFill/>
+                    </a:lnR>
+                    <a:lnT>
+                      <a:noFill/>
+                    </a:lnT>
+                    <a:lnB>
+                      <a:noFill/>
+                    </a:lnB>
+                    <a:noFill/>
+                  </a:tcPr>
+                </a:tc>
+                <a:tc>
+                  <a:txBody>
+                    <a:bodyPr/>
+                    <a:lstStyle/>
+                    <a:p>
+                      <a:pPr algn="l" rtl="0" fontAlgn="b"/>
+                      <a:r>
+                        <a:rPr lang="en-US" sz="2000" b="0" i="0" u="none" strike="noStrike">
+                          <a:solidFill>
+                            <a:srgbClr val="000000"/>
+                          </a:solidFill>
+                          <a:effectLst/>
+                          <a:latin typeface="Aptos Narrow" panose="020B0004020202020204" pitchFamily="34" charset="0"/>
+                        </a:rPr>
+                        <a:t>ban</a:t>
+                      </a:r>
+                    </a:p>
+                  </a:txBody>
+                  <a:tcPr marL="9525" marR="9525" marT="9525" marB="0" anchor="b">
+                    <a:lnL>
+                      <a:noFill/>
+                    </a:lnL>
+                    <a:lnR>
+                      <a:noFill/>
+                    </a:lnR>
+                    <a:lnT>
+                      <a:noFill/>
+                    </a:lnT>
+                    <a:lnB>
+                      <a:noFill/>
+                    </a:lnB>
+                    <a:noFill/>
+                  </a:tcPr>
+                </a:tc>
+                <a:tc>
+                  <a:txBody>
+                    <a:bodyPr/>
+                    <a:lstStyle/>
+                    <a:p>
+                      <a:pPr algn="l" rtl="0" fontAlgn="b"/>
+                      <a:r>
+                        <a:rPr lang="en-US" sz="2000" b="0" i="0" u="none" strike="noStrike">
+                          <a:solidFill>
+                            <a:srgbClr val="000000"/>
+                          </a:solidFill>
+                          <a:effectLst/>
+                          <a:latin typeface="Aptos Narrow" panose="020B0004020202020204" pitchFamily="34" charset="0"/>
+                        </a:rPr>
+                        <a:t>worker</a:t>
+                      </a:r>
+                    </a:p>
+                  </a:txBody>
+                  <a:tcPr marL="9525" marR="9525" marT="9525" marB="0" anchor="b">
+                    <a:lnL>
+                      <a:noFill/>
+                    </a:lnL>
+                    <a:lnR>
+                      <a:noFill/>
+                    </a:lnR>
+                    <a:lnT>
+                      <a:noFill/>
+                    </a:lnT>
+                    <a:lnB>
+                      <a:noFill/>
+                    </a:lnB>
+                    <a:noFill/>
+                  </a:tcPr>
+                </a:tc>
+                <a:tc>
+                  <a:txBody>
+                    <a:bodyPr/>
+                    <a:lstStyle/>
+                    <a:p>
+                      <a:pPr algn="l" rtl="0" fontAlgn="b"/>
+                      <a:r>
+                        <a:rPr lang="en-US" sz="2000" b="0" i="0" u="none" strike="noStrike">
+                          <a:solidFill>
+                            <a:srgbClr val="000000"/>
+                          </a:solidFill>
+                          <a:effectLst/>
+                          <a:latin typeface="Aptos Narrow" panose="020B0004020202020204" pitchFamily="34" charset="0"/>
+                        </a:rPr>
+                        <a:t>restrict</a:t>
+                      </a:r>
+                    </a:p>
+                  </a:txBody>
+                  <a:tcPr marL="9525" marR="9525" marT="9525" marB="0" anchor="b">
+                    <a:lnL>
+                      <a:noFill/>
+                    </a:lnL>
+                    <a:lnR>
+                      <a:noFill/>
+                    </a:lnR>
+                    <a:lnT>
+                      <a:noFill/>
+                    </a:lnT>
+                    <a:lnB>
+                      <a:noFill/>
+                    </a:lnB>
+                    <a:noFill/>
+                  </a:tcPr>
+                </a:tc>
+                <a:extLst>
+                  <a:ext uri="{0D108BD9-81ED-4DB2-BD59-A6C34878D82A}">
+                    <a16:rowId xmlns:a16="http://schemas.microsoft.com/office/drawing/2014/main" val="3653240434"/>
+                  </a:ext>
+                </a:extLst>
+              </a:tr>
+              <a:tr h="320785">
+                <a:tc>
+                  <a:txBody>
+                    <a:bodyPr/>
+                    <a:lstStyle/>
+                    <a:p>
+                      <a:pPr algn="r" rtl="0" fontAlgn="b"/>
+                      <a:r>
+                        <a:rPr lang="en-US" sz="2000" b="0" i="0" u="none" strike="noStrike">
+                          <a:solidFill>
+                            <a:srgbClr val="000000"/>
+                          </a:solidFill>
+                          <a:effectLst/>
+                          <a:latin typeface="Aptos Narrow" panose="020B0004020202020204" pitchFamily="34" charset="0"/>
+                        </a:rPr>
+                        <a:t>9</a:t>
+                      </a:r>
+                    </a:p>
+                  </a:txBody>
+                  <a:tcPr marL="9525" marR="9525" marT="9525" marB="0" anchor="b">
+                    <a:lnL>
+                      <a:noFill/>
+                    </a:lnL>
+                    <a:lnR>
+                      <a:noFill/>
+                    </a:lnR>
+                    <a:lnT>
+                      <a:noFill/>
+                    </a:lnT>
+                    <a:lnB>
+                      <a:noFill/>
+                    </a:lnB>
+                    <a:noFill/>
+                  </a:tcPr>
+                </a:tc>
+                <a:tc>
+                  <a:txBody>
+                    <a:bodyPr/>
+                    <a:lstStyle/>
+                    <a:p>
+                      <a:pPr algn="l" rtl="0" fontAlgn="b"/>
+                      <a:r>
+                        <a:rPr lang="en-US" sz="2000" b="0" i="0" u="none" strike="noStrike">
+                          <a:solidFill>
+                            <a:srgbClr val="000000"/>
+                          </a:solidFill>
+                          <a:effectLst/>
+                          <a:latin typeface="Aptos Narrow" panose="020B0004020202020204" pitchFamily="34" charset="0"/>
+                        </a:rPr>
+                        <a:t>wade</a:t>
+                      </a:r>
+                    </a:p>
+                  </a:txBody>
+                  <a:tcPr marL="9525" marR="9525" marT="9525" marB="0" anchor="b">
+                    <a:lnL>
+                      <a:noFill/>
+                    </a:lnL>
+                    <a:lnR>
+                      <a:noFill/>
+                    </a:lnR>
+                    <a:lnT>
+                      <a:noFill/>
+                    </a:lnT>
+                    <a:lnB>
+                      <a:noFill/>
+                    </a:lnB>
+                    <a:noFill/>
+                  </a:tcPr>
+                </a:tc>
+                <a:tc>
+                  <a:txBody>
+                    <a:bodyPr/>
+                    <a:lstStyle/>
+                    <a:p>
+                      <a:pPr algn="l" rtl="0" fontAlgn="b"/>
+                      <a:r>
+                        <a:rPr lang="en-US" sz="2000" b="0" i="0" u="none" strike="noStrike">
+                          <a:solidFill>
+                            <a:srgbClr val="000000"/>
+                          </a:solidFill>
+                          <a:effectLst/>
+                          <a:latin typeface="Aptos Narrow" panose="020B0004020202020204" pitchFamily="34" charset="0"/>
+                        </a:rPr>
+                        <a:t>just</a:t>
+                      </a:r>
+                    </a:p>
+                  </a:txBody>
+                  <a:tcPr marL="9525" marR="9525" marT="9525" marB="0" anchor="b">
+                    <a:lnL>
+                      <a:noFill/>
+                    </a:lnL>
+                    <a:lnR>
+                      <a:noFill/>
+                    </a:lnR>
+                    <a:lnT>
+                      <a:noFill/>
+                    </a:lnT>
+                    <a:lnB>
+                      <a:noFill/>
+                    </a:lnB>
+                    <a:noFill/>
+                  </a:tcPr>
+                </a:tc>
+                <a:tc>
+                  <a:txBody>
+                    <a:bodyPr/>
+                    <a:lstStyle/>
+                    <a:p>
+                      <a:pPr algn="l" rtl="0" fontAlgn="b"/>
+                      <a:r>
+                        <a:rPr lang="en-US" sz="2000" b="0" i="0" u="none" strike="noStrike">
+                          <a:solidFill>
+                            <a:srgbClr val="000000"/>
+                          </a:solidFill>
+                          <a:effectLst/>
+                          <a:latin typeface="Aptos Narrow" panose="020B0004020202020204" pitchFamily="34" charset="0"/>
+                        </a:rPr>
+                        <a:t>new</a:t>
+                      </a:r>
+                    </a:p>
+                  </a:txBody>
+                  <a:tcPr marL="9525" marR="9525" marT="9525" marB="0" anchor="b">
+                    <a:lnL>
+                      <a:noFill/>
+                    </a:lnL>
+                    <a:lnR>
+                      <a:noFill/>
+                    </a:lnR>
+                    <a:lnT>
+                      <a:noFill/>
+                    </a:lnT>
+                    <a:lnB>
+                      <a:noFill/>
+                    </a:lnB>
+                    <a:noFill/>
+                  </a:tcPr>
+                </a:tc>
+                <a:extLst>
+                  <a:ext uri="{0D108BD9-81ED-4DB2-BD59-A6C34878D82A}">
+                    <a16:rowId xmlns:a16="http://schemas.microsoft.com/office/drawing/2014/main" val="2460588854"/>
+                  </a:ext>
+                </a:extLst>
+              </a:tr>
+              <a:tr h="320785">
+                <a:tc>
+                  <a:txBody>
+                    <a:bodyPr/>
+                    <a:lstStyle/>
+                    <a:p>
+                      <a:pPr algn="r" rtl="0" fontAlgn="b"/>
+                      <a:r>
+                        <a:rPr lang="en-US" sz="2000" b="0" i="0" u="none" strike="noStrike">
+                          <a:solidFill>
+                            <a:srgbClr val="000000"/>
+                          </a:solidFill>
+                          <a:effectLst/>
+                          <a:latin typeface="Aptos Narrow" panose="020B0004020202020204" pitchFamily="34" charset="0"/>
+                        </a:rPr>
+                        <a:t>10</a:t>
+                      </a:r>
+                    </a:p>
+                  </a:txBody>
+                  <a:tcPr marL="9525" marR="9525" marT="9525" marB="0" anchor="b">
+                    <a:lnL>
+                      <a:noFill/>
+                    </a:lnL>
+                    <a:lnR>
+                      <a:noFill/>
+                    </a:lnR>
+                    <a:lnT>
+                      <a:noFill/>
+                    </a:lnT>
+                    <a:lnB>
+                      <a:noFill/>
+                    </a:lnB>
+                    <a:noFill/>
+                  </a:tcPr>
+                </a:tc>
+                <a:tc>
+                  <a:txBody>
+                    <a:bodyPr/>
+                    <a:lstStyle/>
+                    <a:p>
+                      <a:pPr algn="l" rtl="0" fontAlgn="b"/>
+                      <a:r>
+                        <a:rPr lang="en-US" sz="2000" b="0" i="0" u="none" strike="noStrike">
+                          <a:solidFill>
+                            <a:srgbClr val="000000"/>
+                          </a:solidFill>
+                          <a:effectLst/>
+                          <a:latin typeface="Aptos Narrow" panose="020B0004020202020204" pitchFamily="34" charset="0"/>
+                        </a:rPr>
+                        <a:t>presid</a:t>
+                      </a:r>
+                    </a:p>
+                  </a:txBody>
+                  <a:tcPr marL="9525" marR="9525" marT="9525" marB="0" anchor="b">
+                    <a:lnL>
+                      <a:noFill/>
+                    </a:lnL>
+                    <a:lnR>
+                      <a:noFill/>
+                    </a:lnR>
+                    <a:lnT>
+                      <a:noFill/>
+                    </a:lnT>
+                    <a:lnB>
+                      <a:noFill/>
+                    </a:lnB>
+                    <a:noFill/>
+                  </a:tcPr>
+                </a:tc>
+                <a:tc>
+                  <a:txBody>
+                    <a:bodyPr/>
+                    <a:lstStyle/>
+                    <a:p>
+                      <a:pPr algn="l" rtl="0" fontAlgn="b"/>
+                      <a:r>
+                        <a:rPr lang="en-US" sz="2000" b="0" i="0" u="none" strike="noStrike" dirty="0" err="1">
+                          <a:solidFill>
+                            <a:srgbClr val="000000"/>
+                          </a:solidFill>
+                          <a:effectLst/>
+                          <a:latin typeface="Aptos Narrow" panose="020B0004020202020204" pitchFamily="34" charset="0"/>
+                        </a:rPr>
+                        <a:t>it‚Äô</a:t>
+                      </a:r>
+                      <a:endParaRPr lang="en-US" sz="2000" b="0" i="0" u="none" strike="noStrike" dirty="0">
+                        <a:solidFill>
+                          <a:srgbClr val="000000"/>
+                        </a:solidFill>
+                        <a:effectLst/>
+                        <a:latin typeface="Aptos Narrow" panose="020B0004020202020204" pitchFamily="34" charset="0"/>
+                      </a:endParaRPr>
+                    </a:p>
+                  </a:txBody>
+                  <a:tcPr marL="9525" marR="9525" marT="9525" marB="0" anchor="b">
+                    <a:lnL>
+                      <a:noFill/>
+                    </a:lnL>
+                    <a:lnR>
+                      <a:noFill/>
+                    </a:lnR>
+                    <a:lnT>
+                      <a:noFill/>
+                    </a:lnT>
+                    <a:lnB>
+                      <a:noFill/>
+                    </a:lnB>
+                    <a:noFill/>
+                  </a:tcPr>
+                </a:tc>
+                <a:tc>
+                  <a:txBody>
+                    <a:bodyPr/>
+                    <a:lstStyle/>
+                    <a:p>
+                      <a:pPr algn="l" rtl="0" fontAlgn="b"/>
+                      <a:r>
+                        <a:rPr lang="en-US" sz="2000" b="0" i="0" u="none" strike="noStrike" dirty="0" err="1">
+                          <a:solidFill>
+                            <a:srgbClr val="000000"/>
+                          </a:solidFill>
+                          <a:effectLst/>
+                          <a:latin typeface="Aptos Narrow" panose="020B0004020202020204" pitchFamily="34" charset="0"/>
+                        </a:rPr>
+                        <a:t>fda</a:t>
+                      </a:r>
+                      <a:endParaRPr lang="en-US" sz="2000" b="0" i="0" u="none" strike="noStrike" dirty="0">
+                        <a:solidFill>
+                          <a:srgbClr val="000000"/>
+                        </a:solidFill>
+                        <a:effectLst/>
+                        <a:latin typeface="Aptos Narrow" panose="020B0004020202020204" pitchFamily="34" charset="0"/>
+                      </a:endParaRPr>
+                    </a:p>
+                  </a:txBody>
+                  <a:tcPr marL="9525" marR="9525" marT="9525" marB="0" anchor="b">
+                    <a:lnL>
+                      <a:noFill/>
+                    </a:lnL>
+                    <a:lnR>
+                      <a:noFill/>
+                    </a:lnR>
+                    <a:lnT>
+                      <a:noFill/>
+                    </a:lnT>
+                    <a:lnB>
+                      <a:noFill/>
+                    </a:lnB>
+                    <a:noFill/>
+                  </a:tcPr>
+                </a:tc>
+                <a:extLst>
+                  <a:ext uri="{0D108BD9-81ED-4DB2-BD59-A6C34878D82A}">
+                    <a16:rowId xmlns:a16="http://schemas.microsoft.com/office/drawing/2014/main" val="830850883"/>
+                  </a:ext>
+                </a:extLst>
+              </a:tr>
+            </a:tbl>
+          </a:graphicData>
+        </a:graphic>
+      </p:graphicFrame>
+      <p:pic>
+        <p:nvPicPr>
+          <p:cNvPr id="6" name="Picture 8" descr="Fox News - Daily Breaking News - Apps on Google Play">
+            <a:extLst>
+              <a:ext uri="{FF2B5EF4-FFF2-40B4-BE49-F238E27FC236}">
+                <a16:creationId xmlns:a16="http://schemas.microsoft.com/office/drawing/2014/main" id="{7917FA04-D00A-F330-7F1F-C14D73ED4491}"/>
+              </a:ext>
+            </a:extLst>
+          </p:cNvPr>
+          <p:cNvPicPr>
+            <a:picLocks noChangeAspect="1" noChangeArrowheads="1"/>
+          </p:cNvPicPr>
+          <p:nvPr/>
+        </p:nvPicPr>
+        <p:blipFill rotWithShape="1">
+          <a:blip r:embed="rId2">
+            <a:extLst>
+              <a:ext uri="{28A0092B-C50C-407E-A947-70E740481C1C}">
+                <a14:useLocalDpi xmlns:a14="http://schemas.microsoft.com/office/drawing/2010/main" val="0"/>
+              </a:ext>
+            </a:extLst>
+          </a:blip>
+          <a:srcRect l="24454" r="25512"/>
+          <a:stretch/>
+        </p:blipFill>
+        <p:spPr bwMode="auto">
+          <a:xfrm>
+            <a:off x="9055654" y="5878590"/>
+            <a:ext cx="663528" cy="663082"/>
+          </a:xfrm>
+          <a:prstGeom prst="rect">
+            <a:avLst/>
+          </a:prstGeom>
+          <a:noFill/>
+          <a:extLst>
+            <a:ext uri="{909E8E84-426E-40DD-AFC4-6F175D3DCCD1}">
+              <a14:hiddenFill xmlns:a14="http://schemas.microsoft.com/office/drawing/2010/main">
+                <a:solidFill>
+                  <a:srgbClr val="FFFFFF"/>
+                </a:solidFill>
+              </a14:hiddenFill>
+            </a:ext>
+          </a:extLst>
+        </p:spPr>
+      </p:pic>
+      <p:pic>
+        <p:nvPicPr>
+          <p:cNvPr id="7" name="Picture 12">
+            <a:extLst>
+              <a:ext uri="{FF2B5EF4-FFF2-40B4-BE49-F238E27FC236}">
+                <a16:creationId xmlns:a16="http://schemas.microsoft.com/office/drawing/2014/main" id="{CF3E58F6-D41E-F97A-C463-8F6FB15E73F5}"/>
+              </a:ext>
+            </a:extLst>
+          </p:cNvPr>
+          <p:cNvPicPr>
+            <a:picLocks noChangeAspect="1" noChangeArrowheads="1"/>
+          </p:cNvPicPr>
+          <p:nvPr/>
+        </p:nvPicPr>
+        <p:blipFill>
+          <a:blip r:embed="rId3">
+            <a:extLst>
+              <a:ext uri="{28A0092B-C50C-407E-A947-70E740481C1C}">
+                <a14:useLocalDpi xmlns:a14="http://schemas.microsoft.com/office/drawing/2010/main" val="0"/>
+              </a:ext>
+            </a:extLst>
+          </a:blip>
+          <a:srcRect/>
+          <a:stretch>
+            <a:fillRect/>
+          </a:stretch>
+        </p:blipFill>
+        <p:spPr bwMode="auto">
+          <a:xfrm>
+            <a:off x="2408830" y="5833872"/>
+            <a:ext cx="1234937" cy="364244"/>
+          </a:xfrm>
+          <a:prstGeom prst="rect">
+            <a:avLst/>
+          </a:prstGeom>
+          <a:noFill/>
+          <a:extLst>
+            <a:ext uri="{909E8E84-426E-40DD-AFC4-6F175D3DCCD1}">
+              <a14:hiddenFill xmlns:a14="http://schemas.microsoft.com/office/drawing/2010/main">
+                <a:solidFill>
+                  <a:srgbClr val="FFFFFF"/>
+                </a:solidFill>
+              </a14:hiddenFill>
+            </a:ext>
+          </a:extLst>
+        </p:spPr>
+      </p:pic>
+      <p:sp>
+        <p:nvSpPr>
+          <p:cNvPr id="8" name="TextBox 7">
+            <a:extLst>
+              <a:ext uri="{FF2B5EF4-FFF2-40B4-BE49-F238E27FC236}">
+                <a16:creationId xmlns:a16="http://schemas.microsoft.com/office/drawing/2014/main" id="{DD29F8E9-5372-D0B1-8219-9C69BE3974A3}"/>
+              </a:ext>
+            </a:extLst>
+          </p:cNvPr>
+          <p:cNvSpPr txBox="1"/>
+          <p:nvPr/>
+        </p:nvSpPr>
+        <p:spPr>
+          <a:xfrm>
+            <a:off x="1073336" y="2123256"/>
+            <a:ext cx="1335494" cy="276999"/>
+          </a:xfrm>
+          <a:prstGeom prst="rect">
+            <a:avLst/>
+          </a:prstGeom>
+          <a:noFill/>
+        </p:spPr>
+        <p:txBody>
+          <a:bodyPr wrap="none" rtlCol="0">
+            <a:spAutoFit/>
+          </a:bodyPr>
+          <a:lstStyle/>
+          <a:p>
+            <a:r>
+              <a:rPr lang="en-US" sz="1200" dirty="0"/>
+              <a:t>Women’s choice</a:t>
             </a:r>
           </a:p>
         </p:txBody>
       </p:sp>
       <p:sp>
         <p:nvSpPr>
-          <p:cNvPr id="3" name="Content Placeholder 2">
-            <a:extLst>
-              <a:ext uri="{FF2B5EF4-FFF2-40B4-BE49-F238E27FC236}">
-                <a16:creationId xmlns:a16="http://schemas.microsoft.com/office/drawing/2014/main" id="{9DB49D06-C80C-E5CC-F84C-0AAE5148DBF1}"/>
-              </a:ext>
-            </a:extLst>
-          </p:cNvPr>
-          <p:cNvSpPr>
-            <a:spLocks noGrp="1"/>
-          </p:cNvSpPr>
-          <p:nvPr>
-            <p:ph idx="1"/>
-          </p:nvPr>
+          <p:cNvPr id="9" name="TextBox 8">
+            <a:extLst>
+              <a:ext uri="{FF2B5EF4-FFF2-40B4-BE49-F238E27FC236}">
+                <a16:creationId xmlns:a16="http://schemas.microsoft.com/office/drawing/2014/main" id="{F0CC6541-74C4-C451-AE2F-5A4C72F70B90}"/>
+              </a:ext>
+            </a:extLst>
+          </p:cNvPr>
+          <p:cNvSpPr txBox="1"/>
+          <p:nvPr/>
         </p:nvSpPr>
         <p:spPr>
           <a:xfrm>
-            <a:off x="1371600" y="2112264"/>
-            <a:ext cx="6595110" cy="4299966"/>
+            <a:off x="2848036" y="2123604"/>
+            <a:ext cx="640625" cy="276999"/>
           </a:xfrm>
+          <a:prstGeom prst="rect">
+            <a:avLst/>
+          </a:prstGeom>
+          <a:noFill/>
         </p:spPr>
         <p:txBody>
-          <a:bodyPr>
-            <a:normAutofit fontScale="92500"/>
+          <a:bodyPr wrap="none" rtlCol="0">
+            <a:spAutoFit/>
           </a:bodyPr>
           <a:lstStyle/>
           <a:p>
-            <a:pPr marL="0" indent="0">
-              <a:buNone/>
-            </a:pPr>
-            <a:r>
-              <a:rPr lang="en-US" sz="1400" b="1" dirty="0"/>
-              <a:t>Web scraping</a:t>
-            </a:r>
-          </a:p>
-          <a:p>
-            <a:pPr marL="457200" indent="-457200">
-              <a:buFont typeface="+mj-lt"/>
-              <a:buAutoNum type="arabicPeriod"/>
-            </a:pPr>
-            <a:r>
-              <a:rPr lang="en-US" sz="1400" dirty="0"/>
-              <a:t>Scraping websites that use lots of JavaScript (e.g. Fox News, VOX)</a:t>
-            </a:r>
-          </a:p>
-          <a:p>
-            <a:pPr marL="457200" indent="-457200">
-              <a:buFont typeface="+mj-lt"/>
-              <a:buAutoNum type="arabicPeriod"/>
-            </a:pPr>
-            <a:r>
-              <a:rPr lang="en-US" sz="1400" dirty="0"/>
-              <a:t>Selecting blocks without unique identifiers</a:t>
-            </a:r>
-          </a:p>
-          <a:p>
-            <a:pPr marL="457200" indent="-457200">
-              <a:buFont typeface="+mj-lt"/>
-              <a:buAutoNum type="arabicPeriod"/>
-            </a:pPr>
-            <a:r>
-              <a:rPr lang="en-US" sz="1400" dirty="0"/>
-              <a:t>Had to collect URLs in batches since the “next” button wouldn’t work after p. 5</a:t>
-            </a:r>
-          </a:p>
-          <a:p>
-            <a:pPr marL="0" indent="0">
-              <a:buNone/>
-            </a:pPr>
-            <a:r>
-              <a:rPr lang="en-US" sz="1400" b="1" dirty="0"/>
-              <a:t>Pre-processing</a:t>
-            </a:r>
-          </a:p>
-          <a:p>
-            <a:pPr marL="457200" indent="-457200">
-              <a:buFont typeface="+mj-lt"/>
-              <a:buAutoNum type="arabicPeriod"/>
-            </a:pPr>
-            <a:r>
-              <a:rPr lang="en-US" sz="1400" dirty="0"/>
-              <a:t>Assigning gender to authors with less common names</a:t>
-            </a:r>
-          </a:p>
-          <a:p>
-            <a:pPr marL="457200" indent="-457200">
-              <a:buFont typeface="+mj-lt"/>
-              <a:buAutoNum type="arabicPeriod"/>
-            </a:pPr>
-            <a:r>
-              <a:rPr lang="en-US" sz="1400" dirty="0"/>
-              <a:t>German language: Many more </a:t>
-            </a:r>
-            <a:r>
-              <a:rPr lang="en-US" sz="1400" dirty="0" err="1"/>
-              <a:t>stopwords</a:t>
-            </a:r>
-            <a:r>
-              <a:rPr lang="en-US" sz="1400" dirty="0"/>
-              <a:t> in the German language, Umlaut (i.e., </a:t>
-            </a:r>
-            <a:r>
-              <a:rPr lang="en-US" sz="1400" dirty="0" err="1"/>
-              <a:t>ä</a:t>
-            </a:r>
-            <a:r>
-              <a:rPr lang="en-US" sz="1400" dirty="0"/>
-              <a:t>, </a:t>
-            </a:r>
-            <a:r>
-              <a:rPr lang="en-US" sz="1400" dirty="0" err="1"/>
-              <a:t>ü</a:t>
-            </a:r>
-            <a:r>
-              <a:rPr lang="en-US" sz="1400" dirty="0"/>
-              <a:t>)</a:t>
-            </a:r>
-          </a:p>
-          <a:p>
-            <a:pPr marL="457200" indent="-457200">
-              <a:buFont typeface="+mj-lt"/>
-              <a:buAutoNum type="arabicPeriod"/>
-            </a:pPr>
-            <a:r>
-              <a:rPr lang="en-US" sz="1400" dirty="0"/>
-              <a:t>Making sense of features and adjusting </a:t>
-            </a:r>
-            <a:r>
-              <a:rPr lang="en-US" sz="1400" dirty="0" err="1"/>
-              <a:t>stopwords</a:t>
-            </a:r>
-            <a:endParaRPr lang="en-US" sz="1400" dirty="0"/>
-          </a:p>
-          <a:p>
-            <a:pPr marL="0" indent="0">
-              <a:buNone/>
-            </a:pPr>
-            <a:r>
-              <a:rPr lang="en-US" sz="1400" b="1" dirty="0"/>
-              <a:t>Results</a:t>
-            </a:r>
-          </a:p>
-          <a:p>
-            <a:pPr marL="457200" indent="-457200">
-              <a:buFont typeface="+mj-lt"/>
-              <a:buAutoNum type="arabicPeriod"/>
-            </a:pPr>
-            <a:r>
-              <a:rPr lang="en-US" sz="1400" dirty="0"/>
-              <a:t>Lots of time spent on plot output and saving</a:t>
-            </a:r>
-          </a:p>
-          <a:p>
-            <a:pPr marL="457200" indent="-457200">
-              <a:buFont typeface="+mj-lt"/>
-              <a:buAutoNum type="arabicPeriod"/>
-            </a:pPr>
-            <a:r>
-              <a:rPr lang="en-US" sz="1400" dirty="0"/>
-              <a:t>Ambiguous results (e.g. valence analysis)</a:t>
-            </a:r>
-          </a:p>
-          <a:p>
-            <a:pPr marL="457200" indent="-457200">
-              <a:buFont typeface="+mj-lt"/>
-              <a:buAutoNum type="arabicPeriod"/>
-            </a:pPr>
-            <a:endParaRPr lang="en-US" sz="1400" dirty="0"/>
+            <a:r>
+              <a:rPr lang="en-US" sz="1200" dirty="0"/>
+              <a:t>Health</a:t>
+            </a:r>
+          </a:p>
+        </p:txBody>
+      </p:sp>
+      <p:sp>
+        <p:nvSpPr>
+          <p:cNvPr id="10" name="TextBox 9">
+            <a:extLst>
+              <a:ext uri="{FF2B5EF4-FFF2-40B4-BE49-F238E27FC236}">
+                <a16:creationId xmlns:a16="http://schemas.microsoft.com/office/drawing/2014/main" id="{7EC18E3E-525E-4C6E-8F3C-A9B8C3A27E04}"/>
+              </a:ext>
+            </a:extLst>
+          </p:cNvPr>
+          <p:cNvSpPr txBox="1"/>
+          <p:nvPr/>
+        </p:nvSpPr>
+        <p:spPr>
+          <a:xfrm>
+            <a:off x="4162486" y="2123604"/>
+            <a:ext cx="966931" cy="276999"/>
+          </a:xfrm>
+          <a:prstGeom prst="rect">
+            <a:avLst/>
+          </a:prstGeom>
+          <a:noFill/>
+        </p:spPr>
+        <p:txBody>
+          <a:bodyPr wrap="none" rtlCol="0">
+            <a:spAutoFit/>
+          </a:bodyPr>
+          <a:lstStyle/>
+          <a:p>
+            <a:r>
+              <a:rPr lang="en-US" sz="1200" dirty="0"/>
+              <a:t>Law/justice</a:t>
+            </a:r>
+          </a:p>
+        </p:txBody>
+      </p:sp>
+      <p:sp>
+        <p:nvSpPr>
+          <p:cNvPr id="11" name="TextBox 10">
+            <a:extLst>
+              <a:ext uri="{FF2B5EF4-FFF2-40B4-BE49-F238E27FC236}">
+                <a16:creationId xmlns:a16="http://schemas.microsoft.com/office/drawing/2014/main" id="{4A8BF91C-B30E-5160-7AF3-DD4C4E645BCA}"/>
+              </a:ext>
+            </a:extLst>
+          </p:cNvPr>
+          <p:cNvSpPr txBox="1"/>
+          <p:nvPr/>
+        </p:nvSpPr>
+        <p:spPr>
+          <a:xfrm>
+            <a:off x="7640254" y="2123256"/>
+            <a:ext cx="741100" cy="276999"/>
+          </a:xfrm>
+          <a:prstGeom prst="rect">
+            <a:avLst/>
+          </a:prstGeom>
+          <a:noFill/>
+        </p:spPr>
+        <p:txBody>
+          <a:bodyPr wrap="none" rtlCol="0">
+            <a:spAutoFit/>
+          </a:bodyPr>
+          <a:lstStyle/>
+          <a:p>
+            <a:r>
+              <a:rPr lang="en-US" sz="1200" dirty="0"/>
+              <a:t>Politics?</a:t>
+            </a:r>
+          </a:p>
+        </p:txBody>
+      </p:sp>
+      <p:sp>
+        <p:nvSpPr>
+          <p:cNvPr id="12" name="TextBox 11">
+            <a:extLst>
+              <a:ext uri="{FF2B5EF4-FFF2-40B4-BE49-F238E27FC236}">
+                <a16:creationId xmlns:a16="http://schemas.microsoft.com/office/drawing/2014/main" id="{4FE028D7-F7AE-8DD7-FFE9-1104D3A8E281}"/>
+              </a:ext>
+            </a:extLst>
+          </p:cNvPr>
+          <p:cNvSpPr txBox="1"/>
+          <p:nvPr/>
+        </p:nvSpPr>
+        <p:spPr>
+          <a:xfrm>
+            <a:off x="8848786" y="2123604"/>
+            <a:ext cx="1343509" cy="276999"/>
+          </a:xfrm>
+          <a:prstGeom prst="rect">
+            <a:avLst/>
+          </a:prstGeom>
+          <a:noFill/>
+        </p:spPr>
+        <p:txBody>
+          <a:bodyPr wrap="none" rtlCol="0">
+            <a:spAutoFit/>
+          </a:bodyPr>
+          <a:lstStyle/>
+          <a:p>
+            <a:r>
+              <a:rPr lang="en-US" sz="1200" dirty="0"/>
+              <a:t>Women’s rights?</a:t>
+            </a:r>
+          </a:p>
+        </p:txBody>
+      </p:sp>
+      <p:sp>
+        <p:nvSpPr>
+          <p:cNvPr id="13" name="TextBox 12">
+            <a:extLst>
+              <a:ext uri="{FF2B5EF4-FFF2-40B4-BE49-F238E27FC236}">
+                <a16:creationId xmlns:a16="http://schemas.microsoft.com/office/drawing/2014/main" id="{D0EA9F5C-096D-B9BD-2745-FDBB08093D55}"/>
+              </a:ext>
+            </a:extLst>
+          </p:cNvPr>
+          <p:cNvSpPr txBox="1"/>
+          <p:nvPr/>
+        </p:nvSpPr>
+        <p:spPr>
+          <a:xfrm>
+            <a:off x="10212429" y="2123604"/>
+            <a:ext cx="966931" cy="276999"/>
+          </a:xfrm>
+          <a:prstGeom prst="rect">
+            <a:avLst/>
+          </a:prstGeom>
+          <a:noFill/>
+        </p:spPr>
+        <p:txBody>
+          <a:bodyPr wrap="none" rtlCol="0">
+            <a:spAutoFit/>
+          </a:bodyPr>
+          <a:lstStyle/>
+          <a:p>
+            <a:r>
+              <a:rPr lang="en-US" sz="1200" dirty="0"/>
+              <a:t>Law/justice</a:t>
+            </a:r>
           </a:p>
         </p:txBody>
       </p:sp>
     </p:spTree>
     <p:extLst>
       <p:ext uri="{BB962C8B-B14F-4D97-AF65-F5344CB8AC3E}">
-        <p14:creationId xmlns:p14="http://schemas.microsoft.com/office/powerpoint/2010/main" val="2566445181"/>
+        <p14:creationId xmlns:p14="http://schemas.microsoft.com/office/powerpoint/2010/main" val="2081437269"/>
       </p:ext>
     </p:extLst>
   </p:cSld>
@@ -5609,7 +8966,7 @@
           <p:cNvPr id="2" name="Title 1">
             <a:extLst>
               <a:ext uri="{FF2B5EF4-FFF2-40B4-BE49-F238E27FC236}">
-                <a16:creationId xmlns:a16="http://schemas.microsoft.com/office/drawing/2014/main" id="{F65E8E85-F016-79E7-DB40-6612F4B686EE}"/>
+                <a16:creationId xmlns:a16="http://schemas.microsoft.com/office/drawing/2014/main" id="{01D6EDC1-2799-5CC8-13A3-1D8FCD856A93}"/>
               </a:ext>
             </a:extLst>
           </p:cNvPr>
@@ -5627,7 +8984,7 @@
           <a:p>
             <a:r>
               <a:rPr lang="en-US" dirty="0"/>
-              <a:t>Learnings for next time</a:t>
+              <a:t>Problems you encountered</a:t>
             </a:r>
           </a:p>
         </p:txBody>
@@ -5637,7 +8994,7 @@
           <p:cNvPr id="3" name="Content Placeholder 2">
             <a:extLst>
               <a:ext uri="{FF2B5EF4-FFF2-40B4-BE49-F238E27FC236}">
-                <a16:creationId xmlns:a16="http://schemas.microsoft.com/office/drawing/2014/main" id="{6FE7FBAD-7663-962E-8AA9-E10596D51689}"/>
+                <a16:creationId xmlns:a16="http://schemas.microsoft.com/office/drawing/2014/main" id="{9DB49D06-C80C-E5CC-F84C-0AAE5148DBF1}"/>
               </a:ext>
             </a:extLst>
           </p:cNvPr>
@@ -5648,40 +9005,166 @@
             <p:ph idx="1"/>
           </p:nvPr>
         </p:nvSpPr>
-        <p:spPr/>
+        <p:spPr>
+          <a:xfrm>
+            <a:off x="1371600" y="2112264"/>
+            <a:ext cx="6595110" cy="4299966"/>
+          </a:xfrm>
+        </p:spPr>
         <p:txBody>
-          <a:bodyPr/>
+          <a:bodyPr>
+            <a:normAutofit fontScale="92500"/>
+          </a:bodyPr>
           <a:lstStyle/>
           <a:p>
-            <a:r>
-              <a:rPr lang="en-US" dirty="0"/>
-              <a:t>Collaborate in one code document?</a:t>
-            </a:r>
-          </a:p>
-          <a:p>
-            <a:r>
-              <a:rPr lang="en-US" dirty="0"/>
-              <a:t>Unify datasets early on</a:t>
-            </a:r>
-          </a:p>
-          <a:p>
-            <a:r>
-              <a:rPr lang="en-US" dirty="0"/>
-              <a:t>Make plot output process more efficient</a:t>
-            </a:r>
-          </a:p>
-          <a:p>
-            <a:r>
-              <a:rPr lang="en-US" dirty="0"/>
-              <a:t>Not all analyses make sense</a:t>
-            </a:r>
+            <a:pPr marL="0" indent="0">
+              <a:buNone/>
+            </a:pPr>
+            <a:r>
+              <a:rPr lang="en-US" sz="1400" b="1" dirty="0"/>
+              <a:t>Web scraping</a:t>
+            </a:r>
+          </a:p>
+          <a:p>
+            <a:pPr marL="457200" indent="-457200">
+              <a:buFont typeface="+mj-lt"/>
+              <a:buAutoNum type="arabicPeriod"/>
+            </a:pPr>
+            <a:r>
+              <a:rPr lang="en-US" sz="1400" dirty="0"/>
+              <a:t>Scraping websites that use lots of JavaScript (e.g. Fox News, VOX)</a:t>
+            </a:r>
+          </a:p>
+          <a:p>
+            <a:pPr marL="457200" indent="-457200">
+              <a:buFont typeface="+mj-lt"/>
+              <a:buAutoNum type="arabicPeriod"/>
+            </a:pPr>
+            <a:r>
+              <a:rPr lang="en-US" sz="1400" dirty="0"/>
+              <a:t>Selecting blocks without unique identifiers</a:t>
+            </a:r>
+          </a:p>
+          <a:p>
+            <a:pPr marL="457200" indent="-457200">
+              <a:buFont typeface="+mj-lt"/>
+              <a:buAutoNum type="arabicPeriod"/>
+            </a:pPr>
+            <a:r>
+              <a:rPr lang="en-US" sz="1400" dirty="0"/>
+              <a:t>Had to collect URLs in batches since the “next” button wouldn’t work after p. 5</a:t>
+            </a:r>
+          </a:p>
+          <a:p>
+            <a:pPr marL="0" indent="0">
+              <a:buNone/>
+            </a:pPr>
+            <a:r>
+              <a:rPr lang="en-US" sz="1400" b="1" dirty="0"/>
+              <a:t>Pre-processing</a:t>
+            </a:r>
+          </a:p>
+          <a:p>
+            <a:pPr marL="457200" indent="-457200">
+              <a:buFont typeface="+mj-lt"/>
+              <a:buAutoNum type="arabicPeriod"/>
+            </a:pPr>
+            <a:r>
+              <a:rPr lang="en-US" sz="1400" dirty="0"/>
+              <a:t>Assigning gender to authors with less common names</a:t>
+            </a:r>
+          </a:p>
+          <a:p>
+            <a:pPr marL="457200" indent="-457200">
+              <a:buFont typeface="+mj-lt"/>
+              <a:buAutoNum type="arabicPeriod"/>
+            </a:pPr>
+            <a:r>
+              <a:rPr lang="en-US" sz="1400" dirty="0"/>
+              <a:t>German language: Many more </a:t>
+            </a:r>
+            <a:r>
+              <a:rPr lang="en-US" sz="1400" dirty="0" err="1"/>
+              <a:t>stopwords</a:t>
+            </a:r>
+            <a:r>
+              <a:rPr lang="en-US" sz="1400" dirty="0"/>
+              <a:t> in the German language, Umlaut (i.e., </a:t>
+            </a:r>
+            <a:r>
+              <a:rPr lang="en-US" sz="1400" dirty="0" err="1"/>
+              <a:t>ä</a:t>
+            </a:r>
+            <a:r>
+              <a:rPr lang="en-US" sz="1400" dirty="0"/>
+              <a:t>, </a:t>
+            </a:r>
+            <a:r>
+              <a:rPr lang="en-US" sz="1400" dirty="0" err="1"/>
+              <a:t>ü</a:t>
+            </a:r>
+            <a:r>
+              <a:rPr lang="en-US" sz="1400" dirty="0"/>
+              <a:t>)</a:t>
+            </a:r>
+          </a:p>
+          <a:p>
+            <a:pPr marL="457200" indent="-457200">
+              <a:buFont typeface="+mj-lt"/>
+              <a:buAutoNum type="arabicPeriod"/>
+            </a:pPr>
+            <a:r>
+              <a:rPr lang="en-US" sz="1400" dirty="0"/>
+              <a:t>Making sense of features and adjusting </a:t>
+            </a:r>
+            <a:r>
+              <a:rPr lang="en-US" sz="1400" dirty="0" err="1"/>
+              <a:t>stopwords</a:t>
+            </a:r>
+            <a:endParaRPr lang="en-US" sz="1400" dirty="0"/>
+          </a:p>
+          <a:p>
+            <a:pPr marL="0" indent="0">
+              <a:buNone/>
+            </a:pPr>
+            <a:r>
+              <a:rPr lang="en-US" sz="1400" b="1" dirty="0"/>
+              <a:t>Results</a:t>
+            </a:r>
+          </a:p>
+          <a:p>
+            <a:pPr marL="457200" indent="-457200">
+              <a:buFont typeface="+mj-lt"/>
+              <a:buAutoNum type="arabicPeriod"/>
+            </a:pPr>
+            <a:r>
+              <a:rPr lang="en-US" sz="1400" dirty="0"/>
+              <a:t>Lots of time spent on plot output and saving</a:t>
+            </a:r>
+          </a:p>
+          <a:p>
+            <a:pPr marL="457200" indent="-457200">
+              <a:buFont typeface="+mj-lt"/>
+              <a:buAutoNum type="arabicPeriod"/>
+            </a:pPr>
+            <a:r>
+              <a:rPr lang="en-US" sz="1400" dirty="0"/>
+              <a:t>Ambiguous results (e.g. valence analysis)</a:t>
+            </a:r>
+          </a:p>
+          <a:p>
+            <a:pPr marL="457200" indent="-457200">
+              <a:buFont typeface="+mj-lt"/>
+              <a:buAutoNum type="arabicPeriod"/>
+            </a:pPr>
+            <a:endParaRPr lang="en-US" sz="1400" dirty="0"/>
           </a:p>
         </p:txBody>
       </p:sp>
     </p:spTree>
     <p:extLst>
       <p:ext uri="{BB962C8B-B14F-4D97-AF65-F5344CB8AC3E}">
-        <p14:creationId xmlns:p14="http://schemas.microsoft.com/office/powerpoint/2010/main" val="4153860887"/>
+        <p14:creationId xmlns:p14="http://schemas.microsoft.com/office/powerpoint/2010/main" val="2566445181"/>
       </p:ext>
     </p:extLst>
   </p:cSld>
@@ -5713,7 +9196,7 @@
           <p:cNvPr id="2" name="Title 1">
             <a:extLst>
               <a:ext uri="{FF2B5EF4-FFF2-40B4-BE49-F238E27FC236}">
-                <a16:creationId xmlns:a16="http://schemas.microsoft.com/office/drawing/2014/main" id="{8B194F08-3305-8E1F-7903-D479FEB210F1}"/>
+                <a16:creationId xmlns:a16="http://schemas.microsoft.com/office/drawing/2014/main" id="{F65E8E85-F016-79E7-DB40-6612F4B686EE}"/>
               </a:ext>
             </a:extLst>
           </p:cNvPr>
@@ -5729,7 +9212,10 @@
           <a:bodyPr/>
           <a:lstStyle/>
           <a:p>
-            <a:endParaRPr lang="en-US"/>
+            <a:r>
+              <a:rPr lang="en-US" dirty="0"/>
+              <a:t>Learnings for next time</a:t>
+            </a:r>
           </a:p>
         </p:txBody>
       </p:sp>
@@ -5738,7 +9224,7 @@
           <p:cNvPr id="3" name="Content Placeholder 2">
             <a:extLst>
               <a:ext uri="{FF2B5EF4-FFF2-40B4-BE49-F238E27FC236}">
-                <a16:creationId xmlns:a16="http://schemas.microsoft.com/office/drawing/2014/main" id="{99C29582-DD9D-8E7A-8412-B855D72F073C}"/>
+                <a16:creationId xmlns:a16="http://schemas.microsoft.com/office/drawing/2014/main" id="{6FE7FBAD-7663-962E-8AA9-E10596D51689}"/>
               </a:ext>
             </a:extLst>
           </p:cNvPr>
@@ -5749,24 +9235,32 @@
             <p:ph idx="1"/>
           </p:nvPr>
         </p:nvSpPr>
-        <p:spPr>
-          <a:xfrm>
-            <a:off x="1371600" y="795528"/>
-            <a:ext cx="10241280" cy="5276088"/>
-          </a:xfrm>
-        </p:spPr>
+        <p:spPr/>
         <p:txBody>
-          <a:bodyPr anchor="ctr">
-            <a:normAutofit/>
-          </a:bodyPr>
+          <a:bodyPr/>
           <a:lstStyle/>
           <a:p>
-            <a:pPr marL="0" indent="0" algn="ctr">
-              <a:buNone/>
-            </a:pPr>
-            <a:r>
-              <a:rPr lang="en-US" sz="3600" dirty="0"/>
-              <a:t>THANK YOU!</a:t>
+            <a:r>
+              <a:rPr lang="en-US" dirty="0"/>
+              <a:t>Collaborate in one code document?</a:t>
+            </a:r>
+          </a:p>
+          <a:p>
+            <a:r>
+              <a:rPr lang="en-US" dirty="0"/>
+              <a:t>Unify datasets early on</a:t>
+            </a:r>
+          </a:p>
+          <a:p>
+            <a:r>
+              <a:rPr lang="en-US" dirty="0"/>
+              <a:t>Make plot output process more efficient</a:t>
+            </a:r>
+          </a:p>
+          <a:p>
+            <a:r>
+              <a:rPr lang="en-US" dirty="0"/>
+              <a:t>Not all analyses make sense</a:t>
             </a:r>
           </a:p>
         </p:txBody>
@@ -5774,7 +9268,7 @@
     </p:spTree>
     <p:extLst>
       <p:ext uri="{BB962C8B-B14F-4D97-AF65-F5344CB8AC3E}">
-        <p14:creationId xmlns:p14="http://schemas.microsoft.com/office/powerpoint/2010/main" val="797736367"/>
+        <p14:creationId xmlns:p14="http://schemas.microsoft.com/office/powerpoint/2010/main" val="4153860887"/>
       </p:ext>
     </p:extLst>
   </p:cSld>
